--- a/Slides/Sharda_11e_full_accessible_ppt_02.pptx
+++ b/Slides/Sharda_11e_full_accessible_ppt_02.pptx
@@ -307,7 +307,7 @@
           <a:p>
             <a:fld id="{8D8D874E-E9D5-433B-A149-BDF6BFDD40A8}" type="datetimeFigureOut">
               <a:rPr lang="en-US" smtClean="0"/>
-              <a:t>9/5/21</a:t>
+              <a:t>9/27/21</a:t>
             </a:fld>
             <a:endParaRPr lang="en-US" dirty="0"/>
           </a:p>
@@ -472,7 +472,7 @@
           <a:p>
             <a:fld id="{EA051F04-9E25-42C3-8BC5-EC2E8469D95E}" type="datetimeFigureOut">
               <a:rPr lang="en-US" smtClean="0"/>
-              <a:t>9/5/21</a:t>
+              <a:t>9/27/21</a:t>
             </a:fld>
             <a:endParaRPr lang="en-US" dirty="0"/>
           </a:p>
@@ -5178,7 +5178,7 @@
           <a:p>
             <a:fld id="{A9DF6EFB-3F44-496C-A842-1E0B3D3B975A}" type="datetimeFigureOut">
               <a:rPr lang="en-US" smtClean="0"/>
-              <a:t>9/5/21</a:t>
+              <a:t>9/27/21</a:t>
             </a:fld>
             <a:endParaRPr lang="en-US" dirty="0"/>
           </a:p>
@@ -5546,7 +5546,7 @@
           <a:p>
             <a:fld id="{A9DF6EFB-3F44-496C-A842-1E0B3D3B975A}" type="datetimeFigureOut">
               <a:rPr lang="en-US" smtClean="0"/>
-              <a:t>9/5/21</a:t>
+              <a:t>9/27/21</a:t>
             </a:fld>
             <a:endParaRPr lang="en-US" dirty="0"/>
           </a:p>
@@ -5893,7 +5893,7 @@
           <a:p>
             <a:fld id="{A9DF6EFB-3F44-496C-A842-1E0B3D3B975A}" type="datetimeFigureOut">
               <a:rPr lang="en-US" smtClean="0"/>
-              <a:t>9/5/21</a:t>
+              <a:t>9/27/21</a:t>
             </a:fld>
             <a:endParaRPr lang="en-US" dirty="0"/>
           </a:p>
@@ -6236,7 +6236,7 @@
           <a:p>
             <a:fld id="{A9DF6EFB-3F44-496C-A842-1E0B3D3B975A}" type="datetimeFigureOut">
               <a:rPr lang="en-US" smtClean="0"/>
-              <a:t>9/5/21</a:t>
+              <a:t>9/27/21</a:t>
             </a:fld>
             <a:endParaRPr lang="en-US" dirty="0"/>
           </a:p>
@@ -6358,7 +6358,7 @@
           <a:p>
             <a:fld id="{A9DF6EFB-3F44-496C-A842-1E0B3D3B975A}" type="datetimeFigureOut">
               <a:rPr lang="en-US" smtClean="0"/>
-              <a:t>9/5/21</a:t>
+              <a:t>9/27/21</a:t>
             </a:fld>
             <a:endParaRPr lang="en-US" dirty="0"/>
           </a:p>
@@ -6467,7 +6467,7 @@
             <a:fld id="{A9DF6EFB-3F44-496C-A842-1E0B3D3B975A}" type="datetimeFigureOut">
               <a:rPr lang="en-US" smtClean="0"/>
               <a:pPr/>
-              <a:t>9/5/21</a:t>
+              <a:t>9/27/21</a:t>
             </a:fld>
             <a:endParaRPr lang="en-US" dirty="0"/>
           </a:p>
@@ -7463,7 +7463,7 @@
             <a:fld id="{A9DF6EFB-3F44-496C-A842-1E0B3D3B975A}" type="datetimeFigureOut">
               <a:rPr lang="en-US" smtClean="0"/>
               <a:pPr/>
-              <a:t>9/5/21</a:t>
+              <a:t>9/27/21</a:t>
             </a:fld>
             <a:endParaRPr lang="en-US" dirty="0"/>
           </a:p>
@@ -7852,7 +7852,7 @@
             <a:fld id="{A9DF6EFB-3F44-496C-A842-1E0B3D3B975A}" type="datetimeFigureOut">
               <a:rPr lang="en-US" smtClean="0"/>
               <a:pPr/>
-              <a:t>9/5/21</a:t>
+              <a:t>9/27/21</a:t>
             </a:fld>
             <a:endParaRPr lang="en-US" dirty="0"/>
           </a:p>
@@ -8122,7 +8122,7 @@
             <a:fld id="{A9DF6EFB-3F44-496C-A842-1E0B3D3B975A}" type="datetimeFigureOut">
               <a:rPr lang="en-US" smtClean="0"/>
               <a:pPr/>
-              <a:t>9/5/21</a:t>
+              <a:t>9/27/21</a:t>
             </a:fld>
             <a:endParaRPr lang="en-US" dirty="0"/>
           </a:p>
@@ -8385,7 +8385,7 @@
           <a:p>
             <a:fld id="{A9DF6EFB-3F44-496C-A842-1E0B3D3B975A}" type="datetimeFigureOut">
               <a:rPr lang="en-US" smtClean="0"/>
-              <a:t>9/5/21</a:t>
+              <a:t>9/27/21</a:t>
             </a:fld>
             <a:endParaRPr lang="en-US" dirty="0"/>
           </a:p>
@@ -8647,7 +8647,7 @@
           <a:p>
             <a:fld id="{A9DF6EFB-3F44-496C-A842-1E0B3D3B975A}" type="datetimeFigureOut">
               <a:rPr lang="en-US" smtClean="0"/>
-              <a:t>9/5/21</a:t>
+              <a:t>9/27/21</a:t>
             </a:fld>
             <a:endParaRPr lang="en-US" dirty="0"/>
           </a:p>
@@ -8940,7 +8940,7 @@
             <a:fld id="{A9DF6EFB-3F44-496C-A842-1E0B3D3B975A}" type="datetimeFigureOut">
               <a:rPr lang="en-US" smtClean="0"/>
               <a:pPr/>
-              <a:t>9/5/21</a:t>
+              <a:t>9/27/21</a:t>
             </a:fld>
             <a:endParaRPr lang="en-US" dirty="0"/>
           </a:p>
@@ -9317,7 +9317,7 @@
           <a:p>
             <a:fld id="{A9DF6EFB-3F44-496C-A842-1E0B3D3B975A}" type="datetimeFigureOut">
               <a:rPr lang="en-US" smtClean="0"/>
-              <a:t>9/5/21</a:t>
+              <a:t>9/27/21</a:t>
             </a:fld>
             <a:endParaRPr lang="en-US" dirty="0"/>
           </a:p>
@@ -9921,7 +9921,7 @@
           <a:p>
             <a:fld id="{A9DF6EFB-3F44-496C-A842-1E0B3D3B975A}" type="datetimeFigureOut">
               <a:rPr lang="en-US" smtClean="0"/>
-              <a:t>9/5/21</a:t>
+              <a:t>9/27/21</a:t>
             </a:fld>
             <a:endParaRPr lang="en-US" dirty="0"/>
           </a:p>
@@ -10205,7 +10205,7 @@
             <a:fld id="{A9DF6EFB-3F44-496C-A842-1E0B3D3B975A}" type="datetimeFigureOut">
               <a:rPr lang="en-US" smtClean="0"/>
               <a:pPr/>
-              <a:t>9/5/21</a:t>
+              <a:t>9/27/21</a:t>
             </a:fld>
             <a:endParaRPr lang="en-US" dirty="0"/>
           </a:p>
@@ -19382,7 +19382,7 @@
             </a:pPr>
             <a:r>
               <a:rPr lang="en-US" sz="2400" dirty="0"/>
-              <a:t>Provide personalized and segmented services by analyzing customer data. This includes</a:t>
+              <a:t>Provide personalized and segmented services by analyzing customer data. </a:t>
             </a:r>
           </a:p>
         </p:txBody>

--- a/Slides/Sharda_11e_full_accessible_ppt_02.pptx
+++ b/Slides/Sharda_11e_full_accessible_ppt_02.pptx
@@ -5,10 +5,10 @@
     <p:sldMasterId id="2147483648" r:id="rId1"/>
   </p:sldMasterIdLst>
   <p:notesMasterIdLst>
-    <p:notesMasterId r:id="rId49"/>
+    <p:notesMasterId r:id="rId41"/>
   </p:notesMasterIdLst>
   <p:handoutMasterIdLst>
-    <p:handoutMasterId r:id="rId50"/>
+    <p:handoutMasterId r:id="rId42"/>
   </p:handoutMasterIdLst>
   <p:sldIdLst>
     <p:sldId id="1074" r:id="rId2"/>
@@ -30,34 +30,26 @@
     <p:sldId id="1181" r:id="rId18"/>
     <p:sldId id="1182" r:id="rId19"/>
     <p:sldId id="1183" r:id="rId20"/>
-    <p:sldId id="1184" r:id="rId21"/>
-    <p:sldId id="1185" r:id="rId22"/>
-    <p:sldId id="1186" r:id="rId23"/>
-    <p:sldId id="1187" r:id="rId24"/>
-    <p:sldId id="1188" r:id="rId25"/>
-    <p:sldId id="1189" r:id="rId26"/>
-    <p:sldId id="1190" r:id="rId27"/>
-    <p:sldId id="1191" r:id="rId28"/>
-    <p:sldId id="1192" r:id="rId29"/>
-    <p:sldId id="1193" r:id="rId30"/>
-    <p:sldId id="1194" r:id="rId31"/>
-    <p:sldId id="1195" r:id="rId32"/>
-    <p:sldId id="1196" r:id="rId33"/>
-    <p:sldId id="1197" r:id="rId34"/>
-    <p:sldId id="1198" r:id="rId35"/>
-    <p:sldId id="1199" r:id="rId36"/>
-    <p:sldId id="1200" r:id="rId37"/>
-    <p:sldId id="1201" r:id="rId38"/>
-    <p:sldId id="1202" r:id="rId39"/>
-    <p:sldId id="1203" r:id="rId40"/>
-    <p:sldId id="1204" r:id="rId41"/>
-    <p:sldId id="1205" r:id="rId42"/>
-    <p:sldId id="1206" r:id="rId43"/>
-    <p:sldId id="1207" r:id="rId44"/>
-    <p:sldId id="1208" r:id="rId45"/>
-    <p:sldId id="1209" r:id="rId46"/>
-    <p:sldId id="1210" r:id="rId47"/>
-    <p:sldId id="1165" r:id="rId48"/>
+    <p:sldId id="1185" r:id="rId21"/>
+    <p:sldId id="1186" r:id="rId22"/>
+    <p:sldId id="1188" r:id="rId23"/>
+    <p:sldId id="1189" r:id="rId24"/>
+    <p:sldId id="1190" r:id="rId25"/>
+    <p:sldId id="1191" r:id="rId26"/>
+    <p:sldId id="1192" r:id="rId27"/>
+    <p:sldId id="1193" r:id="rId28"/>
+    <p:sldId id="1194" r:id="rId29"/>
+    <p:sldId id="1195" r:id="rId30"/>
+    <p:sldId id="1197" r:id="rId31"/>
+    <p:sldId id="1199" r:id="rId32"/>
+    <p:sldId id="1201" r:id="rId33"/>
+    <p:sldId id="1202" r:id="rId34"/>
+    <p:sldId id="1204" r:id="rId35"/>
+    <p:sldId id="1205" r:id="rId36"/>
+    <p:sldId id="1207" r:id="rId37"/>
+    <p:sldId id="1208" r:id="rId38"/>
+    <p:sldId id="1210" r:id="rId39"/>
+    <p:sldId id="1165" r:id="rId40"/>
   </p:sldIdLst>
   <p:sldSz cx="9144000" cy="6858000" type="screen4x3"/>
   <p:notesSz cx="6858000" cy="9144000"/>
@@ -307,7 +299,7 @@
           <a:p>
             <a:fld id="{8D8D874E-E9D5-433B-A149-BDF6BFDD40A8}" type="datetimeFigureOut">
               <a:rPr lang="en-US" smtClean="0"/>
-              <a:t>9/27/21</a:t>
+              <a:t>10/3/21</a:t>
             </a:fld>
             <a:endParaRPr lang="en-US" dirty="0"/>
           </a:p>
@@ -472,7 +464,7 @@
           <a:p>
             <a:fld id="{EA051F04-9E25-42C3-8BC5-EC2E8469D95E}" type="datetimeFigureOut">
               <a:rPr lang="en-US" smtClean="0"/>
-              <a:t>9/27/21</a:t>
+              <a:t>10/3/21</a:t>
             </a:fld>
             <a:endParaRPr lang="en-US" dirty="0"/>
           </a:p>
@@ -3696,93 +3688,6 @@
 </p:notes>
 </file>
 
-<file path=ppt/notesSlides/notesSlide39.xml><?xml version="1.0" encoding="utf-8"?>
-<p:notes xmlns:a="http://schemas.openxmlformats.org/drawingml/2006/main" xmlns:r="http://schemas.openxmlformats.org/officeDocument/2006/relationships" xmlns:p="http://schemas.openxmlformats.org/presentationml/2006/main">
-  <p:cSld>
-    <p:spTree>
-      <p:nvGrpSpPr>
-        <p:cNvPr id="1" name=""/>
-        <p:cNvGrpSpPr/>
-        <p:nvPr/>
-      </p:nvGrpSpPr>
-      <p:grpSpPr>
-        <a:xfrm>
-          <a:off x="0" y="0"/>
-          <a:ext cx="0" cy="0"/>
-          <a:chOff x="0" y="0"/>
-          <a:chExt cx="0" cy="0"/>
-        </a:xfrm>
-      </p:grpSpPr>
-      <p:sp>
-        <p:nvSpPr>
-          <p:cNvPr id="2" name="Slide Image Placeholder 1"/>
-          <p:cNvSpPr>
-            <a:spLocks noGrp="1" noRot="1" noChangeAspect="1"/>
-          </p:cNvSpPr>
-          <p:nvPr>
-            <p:ph type="sldImg"/>
-          </p:nvPr>
-        </p:nvSpPr>
-        <p:spPr/>
-      </p:sp>
-      <p:sp>
-        <p:nvSpPr>
-          <p:cNvPr id="3" name="Notes Placeholder 2"/>
-          <p:cNvSpPr>
-            <a:spLocks noGrp="1"/>
-          </p:cNvSpPr>
-          <p:nvPr>
-            <p:ph type="body" idx="1"/>
-          </p:nvPr>
-        </p:nvSpPr>
-        <p:spPr/>
-        <p:txBody>
-          <a:bodyPr/>
-          <a:lstStyle/>
-          <a:p>
-            <a:pPr defTabSz="931774">
-              <a:defRPr/>
-            </a:pPr>
-            <a:endParaRPr lang="en-US" dirty="0"/>
-          </a:p>
-        </p:txBody>
-      </p:sp>
-      <p:sp>
-        <p:nvSpPr>
-          <p:cNvPr id="4" name="Slide Number Placeholder 3"/>
-          <p:cNvSpPr>
-            <a:spLocks noGrp="1"/>
-          </p:cNvSpPr>
-          <p:nvPr>
-            <p:ph type="sldNum" sz="quarter" idx="10"/>
-          </p:nvPr>
-        </p:nvSpPr>
-        <p:spPr/>
-        <p:txBody>
-          <a:bodyPr/>
-          <a:lstStyle/>
-          <a:p>
-            <a:fld id="{A73D6722-9B4D-4E29-B226-C325925A8118}" type="slidenum">
-              <a:rPr lang="en-US" smtClean="0"/>
-              <a:t>39</a:t>
-            </a:fld>
-            <a:endParaRPr lang="en-US" dirty="0"/>
-          </a:p>
-        </p:txBody>
-      </p:sp>
-    </p:spTree>
-    <p:extLst>
-      <p:ext uri="{BB962C8B-B14F-4D97-AF65-F5344CB8AC3E}">
-        <p14:creationId xmlns:p14="http://schemas.microsoft.com/office/powerpoint/2010/main" val="2124979669"/>
-      </p:ext>
-    </p:extLst>
-  </p:cSld>
-  <p:clrMapOvr>
-    <a:masterClrMapping/>
-  </p:clrMapOvr>
-</p:notes>
-</file>
-
 <file path=ppt/notesSlides/notesSlide4.xml><?xml version="1.0" encoding="utf-8"?>
 <p:notes xmlns:a="http://schemas.openxmlformats.org/drawingml/2006/main" xmlns:r="http://schemas.openxmlformats.org/officeDocument/2006/relationships" xmlns:p="http://schemas.openxmlformats.org/presentationml/2006/main">
   <p:cSld>
@@ -3852,615 +3757,6 @@
             <a:fld id="{A73D6722-9B4D-4E29-B226-C325925A8118}" type="slidenum">
               <a:rPr lang="en-US" smtClean="0"/>
               <a:t>4</a:t>
-            </a:fld>
-            <a:endParaRPr lang="en-US" dirty="0"/>
-          </a:p>
-        </p:txBody>
-      </p:sp>
-    </p:spTree>
-    <p:extLst>
-      <p:ext uri="{BB962C8B-B14F-4D97-AF65-F5344CB8AC3E}">
-        <p14:creationId xmlns:p14="http://schemas.microsoft.com/office/powerpoint/2010/main" val="2124979669"/>
-      </p:ext>
-    </p:extLst>
-  </p:cSld>
-  <p:clrMapOvr>
-    <a:masterClrMapping/>
-  </p:clrMapOvr>
-</p:notes>
-</file>
-
-<file path=ppt/notesSlides/notesSlide40.xml><?xml version="1.0" encoding="utf-8"?>
-<p:notes xmlns:a="http://schemas.openxmlformats.org/drawingml/2006/main" xmlns:r="http://schemas.openxmlformats.org/officeDocument/2006/relationships" xmlns:p="http://schemas.openxmlformats.org/presentationml/2006/main">
-  <p:cSld>
-    <p:spTree>
-      <p:nvGrpSpPr>
-        <p:cNvPr id="1" name=""/>
-        <p:cNvGrpSpPr/>
-        <p:nvPr/>
-      </p:nvGrpSpPr>
-      <p:grpSpPr>
-        <a:xfrm>
-          <a:off x="0" y="0"/>
-          <a:ext cx="0" cy="0"/>
-          <a:chOff x="0" y="0"/>
-          <a:chExt cx="0" cy="0"/>
-        </a:xfrm>
-      </p:grpSpPr>
-      <p:sp>
-        <p:nvSpPr>
-          <p:cNvPr id="2" name="Slide Image Placeholder 1"/>
-          <p:cNvSpPr>
-            <a:spLocks noGrp="1" noRot="1" noChangeAspect="1"/>
-          </p:cNvSpPr>
-          <p:nvPr>
-            <p:ph type="sldImg"/>
-          </p:nvPr>
-        </p:nvSpPr>
-        <p:spPr/>
-      </p:sp>
-      <p:sp>
-        <p:nvSpPr>
-          <p:cNvPr id="3" name="Notes Placeholder 2"/>
-          <p:cNvSpPr>
-            <a:spLocks noGrp="1"/>
-          </p:cNvSpPr>
-          <p:nvPr>
-            <p:ph type="body" idx="1"/>
-          </p:nvPr>
-        </p:nvSpPr>
-        <p:spPr/>
-        <p:txBody>
-          <a:bodyPr/>
-          <a:lstStyle/>
-          <a:p>
-            <a:pPr defTabSz="931774">
-              <a:defRPr/>
-            </a:pPr>
-            <a:endParaRPr lang="en-US" dirty="0"/>
-          </a:p>
-        </p:txBody>
-      </p:sp>
-      <p:sp>
-        <p:nvSpPr>
-          <p:cNvPr id="4" name="Slide Number Placeholder 3"/>
-          <p:cNvSpPr>
-            <a:spLocks noGrp="1"/>
-          </p:cNvSpPr>
-          <p:nvPr>
-            <p:ph type="sldNum" sz="quarter" idx="10"/>
-          </p:nvPr>
-        </p:nvSpPr>
-        <p:spPr/>
-        <p:txBody>
-          <a:bodyPr/>
-          <a:lstStyle/>
-          <a:p>
-            <a:fld id="{A73D6722-9B4D-4E29-B226-C325925A8118}" type="slidenum">
-              <a:rPr lang="en-US" smtClean="0"/>
-              <a:t>40</a:t>
-            </a:fld>
-            <a:endParaRPr lang="en-US" dirty="0"/>
-          </a:p>
-        </p:txBody>
-      </p:sp>
-    </p:spTree>
-    <p:extLst>
-      <p:ext uri="{BB962C8B-B14F-4D97-AF65-F5344CB8AC3E}">
-        <p14:creationId xmlns:p14="http://schemas.microsoft.com/office/powerpoint/2010/main" val="2124979669"/>
-      </p:ext>
-    </p:extLst>
-  </p:cSld>
-  <p:clrMapOvr>
-    <a:masterClrMapping/>
-  </p:clrMapOvr>
-</p:notes>
-</file>
-
-<file path=ppt/notesSlides/notesSlide41.xml><?xml version="1.0" encoding="utf-8"?>
-<p:notes xmlns:a="http://schemas.openxmlformats.org/drawingml/2006/main" xmlns:r="http://schemas.openxmlformats.org/officeDocument/2006/relationships" xmlns:p="http://schemas.openxmlformats.org/presentationml/2006/main">
-  <p:cSld>
-    <p:spTree>
-      <p:nvGrpSpPr>
-        <p:cNvPr id="1" name=""/>
-        <p:cNvGrpSpPr/>
-        <p:nvPr/>
-      </p:nvGrpSpPr>
-      <p:grpSpPr>
-        <a:xfrm>
-          <a:off x="0" y="0"/>
-          <a:ext cx="0" cy="0"/>
-          <a:chOff x="0" y="0"/>
-          <a:chExt cx="0" cy="0"/>
-        </a:xfrm>
-      </p:grpSpPr>
-      <p:sp>
-        <p:nvSpPr>
-          <p:cNvPr id="2" name="Slide Image Placeholder 1"/>
-          <p:cNvSpPr>
-            <a:spLocks noGrp="1" noRot="1" noChangeAspect="1"/>
-          </p:cNvSpPr>
-          <p:nvPr>
-            <p:ph type="sldImg"/>
-          </p:nvPr>
-        </p:nvSpPr>
-        <p:spPr/>
-      </p:sp>
-      <p:sp>
-        <p:nvSpPr>
-          <p:cNvPr id="3" name="Notes Placeholder 2"/>
-          <p:cNvSpPr>
-            <a:spLocks noGrp="1"/>
-          </p:cNvSpPr>
-          <p:nvPr>
-            <p:ph type="body" idx="1"/>
-          </p:nvPr>
-        </p:nvSpPr>
-        <p:spPr/>
-        <p:txBody>
-          <a:bodyPr/>
-          <a:lstStyle/>
-          <a:p>
-            <a:pPr defTabSz="931774">
-              <a:defRPr/>
-            </a:pPr>
-            <a:endParaRPr lang="en-US" dirty="0"/>
-          </a:p>
-        </p:txBody>
-      </p:sp>
-      <p:sp>
-        <p:nvSpPr>
-          <p:cNvPr id="4" name="Slide Number Placeholder 3"/>
-          <p:cNvSpPr>
-            <a:spLocks noGrp="1"/>
-          </p:cNvSpPr>
-          <p:nvPr>
-            <p:ph type="sldNum" sz="quarter" idx="10"/>
-          </p:nvPr>
-        </p:nvSpPr>
-        <p:spPr/>
-        <p:txBody>
-          <a:bodyPr/>
-          <a:lstStyle/>
-          <a:p>
-            <a:fld id="{A73D6722-9B4D-4E29-B226-C325925A8118}" type="slidenum">
-              <a:rPr lang="en-US" smtClean="0"/>
-              <a:t>41</a:t>
-            </a:fld>
-            <a:endParaRPr lang="en-US" dirty="0"/>
-          </a:p>
-        </p:txBody>
-      </p:sp>
-    </p:spTree>
-    <p:extLst>
-      <p:ext uri="{BB962C8B-B14F-4D97-AF65-F5344CB8AC3E}">
-        <p14:creationId xmlns:p14="http://schemas.microsoft.com/office/powerpoint/2010/main" val="2124979669"/>
-      </p:ext>
-    </p:extLst>
-  </p:cSld>
-  <p:clrMapOvr>
-    <a:masterClrMapping/>
-  </p:clrMapOvr>
-</p:notes>
-</file>
-
-<file path=ppt/notesSlides/notesSlide42.xml><?xml version="1.0" encoding="utf-8"?>
-<p:notes xmlns:a="http://schemas.openxmlformats.org/drawingml/2006/main" xmlns:r="http://schemas.openxmlformats.org/officeDocument/2006/relationships" xmlns:p="http://schemas.openxmlformats.org/presentationml/2006/main">
-  <p:cSld>
-    <p:spTree>
-      <p:nvGrpSpPr>
-        <p:cNvPr id="1" name=""/>
-        <p:cNvGrpSpPr/>
-        <p:nvPr/>
-      </p:nvGrpSpPr>
-      <p:grpSpPr>
-        <a:xfrm>
-          <a:off x="0" y="0"/>
-          <a:ext cx="0" cy="0"/>
-          <a:chOff x="0" y="0"/>
-          <a:chExt cx="0" cy="0"/>
-        </a:xfrm>
-      </p:grpSpPr>
-      <p:sp>
-        <p:nvSpPr>
-          <p:cNvPr id="2" name="Slide Image Placeholder 1"/>
-          <p:cNvSpPr>
-            <a:spLocks noGrp="1" noRot="1" noChangeAspect="1"/>
-          </p:cNvSpPr>
-          <p:nvPr>
-            <p:ph type="sldImg"/>
-          </p:nvPr>
-        </p:nvSpPr>
-        <p:spPr/>
-      </p:sp>
-      <p:sp>
-        <p:nvSpPr>
-          <p:cNvPr id="3" name="Notes Placeholder 2"/>
-          <p:cNvSpPr>
-            <a:spLocks noGrp="1"/>
-          </p:cNvSpPr>
-          <p:nvPr>
-            <p:ph type="body" idx="1"/>
-          </p:nvPr>
-        </p:nvSpPr>
-        <p:spPr/>
-        <p:txBody>
-          <a:bodyPr/>
-          <a:lstStyle/>
-          <a:p>
-            <a:pPr defTabSz="931774">
-              <a:defRPr/>
-            </a:pPr>
-            <a:endParaRPr lang="en-US" dirty="0"/>
-          </a:p>
-        </p:txBody>
-      </p:sp>
-      <p:sp>
-        <p:nvSpPr>
-          <p:cNvPr id="4" name="Slide Number Placeholder 3"/>
-          <p:cNvSpPr>
-            <a:spLocks noGrp="1"/>
-          </p:cNvSpPr>
-          <p:nvPr>
-            <p:ph type="sldNum" sz="quarter" idx="10"/>
-          </p:nvPr>
-        </p:nvSpPr>
-        <p:spPr/>
-        <p:txBody>
-          <a:bodyPr/>
-          <a:lstStyle/>
-          <a:p>
-            <a:fld id="{A73D6722-9B4D-4E29-B226-C325925A8118}" type="slidenum">
-              <a:rPr lang="en-US" smtClean="0"/>
-              <a:t>42</a:t>
-            </a:fld>
-            <a:endParaRPr lang="en-US" dirty="0"/>
-          </a:p>
-        </p:txBody>
-      </p:sp>
-    </p:spTree>
-    <p:extLst>
-      <p:ext uri="{BB962C8B-B14F-4D97-AF65-F5344CB8AC3E}">
-        <p14:creationId xmlns:p14="http://schemas.microsoft.com/office/powerpoint/2010/main" val="2124979669"/>
-      </p:ext>
-    </p:extLst>
-  </p:cSld>
-  <p:clrMapOvr>
-    <a:masterClrMapping/>
-  </p:clrMapOvr>
-</p:notes>
-</file>
-
-<file path=ppt/notesSlides/notesSlide43.xml><?xml version="1.0" encoding="utf-8"?>
-<p:notes xmlns:a="http://schemas.openxmlformats.org/drawingml/2006/main" xmlns:r="http://schemas.openxmlformats.org/officeDocument/2006/relationships" xmlns:p="http://schemas.openxmlformats.org/presentationml/2006/main">
-  <p:cSld>
-    <p:spTree>
-      <p:nvGrpSpPr>
-        <p:cNvPr id="1" name=""/>
-        <p:cNvGrpSpPr/>
-        <p:nvPr/>
-      </p:nvGrpSpPr>
-      <p:grpSpPr>
-        <a:xfrm>
-          <a:off x="0" y="0"/>
-          <a:ext cx="0" cy="0"/>
-          <a:chOff x="0" y="0"/>
-          <a:chExt cx="0" cy="0"/>
-        </a:xfrm>
-      </p:grpSpPr>
-      <p:sp>
-        <p:nvSpPr>
-          <p:cNvPr id="2" name="Slide Image Placeholder 1"/>
-          <p:cNvSpPr>
-            <a:spLocks noGrp="1" noRot="1" noChangeAspect="1"/>
-          </p:cNvSpPr>
-          <p:nvPr>
-            <p:ph type="sldImg"/>
-          </p:nvPr>
-        </p:nvSpPr>
-        <p:spPr/>
-      </p:sp>
-      <p:sp>
-        <p:nvSpPr>
-          <p:cNvPr id="3" name="Notes Placeholder 2"/>
-          <p:cNvSpPr>
-            <a:spLocks noGrp="1"/>
-          </p:cNvSpPr>
-          <p:nvPr>
-            <p:ph type="body" idx="1"/>
-          </p:nvPr>
-        </p:nvSpPr>
-        <p:spPr/>
-        <p:txBody>
-          <a:bodyPr/>
-          <a:lstStyle/>
-          <a:p>
-            <a:pPr defTabSz="931774">
-              <a:defRPr/>
-            </a:pPr>
-            <a:endParaRPr lang="en-US" dirty="0"/>
-          </a:p>
-        </p:txBody>
-      </p:sp>
-      <p:sp>
-        <p:nvSpPr>
-          <p:cNvPr id="4" name="Slide Number Placeholder 3"/>
-          <p:cNvSpPr>
-            <a:spLocks noGrp="1"/>
-          </p:cNvSpPr>
-          <p:nvPr>
-            <p:ph type="sldNum" sz="quarter" idx="10"/>
-          </p:nvPr>
-        </p:nvSpPr>
-        <p:spPr/>
-        <p:txBody>
-          <a:bodyPr/>
-          <a:lstStyle/>
-          <a:p>
-            <a:fld id="{A73D6722-9B4D-4E29-B226-C325925A8118}" type="slidenum">
-              <a:rPr lang="en-US" smtClean="0"/>
-              <a:t>43</a:t>
-            </a:fld>
-            <a:endParaRPr lang="en-US" dirty="0"/>
-          </a:p>
-        </p:txBody>
-      </p:sp>
-    </p:spTree>
-    <p:extLst>
-      <p:ext uri="{BB962C8B-B14F-4D97-AF65-F5344CB8AC3E}">
-        <p14:creationId xmlns:p14="http://schemas.microsoft.com/office/powerpoint/2010/main" val="2124979669"/>
-      </p:ext>
-    </p:extLst>
-  </p:cSld>
-  <p:clrMapOvr>
-    <a:masterClrMapping/>
-  </p:clrMapOvr>
-</p:notes>
-</file>
-
-<file path=ppt/notesSlides/notesSlide44.xml><?xml version="1.0" encoding="utf-8"?>
-<p:notes xmlns:a="http://schemas.openxmlformats.org/drawingml/2006/main" xmlns:r="http://schemas.openxmlformats.org/officeDocument/2006/relationships" xmlns:p="http://schemas.openxmlformats.org/presentationml/2006/main">
-  <p:cSld>
-    <p:spTree>
-      <p:nvGrpSpPr>
-        <p:cNvPr id="1" name=""/>
-        <p:cNvGrpSpPr/>
-        <p:nvPr/>
-      </p:nvGrpSpPr>
-      <p:grpSpPr>
-        <a:xfrm>
-          <a:off x="0" y="0"/>
-          <a:ext cx="0" cy="0"/>
-          <a:chOff x="0" y="0"/>
-          <a:chExt cx="0" cy="0"/>
-        </a:xfrm>
-      </p:grpSpPr>
-      <p:sp>
-        <p:nvSpPr>
-          <p:cNvPr id="2" name="Slide Image Placeholder 1"/>
-          <p:cNvSpPr>
-            <a:spLocks noGrp="1" noRot="1" noChangeAspect="1"/>
-          </p:cNvSpPr>
-          <p:nvPr>
-            <p:ph type="sldImg"/>
-          </p:nvPr>
-        </p:nvSpPr>
-        <p:spPr/>
-      </p:sp>
-      <p:sp>
-        <p:nvSpPr>
-          <p:cNvPr id="3" name="Notes Placeholder 2"/>
-          <p:cNvSpPr>
-            <a:spLocks noGrp="1"/>
-          </p:cNvSpPr>
-          <p:nvPr>
-            <p:ph type="body" idx="1"/>
-          </p:nvPr>
-        </p:nvSpPr>
-        <p:spPr/>
-        <p:txBody>
-          <a:bodyPr/>
-          <a:lstStyle/>
-          <a:p>
-            <a:pPr defTabSz="931774">
-              <a:defRPr/>
-            </a:pPr>
-            <a:endParaRPr lang="en-US" dirty="0"/>
-          </a:p>
-        </p:txBody>
-      </p:sp>
-      <p:sp>
-        <p:nvSpPr>
-          <p:cNvPr id="4" name="Slide Number Placeholder 3"/>
-          <p:cNvSpPr>
-            <a:spLocks noGrp="1"/>
-          </p:cNvSpPr>
-          <p:nvPr>
-            <p:ph type="sldNum" sz="quarter" idx="10"/>
-          </p:nvPr>
-        </p:nvSpPr>
-        <p:spPr/>
-        <p:txBody>
-          <a:bodyPr/>
-          <a:lstStyle/>
-          <a:p>
-            <a:fld id="{A73D6722-9B4D-4E29-B226-C325925A8118}" type="slidenum">
-              <a:rPr lang="en-US" smtClean="0"/>
-              <a:t>44</a:t>
-            </a:fld>
-            <a:endParaRPr lang="en-US" dirty="0"/>
-          </a:p>
-        </p:txBody>
-      </p:sp>
-    </p:spTree>
-    <p:extLst>
-      <p:ext uri="{BB962C8B-B14F-4D97-AF65-F5344CB8AC3E}">
-        <p14:creationId xmlns:p14="http://schemas.microsoft.com/office/powerpoint/2010/main" val="2124979669"/>
-      </p:ext>
-    </p:extLst>
-  </p:cSld>
-  <p:clrMapOvr>
-    <a:masterClrMapping/>
-  </p:clrMapOvr>
-</p:notes>
-</file>
-
-<file path=ppt/notesSlides/notesSlide45.xml><?xml version="1.0" encoding="utf-8"?>
-<p:notes xmlns:a="http://schemas.openxmlformats.org/drawingml/2006/main" xmlns:r="http://schemas.openxmlformats.org/officeDocument/2006/relationships" xmlns:p="http://schemas.openxmlformats.org/presentationml/2006/main">
-  <p:cSld>
-    <p:spTree>
-      <p:nvGrpSpPr>
-        <p:cNvPr id="1" name=""/>
-        <p:cNvGrpSpPr/>
-        <p:nvPr/>
-      </p:nvGrpSpPr>
-      <p:grpSpPr>
-        <a:xfrm>
-          <a:off x="0" y="0"/>
-          <a:ext cx="0" cy="0"/>
-          <a:chOff x="0" y="0"/>
-          <a:chExt cx="0" cy="0"/>
-        </a:xfrm>
-      </p:grpSpPr>
-      <p:sp>
-        <p:nvSpPr>
-          <p:cNvPr id="2" name="Slide Image Placeholder 1"/>
-          <p:cNvSpPr>
-            <a:spLocks noGrp="1" noRot="1" noChangeAspect="1"/>
-          </p:cNvSpPr>
-          <p:nvPr>
-            <p:ph type="sldImg"/>
-          </p:nvPr>
-        </p:nvSpPr>
-        <p:spPr/>
-      </p:sp>
-      <p:sp>
-        <p:nvSpPr>
-          <p:cNvPr id="3" name="Notes Placeholder 2"/>
-          <p:cNvSpPr>
-            <a:spLocks noGrp="1"/>
-          </p:cNvSpPr>
-          <p:nvPr>
-            <p:ph type="body" idx="1"/>
-          </p:nvPr>
-        </p:nvSpPr>
-        <p:spPr/>
-        <p:txBody>
-          <a:bodyPr/>
-          <a:lstStyle/>
-          <a:p>
-            <a:pPr defTabSz="931774">
-              <a:defRPr/>
-            </a:pPr>
-            <a:endParaRPr lang="en-US" dirty="0"/>
-          </a:p>
-        </p:txBody>
-      </p:sp>
-      <p:sp>
-        <p:nvSpPr>
-          <p:cNvPr id="4" name="Slide Number Placeholder 3"/>
-          <p:cNvSpPr>
-            <a:spLocks noGrp="1"/>
-          </p:cNvSpPr>
-          <p:nvPr>
-            <p:ph type="sldNum" sz="quarter" idx="10"/>
-          </p:nvPr>
-        </p:nvSpPr>
-        <p:spPr/>
-        <p:txBody>
-          <a:bodyPr/>
-          <a:lstStyle/>
-          <a:p>
-            <a:fld id="{A73D6722-9B4D-4E29-B226-C325925A8118}" type="slidenum">
-              <a:rPr lang="en-US" smtClean="0"/>
-              <a:t>45</a:t>
-            </a:fld>
-            <a:endParaRPr lang="en-US" dirty="0"/>
-          </a:p>
-        </p:txBody>
-      </p:sp>
-    </p:spTree>
-    <p:extLst>
-      <p:ext uri="{BB962C8B-B14F-4D97-AF65-F5344CB8AC3E}">
-        <p14:creationId xmlns:p14="http://schemas.microsoft.com/office/powerpoint/2010/main" val="2124979669"/>
-      </p:ext>
-    </p:extLst>
-  </p:cSld>
-  <p:clrMapOvr>
-    <a:masterClrMapping/>
-  </p:clrMapOvr>
-</p:notes>
-</file>
-
-<file path=ppt/notesSlides/notesSlide46.xml><?xml version="1.0" encoding="utf-8"?>
-<p:notes xmlns:a="http://schemas.openxmlformats.org/drawingml/2006/main" xmlns:r="http://schemas.openxmlformats.org/officeDocument/2006/relationships" xmlns:p="http://schemas.openxmlformats.org/presentationml/2006/main">
-  <p:cSld>
-    <p:spTree>
-      <p:nvGrpSpPr>
-        <p:cNvPr id="1" name=""/>
-        <p:cNvGrpSpPr/>
-        <p:nvPr/>
-      </p:nvGrpSpPr>
-      <p:grpSpPr>
-        <a:xfrm>
-          <a:off x="0" y="0"/>
-          <a:ext cx="0" cy="0"/>
-          <a:chOff x="0" y="0"/>
-          <a:chExt cx="0" cy="0"/>
-        </a:xfrm>
-      </p:grpSpPr>
-      <p:sp>
-        <p:nvSpPr>
-          <p:cNvPr id="2" name="Slide Image Placeholder 1"/>
-          <p:cNvSpPr>
-            <a:spLocks noGrp="1" noRot="1" noChangeAspect="1"/>
-          </p:cNvSpPr>
-          <p:nvPr>
-            <p:ph type="sldImg"/>
-          </p:nvPr>
-        </p:nvSpPr>
-        <p:spPr/>
-      </p:sp>
-      <p:sp>
-        <p:nvSpPr>
-          <p:cNvPr id="3" name="Notes Placeholder 2"/>
-          <p:cNvSpPr>
-            <a:spLocks noGrp="1"/>
-          </p:cNvSpPr>
-          <p:nvPr>
-            <p:ph type="body" idx="1"/>
-          </p:nvPr>
-        </p:nvSpPr>
-        <p:spPr/>
-        <p:txBody>
-          <a:bodyPr/>
-          <a:lstStyle/>
-          <a:p>
-            <a:pPr defTabSz="931774">
-              <a:defRPr/>
-            </a:pPr>
-            <a:endParaRPr lang="en-US" dirty="0"/>
-          </a:p>
-        </p:txBody>
-      </p:sp>
-      <p:sp>
-        <p:nvSpPr>
-          <p:cNvPr id="4" name="Slide Number Placeholder 3"/>
-          <p:cNvSpPr>
-            <a:spLocks noGrp="1"/>
-          </p:cNvSpPr>
-          <p:nvPr>
-            <p:ph type="sldNum" sz="quarter" idx="10"/>
-          </p:nvPr>
-        </p:nvSpPr>
-        <p:spPr/>
-        <p:txBody>
-          <a:bodyPr/>
-          <a:lstStyle/>
-          <a:p>
-            <a:fld id="{A73D6722-9B4D-4E29-B226-C325925A8118}" type="slidenum">
-              <a:rPr lang="en-US" smtClean="0"/>
-              <a:t>46</a:t>
             </a:fld>
             <a:endParaRPr lang="en-US" dirty="0"/>
           </a:p>
@@ -5178,7 +4474,7 @@
           <a:p>
             <a:fld id="{A9DF6EFB-3F44-496C-A842-1E0B3D3B975A}" type="datetimeFigureOut">
               <a:rPr lang="en-US" smtClean="0"/>
-              <a:t>9/27/21</a:t>
+              <a:t>10/3/21</a:t>
             </a:fld>
             <a:endParaRPr lang="en-US" dirty="0"/>
           </a:p>
@@ -5546,7 +4842,7 @@
           <a:p>
             <a:fld id="{A9DF6EFB-3F44-496C-A842-1E0B3D3B975A}" type="datetimeFigureOut">
               <a:rPr lang="en-US" smtClean="0"/>
-              <a:t>9/27/21</a:t>
+              <a:t>10/3/21</a:t>
             </a:fld>
             <a:endParaRPr lang="en-US" dirty="0"/>
           </a:p>
@@ -5893,7 +5189,7 @@
           <a:p>
             <a:fld id="{A9DF6EFB-3F44-496C-A842-1E0B3D3B975A}" type="datetimeFigureOut">
               <a:rPr lang="en-US" smtClean="0"/>
-              <a:t>9/27/21</a:t>
+              <a:t>10/3/21</a:t>
             </a:fld>
             <a:endParaRPr lang="en-US" dirty="0"/>
           </a:p>
@@ -6236,7 +5532,7 @@
           <a:p>
             <a:fld id="{A9DF6EFB-3F44-496C-A842-1E0B3D3B975A}" type="datetimeFigureOut">
               <a:rPr lang="en-US" smtClean="0"/>
-              <a:t>9/27/21</a:t>
+              <a:t>10/3/21</a:t>
             </a:fld>
             <a:endParaRPr lang="en-US" dirty="0"/>
           </a:p>
@@ -6358,7 +5654,7 @@
           <a:p>
             <a:fld id="{A9DF6EFB-3F44-496C-A842-1E0B3D3B975A}" type="datetimeFigureOut">
               <a:rPr lang="en-US" smtClean="0"/>
-              <a:t>9/27/21</a:t>
+              <a:t>10/3/21</a:t>
             </a:fld>
             <a:endParaRPr lang="en-US" dirty="0"/>
           </a:p>
@@ -6467,7 +5763,7 @@
             <a:fld id="{A9DF6EFB-3F44-496C-A842-1E0B3D3B975A}" type="datetimeFigureOut">
               <a:rPr lang="en-US" smtClean="0"/>
               <a:pPr/>
-              <a:t>9/27/21</a:t>
+              <a:t>10/3/21</a:t>
             </a:fld>
             <a:endParaRPr lang="en-US" dirty="0"/>
           </a:p>
@@ -7463,7 +6759,7 @@
             <a:fld id="{A9DF6EFB-3F44-496C-A842-1E0B3D3B975A}" type="datetimeFigureOut">
               <a:rPr lang="en-US" smtClean="0"/>
               <a:pPr/>
-              <a:t>9/27/21</a:t>
+              <a:t>10/3/21</a:t>
             </a:fld>
             <a:endParaRPr lang="en-US" dirty="0"/>
           </a:p>
@@ -7852,7 +7148,7 @@
             <a:fld id="{A9DF6EFB-3F44-496C-A842-1E0B3D3B975A}" type="datetimeFigureOut">
               <a:rPr lang="en-US" smtClean="0"/>
               <a:pPr/>
-              <a:t>9/27/21</a:t>
+              <a:t>10/3/21</a:t>
             </a:fld>
             <a:endParaRPr lang="en-US" dirty="0"/>
           </a:p>
@@ -8122,7 +7418,7 @@
             <a:fld id="{A9DF6EFB-3F44-496C-A842-1E0B3D3B975A}" type="datetimeFigureOut">
               <a:rPr lang="en-US" smtClean="0"/>
               <a:pPr/>
-              <a:t>9/27/21</a:t>
+              <a:t>10/3/21</a:t>
             </a:fld>
             <a:endParaRPr lang="en-US" dirty="0"/>
           </a:p>
@@ -8385,7 +7681,7 @@
           <a:p>
             <a:fld id="{A9DF6EFB-3F44-496C-A842-1E0B3D3B975A}" type="datetimeFigureOut">
               <a:rPr lang="en-US" smtClean="0"/>
-              <a:t>9/27/21</a:t>
+              <a:t>10/3/21</a:t>
             </a:fld>
             <a:endParaRPr lang="en-US" dirty="0"/>
           </a:p>
@@ -8647,7 +7943,7 @@
           <a:p>
             <a:fld id="{A9DF6EFB-3F44-496C-A842-1E0B3D3B975A}" type="datetimeFigureOut">
               <a:rPr lang="en-US" smtClean="0"/>
-              <a:t>9/27/21</a:t>
+              <a:t>10/3/21</a:t>
             </a:fld>
             <a:endParaRPr lang="en-US" dirty="0"/>
           </a:p>
@@ -8940,7 +8236,7 @@
             <a:fld id="{A9DF6EFB-3F44-496C-A842-1E0B3D3B975A}" type="datetimeFigureOut">
               <a:rPr lang="en-US" smtClean="0"/>
               <a:pPr/>
-              <a:t>9/27/21</a:t>
+              <a:t>10/3/21</a:t>
             </a:fld>
             <a:endParaRPr lang="en-US" dirty="0"/>
           </a:p>
@@ -9317,7 +8613,7 @@
           <a:p>
             <a:fld id="{A9DF6EFB-3F44-496C-A842-1E0B3D3B975A}" type="datetimeFigureOut">
               <a:rPr lang="en-US" smtClean="0"/>
-              <a:t>9/27/21</a:t>
+              <a:t>10/3/21</a:t>
             </a:fld>
             <a:endParaRPr lang="en-US" dirty="0"/>
           </a:p>
@@ -9921,7 +9217,7 @@
           <a:p>
             <a:fld id="{A9DF6EFB-3F44-496C-A842-1E0B3D3B975A}" type="datetimeFigureOut">
               <a:rPr lang="en-US" smtClean="0"/>
-              <a:t>9/27/21</a:t>
+              <a:t>10/3/21</a:t>
             </a:fld>
             <a:endParaRPr lang="en-US" dirty="0"/>
           </a:p>
@@ -10205,7 +9501,7 @@
             <a:fld id="{A9DF6EFB-3F44-496C-A842-1E0B3D3B975A}" type="datetimeFigureOut">
               <a:rPr lang="en-US" smtClean="0"/>
               <a:pPr/>
-              <a:t>9/27/21</a:t>
+              <a:t>10/3/21</a:t>
             </a:fld>
             <a:endParaRPr lang="en-US" dirty="0"/>
           </a:p>
@@ -14437,202 +13733,6 @@
         </p:nvSpPr>
         <p:spPr>
           <a:xfrm>
-            <a:off x="457200" y="73997"/>
-            <a:ext cx="8153400" cy="553998"/>
-          </a:xfrm>
-        </p:spPr>
-        <p:txBody>
-          <a:bodyPr wrap="square">
-            <a:spAutoFit/>
-          </a:bodyPr>
-          <a:lstStyle/>
-          <a:p>
-            <a:r>
-              <a:rPr lang="en-US" sz="3600" dirty="0">
-                <a:latin typeface="+mj-lt"/>
-              </a:rPr>
-              <a:t>Application Case 2.1</a:t>
-            </a:r>
-          </a:p>
-        </p:txBody>
-      </p:sp>
-      <p:sp>
-        <p:nvSpPr>
-          <p:cNvPr id="3" name="Content Placeholder 2"/>
-          <p:cNvSpPr>
-            <a:spLocks noGrp="1"/>
-          </p:cNvSpPr>
-          <p:nvPr>
-            <p:ph idx="1"/>
-          </p:nvPr>
-        </p:nvSpPr>
-        <p:spPr>
-          <a:xfrm>
-            <a:off x="457200" y="714375"/>
-            <a:ext cx="8153400" cy="430887"/>
-          </a:xfrm>
-        </p:spPr>
-        <p:txBody>
-          <a:bodyPr wrap="square">
-            <a:spAutoFit/>
-          </a:bodyPr>
-          <a:lstStyle/>
-          <a:p>
-            <a:pPr marL="0" lvl="0" indent="0">
-              <a:spcBef>
-                <a:spcPts val="0"/>
-              </a:spcBef>
-              <a:buClr>
-                <a:schemeClr val="lt1"/>
-              </a:buClr>
-              <a:buSzPct val="25000"/>
-              <a:buNone/>
-              <a:tabLst>
-                <a:tab pos="628650" algn="l"/>
-              </a:tabLst>
-            </a:pPr>
-            <a:r>
-              <a:rPr lang="en-IN" sz="2800" b="1" dirty="0">
-                <a:solidFill>
-                  <a:srgbClr val="007FA3"/>
-                </a:solidFill>
-              </a:rPr>
-              <a:t>How Smart Can a Vacuum Cleaner Be?</a:t>
-            </a:r>
-            <a:endParaRPr lang="en-US" sz="2800" b="1" dirty="0"/>
-          </a:p>
-        </p:txBody>
-      </p:sp>
-      <p:sp>
-        <p:nvSpPr>
-          <p:cNvPr id="4" name="Content Placeholder 3"/>
-          <p:cNvSpPr>
-            <a:spLocks noGrp="1"/>
-          </p:cNvSpPr>
-          <p:nvPr>
-            <p:ph idx="13"/>
-          </p:nvPr>
-        </p:nvSpPr>
-        <p:spPr>
-          <a:xfrm>
-            <a:off x="457200" y="1371600"/>
-            <a:ext cx="8153400" cy="4524315"/>
-          </a:xfrm>
-        </p:spPr>
-        <p:txBody>
-          <a:bodyPr>
-            <a:spAutoFit/>
-          </a:bodyPr>
-          <a:lstStyle/>
-          <a:p>
-            <a:pPr marL="0" indent="0">
-              <a:buNone/>
-            </a:pPr>
-            <a:r>
-              <a:rPr lang="en-US" sz="2400" b="1" dirty="0"/>
-              <a:t>Questions for Discussion:</a:t>
-            </a:r>
-          </a:p>
-          <a:p>
-            <a:pPr marL="514350" indent="-514350">
-              <a:buFont typeface="+mj-lt"/>
-              <a:buAutoNum type="arabicPeriod"/>
-            </a:pPr>
-            <a:r>
-              <a:rPr lang="en-US" sz="2400" dirty="0"/>
-              <a:t>How did the Korean researchers determine the performance of the vacuum cleaners?</a:t>
-            </a:r>
-          </a:p>
-          <a:p>
-            <a:pPr marL="514350" indent="-514350">
-              <a:buFont typeface="+mj-lt"/>
-              <a:buAutoNum type="arabicPeriod"/>
-            </a:pPr>
-            <a:r>
-              <a:rPr lang="en-US" sz="2400" dirty="0"/>
-              <a:t>If you own (or have seen) the Roomba, how intelligent do you think it is?</a:t>
-            </a:r>
-          </a:p>
-          <a:p>
-            <a:pPr marL="514350" indent="-514350">
-              <a:buFont typeface="+mj-lt"/>
-              <a:buAutoNum type="arabicPeriod"/>
-            </a:pPr>
-            <a:r>
-              <a:rPr lang="en-US" sz="2400" dirty="0"/>
-              <a:t>What capability can be generated by the deep learning feature? (You need to do some research.)</a:t>
-            </a:r>
-          </a:p>
-          <a:p>
-            <a:pPr marL="514350" indent="-514350">
-              <a:buFont typeface="+mj-lt"/>
-              <a:buAutoNum type="arabicPeriod"/>
-            </a:pPr>
-            <a:r>
-              <a:rPr lang="en-US" sz="2400" dirty="0"/>
-              <a:t>Find recent information about </a:t>
-            </a:r>
-            <a:r>
-              <a:rPr lang="en-US" sz="2400" spc="-300" dirty="0"/>
-              <a:t>L </a:t>
-            </a:r>
-            <a:r>
-              <a:rPr lang="en-US" sz="2400" dirty="0"/>
-              <a:t>G’s </a:t>
-            </a:r>
-            <a:r>
-              <a:rPr lang="en-US" sz="2400" dirty="0" err="1"/>
-              <a:t>Roboking</a:t>
-            </a:r>
-            <a:r>
-              <a:rPr lang="en-US" sz="2400" dirty="0"/>
-              <a:t>. Specifically, what are the newest improvements to the product?</a:t>
-            </a:r>
-          </a:p>
-        </p:txBody>
-      </p:sp>
-    </p:spTree>
-    <p:extLst>
-      <p:ext uri="{BB962C8B-B14F-4D97-AF65-F5344CB8AC3E}">
-        <p14:creationId xmlns:p14="http://schemas.microsoft.com/office/powerpoint/2010/main" val="1331547960"/>
-      </p:ext>
-    </p:extLst>
-  </p:cSld>
-  <p:clrMapOvr>
-    <a:masterClrMapping/>
-  </p:clrMapOvr>
-</p:sld>
-</file>
-
-<file path=ppt/slides/slide21.xml><?xml version="1.0" encoding="utf-8"?>
-<p:sld xmlns:a="http://schemas.openxmlformats.org/drawingml/2006/main" xmlns:r="http://schemas.openxmlformats.org/officeDocument/2006/relationships" xmlns:p="http://schemas.openxmlformats.org/presentationml/2006/main">
-  <p:cSld>
-    <p:spTree>
-      <p:nvGrpSpPr>
-        <p:cNvPr id="1" name=""/>
-        <p:cNvGrpSpPr/>
-        <p:nvPr/>
-      </p:nvGrpSpPr>
-      <p:grpSpPr>
-        <a:xfrm>
-          <a:off x="0" y="0"/>
-          <a:ext cx="0" cy="0"/>
-          <a:chOff x="0" y="0"/>
-          <a:chExt cx="0" cy="0"/>
-        </a:xfrm>
-      </p:grpSpPr>
-      <p:sp>
-        <p:nvSpPr>
-          <p:cNvPr id="2" name="Title 1"/>
-          <p:cNvSpPr>
-            <a:spLocks noGrp="1"/>
-          </p:cNvSpPr>
-          <p:nvPr>
-            <p:ph type="title"/>
-          </p:nvPr>
-        </p:nvSpPr>
-        <p:spPr>
-          <a:xfrm>
             <a:off x="457200" y="62210"/>
             <a:ext cx="8153400" cy="984885"/>
           </a:xfrm>
@@ -14760,7 +13860,7 @@
 </p:sld>
 </file>
 
-<file path=ppt/slides/slide22.xml><?xml version="1.0" encoding="utf-8"?>
+<file path=ppt/slides/slide21.xml><?xml version="1.0" encoding="utf-8"?>
 <p:sld xmlns:a="http://schemas.openxmlformats.org/drawingml/2006/main" xmlns:r="http://schemas.openxmlformats.org/officeDocument/2006/relationships" xmlns:p="http://schemas.openxmlformats.org/presentationml/2006/main">
   <p:cSld>
     <p:spTree>
@@ -14872,6 +13972,204 @@
 </p:sld>
 </file>
 
+<file path=ppt/slides/slide22.xml><?xml version="1.0" encoding="utf-8"?>
+<p:sld xmlns:a="http://schemas.openxmlformats.org/drawingml/2006/main" xmlns:r="http://schemas.openxmlformats.org/officeDocument/2006/relationships" xmlns:p="http://schemas.openxmlformats.org/presentationml/2006/main">
+  <p:cSld>
+    <p:spTree>
+      <p:nvGrpSpPr>
+        <p:cNvPr id="1" name=""/>
+        <p:cNvGrpSpPr/>
+        <p:nvPr/>
+      </p:nvGrpSpPr>
+      <p:grpSpPr>
+        <a:xfrm>
+          <a:off x="0" y="0"/>
+          <a:ext cx="0" cy="0"/>
+          <a:chOff x="0" y="0"/>
+          <a:chExt cx="0" cy="0"/>
+        </a:xfrm>
+      </p:grpSpPr>
+      <p:sp>
+        <p:nvSpPr>
+          <p:cNvPr id="2" name="Title 1"/>
+          <p:cNvSpPr>
+            <a:spLocks noGrp="1"/>
+          </p:cNvSpPr>
+          <p:nvPr>
+            <p:ph type="title"/>
+          </p:nvPr>
+        </p:nvSpPr>
+        <p:spPr>
+          <a:xfrm>
+            <a:off x="457200" y="62210"/>
+            <a:ext cx="8153400" cy="984885"/>
+          </a:xfrm>
+        </p:spPr>
+        <p:txBody>
+          <a:bodyPr wrap="square">
+            <a:spAutoFit/>
+          </a:bodyPr>
+          <a:lstStyle/>
+          <a:p>
+            <a:r>
+              <a:rPr lang="en-US" sz="3600" dirty="0">
+                <a:latin typeface="+mj-lt"/>
+              </a:rPr>
+              <a:t>Major </a:t>
+            </a:r>
+            <a:r>
+              <a:rPr lang="en-US" sz="3600" spc="-450" dirty="0">
+                <a:latin typeface="+mj-lt"/>
+              </a:rPr>
+              <a:t>A </a:t>
+            </a:r>
+            <a:r>
+              <a:rPr lang="en-US" sz="3600" dirty="0">
+                <a:latin typeface="+mj-lt"/>
+              </a:rPr>
+              <a:t>I Technologies &amp; Drivers       </a:t>
+            </a:r>
+            <a:r>
+              <a:rPr lang="en-US" sz="2800" dirty="0">
+                <a:latin typeface="+mj-lt"/>
+              </a:rPr>
+              <a:t>(2 of 3)</a:t>
+            </a:r>
+            <a:endParaRPr lang="en-US" sz="3600" dirty="0">
+              <a:latin typeface="+mj-lt"/>
+            </a:endParaRPr>
+          </a:p>
+        </p:txBody>
+      </p:sp>
+      <p:sp>
+        <p:nvSpPr>
+          <p:cNvPr id="4" name="Content Placeholder 3"/>
+          <p:cNvSpPr>
+            <a:spLocks noGrp="1"/>
+          </p:cNvSpPr>
+          <p:nvPr>
+            <p:ph idx="13"/>
+          </p:nvPr>
+        </p:nvSpPr>
+        <p:spPr>
+          <a:xfrm>
+            <a:off x="457200" y="1371600"/>
+            <a:ext cx="8153400" cy="4293483"/>
+          </a:xfrm>
+        </p:spPr>
+        <p:txBody>
+          <a:bodyPr>
+            <a:spAutoFit/>
+          </a:bodyPr>
+          <a:lstStyle/>
+          <a:p>
+            <a:r>
+              <a:rPr lang="en-US" sz="2400" dirty="0"/>
+              <a:t>Robotic systems</a:t>
+            </a:r>
+          </a:p>
+          <a:p>
+            <a:pPr marL="829818" lvl="1" indent="-342900"/>
+            <a:r>
+              <a:rPr lang="en-US" sz="2400" dirty="0"/>
+              <a:t>Industrial robots [for manufacturing]</a:t>
+            </a:r>
+          </a:p>
+          <a:p>
+            <a:pPr marL="829818" lvl="1" indent="-342900"/>
+            <a:r>
+              <a:rPr lang="en-US" sz="2400" dirty="0"/>
+              <a:t>Service robots</a:t>
+            </a:r>
+          </a:p>
+          <a:p>
+            <a:pPr marL="829818" lvl="1" indent="-342900"/>
+            <a:r>
+              <a:rPr lang="en-US" sz="2400" dirty="0"/>
+              <a:t>Example: </a:t>
+            </a:r>
+            <a:r>
+              <a:rPr lang="en-US" sz="2400" dirty="0" err="1"/>
+              <a:t>Walmart</a:t>
+            </a:r>
+            <a:r>
+              <a:rPr lang="en-US" sz="2400" dirty="0"/>
+              <a:t> is using robots to properly stock shelves </a:t>
+            </a:r>
+          </a:p>
+          <a:p>
+            <a:pPr marL="829818" lvl="1" indent="-342900"/>
+            <a:r>
+              <a:rPr lang="en-US" sz="2400" dirty="0"/>
+              <a:t>Use of robots (or bots) in </a:t>
+            </a:r>
+            <a:r>
+              <a:rPr lang="en-US" sz="2400" dirty="0" err="1"/>
+              <a:t>eComemrce</a:t>
+            </a:r>
+            <a:r>
+              <a:rPr lang="en-US" sz="2400" dirty="0"/>
+              <a:t> </a:t>
+            </a:r>
+          </a:p>
+          <a:p>
+            <a:pPr marL="829818" lvl="1" indent="-342900"/>
+            <a:r>
+              <a:rPr lang="en-US" sz="2400" dirty="0"/>
+              <a:t>Many are being used at </a:t>
+            </a:r>
+            <a:r>
+              <a:rPr lang="en-US" sz="2400" dirty="0">
+                <a:hlinkClick r:id="rId3" action="ppaction://hlinkfile" tooltip="Amazon.com"/>
+              </a:rPr>
+              <a:t>Amazon.com</a:t>
+            </a:r>
+            <a:r>
+              <a:rPr lang="en-US" sz="2400" dirty="0"/>
+              <a:t> </a:t>
+            </a:r>
+          </a:p>
+          <a:p>
+            <a:pPr marL="829818" lvl="1" indent="-342900"/>
+            <a:r>
+              <a:rPr lang="en-US" sz="2400" dirty="0"/>
+              <a:t>Online shopping robots (</a:t>
+            </a:r>
+            <a:r>
+              <a:rPr lang="en-US" sz="2400" dirty="0" err="1"/>
+              <a:t>shopbots</a:t>
+            </a:r>
+            <a:r>
+              <a:rPr lang="en-US" sz="2400" dirty="0"/>
+              <a:t>)</a:t>
+            </a:r>
+          </a:p>
+          <a:p>
+            <a:pPr marL="829818" lvl="1" indent="-342900"/>
+            <a:r>
+              <a:rPr lang="en-US" sz="2400" dirty="0" err="1"/>
+              <a:t>SoftBank</a:t>
+            </a:r>
+            <a:r>
+              <a:rPr lang="en-US" sz="2400" dirty="0"/>
+              <a:t> – a cellphone store in Tokyo entirely staffed by robots</a:t>
+            </a:r>
+          </a:p>
+        </p:txBody>
+      </p:sp>
+    </p:spTree>
+    <p:extLst>
+      <p:ext uri="{BB962C8B-B14F-4D97-AF65-F5344CB8AC3E}">
+        <p14:creationId xmlns:p14="http://schemas.microsoft.com/office/powerpoint/2010/main" val="2103804682"/>
+      </p:ext>
+    </p:extLst>
+  </p:cSld>
+  <p:clrMapOvr>
+    <a:masterClrMapping/>
+  </p:clrMapOvr>
+</p:sld>
+</file>
+
 <file path=ppt/slides/slide23.xml><?xml version="1.0" encoding="utf-8"?>
 <p:sld xmlns:a="http://schemas.openxmlformats.org/drawingml/2006/main" xmlns:r="http://schemas.openxmlformats.org/officeDocument/2006/relationships" xmlns:p="http://schemas.openxmlformats.org/presentationml/2006/main">
   <p:cSld>
@@ -14901,8 +14199,8 @@
         </p:nvSpPr>
         <p:spPr>
           <a:xfrm>
-            <a:off x="457200" y="73997"/>
-            <a:ext cx="8153400" cy="553998"/>
+            <a:off x="457200" y="62210"/>
+            <a:ext cx="8153400" cy="984885"/>
           </a:xfrm>
         </p:spPr>
         <p:txBody>
@@ -14915,72 +14213,46 @@
               <a:rPr lang="en-US" sz="3600" dirty="0">
                 <a:latin typeface="+mj-lt"/>
               </a:rPr>
-              <a:t>Application Case 2.2</a:t>
-            </a:r>
-          </a:p>
-        </p:txBody>
-      </p:sp>
-      <p:sp>
-        <p:nvSpPr>
-          <p:cNvPr id="3" name="Content Placeholder 2"/>
-          <p:cNvSpPr>
-            <a:spLocks noGrp="1"/>
-          </p:cNvSpPr>
-          <p:nvPr>
-            <p:ph idx="1"/>
+              <a:t>Major </a:t>
+            </a:r>
+            <a:r>
+              <a:rPr lang="en-US" sz="3600" spc="-450" dirty="0">
+                <a:latin typeface="+mj-lt"/>
+              </a:rPr>
+              <a:t>A </a:t>
+            </a:r>
+            <a:r>
+              <a:rPr lang="en-US" sz="3600" dirty="0">
+                <a:latin typeface="+mj-lt"/>
+              </a:rPr>
+              <a:t>I Technologies &amp; Drivers       </a:t>
+            </a:r>
+            <a:r>
+              <a:rPr lang="en-US" sz="2800" dirty="0">
+                <a:latin typeface="+mj-lt"/>
+              </a:rPr>
+              <a:t>(3 of 3)</a:t>
+            </a:r>
+            <a:endParaRPr lang="en-US" sz="3600" dirty="0">
+              <a:latin typeface="+mj-lt"/>
+            </a:endParaRPr>
+          </a:p>
+        </p:txBody>
+      </p:sp>
+      <p:sp>
+        <p:nvSpPr>
+          <p:cNvPr id="4" name="Content Placeholder 3"/>
+          <p:cNvSpPr>
+            <a:spLocks noGrp="1"/>
+          </p:cNvSpPr>
+          <p:nvPr>
+            <p:ph idx="13"/>
           </p:nvPr>
         </p:nvSpPr>
         <p:spPr>
           <a:xfrm>
-            <a:off x="457200" y="714375"/>
-            <a:ext cx="8153400" cy="861774"/>
-          </a:xfrm>
-        </p:spPr>
-        <p:txBody>
-          <a:bodyPr wrap="square">
-            <a:spAutoFit/>
-          </a:bodyPr>
-          <a:lstStyle/>
-          <a:p>
-            <a:pPr marL="0" lvl="0" indent="0">
-              <a:spcBef>
-                <a:spcPts val="0"/>
-              </a:spcBef>
-              <a:buClr>
-                <a:schemeClr val="lt1"/>
-              </a:buClr>
-              <a:buSzPct val="25000"/>
-              <a:buNone/>
-              <a:tabLst>
-                <a:tab pos="628650" algn="l"/>
-              </a:tabLst>
-            </a:pPr>
-            <a:r>
-              <a:rPr lang="en-IN" sz="2800" b="1" dirty="0">
-                <a:solidFill>
-                  <a:srgbClr val="007FA3"/>
-                </a:solidFill>
-              </a:rPr>
-              <a:t>How Machine Learning Is Improving Work in Business</a:t>
-            </a:r>
-            <a:endParaRPr lang="en-US" sz="2800" b="1" dirty="0"/>
-          </a:p>
-        </p:txBody>
-      </p:sp>
-      <p:sp>
-        <p:nvSpPr>
-          <p:cNvPr id="4" name="Content Placeholder 3"/>
-          <p:cNvSpPr>
-            <a:spLocks noGrp="1"/>
-          </p:cNvSpPr>
-          <p:nvPr>
-            <p:ph idx="13"/>
-          </p:nvPr>
-        </p:nvSpPr>
-        <p:spPr>
-          <a:xfrm>
-            <a:off x="457200" y="1800225"/>
-            <a:ext cx="8153400" cy="3416320"/>
+            <a:off x="457200" y="1371600"/>
+            <a:ext cx="8153400" cy="4001095"/>
           </a:xfrm>
         </p:spPr>
         <p:txBody>
@@ -14989,60 +14261,104 @@
           </a:bodyPr>
           <a:lstStyle/>
           <a:p>
-            <a:pPr marL="0" indent="0">
-              <a:buNone/>
-            </a:pPr>
-            <a:r>
-              <a:rPr lang="en-US" sz="2400" b="1" dirty="0"/>
-              <a:t>Questions for Discussion:</a:t>
-            </a:r>
-          </a:p>
-          <a:p>
-            <a:pPr marL="514350" indent="-514350">
-              <a:buFont typeface="+mj-lt"/>
-              <a:buAutoNum type="arabicPeriod"/>
-            </a:pPr>
-            <a:r>
-              <a:rPr lang="en-US" sz="2400" dirty="0"/>
-              <a:t>Discuss the benefits of combining machine learning with other </a:t>
-            </a:r>
-            <a:r>
-              <a:rPr lang="en-US" sz="2400" spc="-300" dirty="0"/>
-              <a:t>A </a:t>
-            </a:r>
-            <a:r>
-              <a:rPr lang="en-US" sz="2400" dirty="0"/>
-              <a:t>I technologies.</a:t>
-            </a:r>
-          </a:p>
-          <a:p>
-            <a:pPr marL="514350" indent="-514350">
-              <a:buFont typeface="+mj-lt"/>
-              <a:buAutoNum type="arabicPeriod"/>
-            </a:pPr>
-            <a:r>
-              <a:rPr lang="en-US" sz="2400" dirty="0"/>
-              <a:t>How can machine learning improve marketing?</a:t>
-            </a:r>
-          </a:p>
-          <a:p>
-            <a:pPr marL="514350" indent="-514350">
-              <a:buFont typeface="+mj-lt"/>
-              <a:buAutoNum type="arabicPeriod"/>
-            </a:pPr>
-            <a:r>
-              <a:rPr lang="en-US" sz="2400" dirty="0"/>
-              <a:t>Discuss the opportunities of improving human resource management.</a:t>
-            </a:r>
-          </a:p>
-          <a:p>
-            <a:pPr marL="514350" indent="-514350">
-              <a:buFont typeface="+mj-lt"/>
-              <a:buAutoNum type="arabicPeriod"/>
-            </a:pPr>
-            <a:r>
-              <a:rPr lang="en-US" sz="2400" dirty="0"/>
-              <a:t>Discuss the benefits for customer service.</a:t>
+            <a:r>
+              <a:rPr lang="en-US" sz="2400" dirty="0"/>
+              <a:t>Natural language processing</a:t>
+            </a:r>
+          </a:p>
+          <a:p>
+            <a:pPr marL="829818" lvl="1" indent="-342900"/>
+            <a:r>
+              <a:rPr lang="en-US" sz="2400" dirty="0"/>
+              <a:t>Natural language understanding </a:t>
+            </a:r>
+          </a:p>
+          <a:p>
+            <a:pPr marL="829818" lvl="1" indent="-342900"/>
+            <a:r>
+              <a:rPr lang="en-US" sz="2400" dirty="0"/>
+              <a:t>Natural language generation</a:t>
+            </a:r>
+          </a:p>
+          <a:p>
+            <a:pPr marL="829818" lvl="1" indent="-342900"/>
+            <a:r>
+              <a:rPr lang="en-US" sz="2400" dirty="0"/>
+              <a:t>Speech (voice) understanding</a:t>
+            </a:r>
+          </a:p>
+          <a:p>
+            <a:pPr marL="1229868" lvl="2" indent="-342900"/>
+            <a:r>
+              <a:rPr lang="en-US" sz="2400" dirty="0"/>
+              <a:t>An interesting application </a:t>
+            </a:r>
+            <a:r>
+              <a:rPr lang="en-US" sz="2400" dirty="0">
+                <a:hlinkClick r:id="rId3" action="ppaction://hlinkfile" tooltip="cs.cmu.edu/~./listen"/>
+              </a:rPr>
+              <a:t>cs.cmu.edu/~./listen</a:t>
+            </a:r>
+            <a:endParaRPr lang="en-US" sz="2400" dirty="0"/>
+          </a:p>
+          <a:p>
+            <a:pPr marL="829818" lvl="1" indent="-342900"/>
+            <a:r>
+              <a:rPr lang="en-US" sz="2400" dirty="0"/>
+              <a:t>Machine translation of human languages</a:t>
+            </a:r>
+          </a:p>
+          <a:p>
+            <a:pPr marL="1229868" lvl="2" indent="-342900"/>
+            <a:r>
+              <a:rPr lang="en-US" sz="2400" dirty="0" err="1"/>
+              <a:t>Balel</a:t>
+            </a:r>
+            <a:r>
+              <a:rPr lang="en-US" sz="2400" dirty="0"/>
+              <a:t> fish (</a:t>
+            </a:r>
+            <a:r>
+              <a:rPr lang="en-US" sz="2400" dirty="0">
+                <a:hlinkClick r:id="rId4" action="ppaction://hlinkfile" tooltip="babelfish.com"/>
+              </a:rPr>
+              <a:t>babelfish.com</a:t>
+            </a:r>
+            <a:r>
+              <a:rPr lang="en-US" sz="2400" dirty="0"/>
+              <a:t>)</a:t>
+            </a:r>
+          </a:p>
+          <a:p>
+            <a:pPr marL="1229868" lvl="2" indent="-342900"/>
+            <a:r>
+              <a:rPr lang="en-US" sz="2400" dirty="0"/>
+              <a:t>Google translator (</a:t>
+            </a:r>
+            <a:r>
+              <a:rPr lang="en-US" sz="2400" dirty="0">
+                <a:hlinkClick r:id="rId5" action="ppaction://hlinkfile" tooltip="translate.google.com"/>
+              </a:rPr>
+              <a:t>translate.google.com</a:t>
+            </a:r>
+            <a:r>
+              <a:rPr lang="en-US" sz="2400" dirty="0"/>
+              <a:t>)</a:t>
+            </a:r>
+          </a:p>
+          <a:p>
+            <a:pPr marL="1229868" lvl="2" indent="-342900"/>
+            <a:r>
+              <a:rPr lang="en-US" sz="2400" dirty="0"/>
+              <a:t>Example: </a:t>
+            </a:r>
+            <a:r>
+              <a:rPr lang="en-US" sz="2400" dirty="0" err="1"/>
+              <a:t>Sogou’s</a:t>
+            </a:r>
+            <a:r>
+              <a:rPr lang="en-US" sz="2400" dirty="0"/>
+              <a:t> travel translator</a:t>
             </a:r>
           </a:p>
         </p:txBody>
@@ -15050,7 +14366,7 @@
     </p:spTree>
     <p:extLst>
       <p:ext uri="{BB962C8B-B14F-4D97-AF65-F5344CB8AC3E}">
-        <p14:creationId xmlns:p14="http://schemas.microsoft.com/office/powerpoint/2010/main" val="3873055385"/>
+        <p14:creationId xmlns:p14="http://schemas.microsoft.com/office/powerpoint/2010/main" val="3893910158"/>
       </p:ext>
     </p:extLst>
   </p:cSld>
@@ -15103,25 +14419,13 @@
               <a:rPr lang="en-US" sz="3600" dirty="0">
                 <a:latin typeface="+mj-lt"/>
               </a:rPr>
-              <a:t>Major </a:t>
-            </a:r>
-            <a:r>
-              <a:rPr lang="en-US" sz="3600" spc="-450" dirty="0">
-                <a:latin typeface="+mj-lt"/>
-              </a:rPr>
-              <a:t>A </a:t>
-            </a:r>
-            <a:r>
-              <a:rPr lang="en-US" sz="3600" dirty="0">
-                <a:latin typeface="+mj-lt"/>
-              </a:rPr>
-              <a:t>I Technologies &amp; Drivers       </a:t>
+              <a:t>Knowledge and Expert Systems        </a:t>
             </a:r>
             <a:r>
               <a:rPr lang="en-US" sz="2800" dirty="0">
                 <a:latin typeface="+mj-lt"/>
               </a:rPr>
-              <a:t>(2 of 3)</a:t>
+              <a:t>(1 of 2)</a:t>
             </a:r>
             <a:endParaRPr lang="en-US" sz="3600" dirty="0">
               <a:latin typeface="+mj-lt"/>
@@ -15142,7 +14446,7 @@
         <p:spPr>
           <a:xfrm>
             <a:off x="457200" y="1371600"/>
-            <a:ext cx="8153400" cy="4293483"/>
+            <a:ext cx="8153400" cy="4170372"/>
           </a:xfrm>
         </p:spPr>
         <p:txBody>
@@ -15153,94 +14457,70 @@
           <a:p>
             <a:r>
               <a:rPr lang="en-US" sz="2400" dirty="0"/>
-              <a:t>Robotic systems</a:t>
+              <a:t>Knowledge sourced intelligent systems</a:t>
             </a:r>
           </a:p>
           <a:p>
             <a:pPr marL="829818" lvl="1" indent="-342900"/>
             <a:r>
               <a:rPr lang="en-US" sz="2400" dirty="0"/>
-              <a:t>Industrial robots [for manufacturing]</a:t>
+              <a:t>Knowledge acquisition</a:t>
+            </a:r>
+          </a:p>
+          <a:p>
+            <a:pPr marL="1229868" lvl="2" indent="-342900"/>
+            <a:r>
+              <a:rPr lang="en-US" sz="2400" dirty="0"/>
+              <a:t>Identifying experts</a:t>
             </a:r>
           </a:p>
           <a:p>
             <a:pPr marL="829818" lvl="1" indent="-342900"/>
             <a:r>
               <a:rPr lang="en-US" sz="2400" dirty="0"/>
-              <a:t>Service robots</a:t>
+              <a:t>Knowledge representation</a:t>
             </a:r>
           </a:p>
           <a:p>
             <a:pPr marL="829818" lvl="1" indent="-342900"/>
             <a:r>
               <a:rPr lang="en-US" sz="2400" dirty="0"/>
-              <a:t>Example: </a:t>
-            </a:r>
+              <a:t>Reasoning from knowledge</a:t>
+            </a:r>
+          </a:p>
+          <a:p>
             <a:r>
               <a:rPr lang="en-US" sz="2400" dirty="0" err="1"/>
-              <a:t>Walmart</a:t>
-            </a:r>
-            <a:r>
-              <a:rPr lang="en-US" sz="2400" dirty="0"/>
-              <a:t> is using robots to properly stock shelves </a:t>
+              <a:t>Chatbots</a:t>
+            </a:r>
+            <a:endParaRPr lang="en-US" sz="2400" dirty="0"/>
+          </a:p>
+          <a:p>
+            <a:r>
+              <a:rPr lang="en-US" sz="2400" dirty="0"/>
+              <a:t>Emerging </a:t>
+            </a:r>
+            <a:r>
+              <a:rPr lang="en-US" sz="2400" spc="-300" dirty="0"/>
+              <a:t>A </a:t>
+            </a:r>
+            <a:r>
+              <a:rPr lang="en-US" sz="2400" dirty="0"/>
+              <a:t>I technologies </a:t>
             </a:r>
           </a:p>
           <a:p>
             <a:pPr marL="829818" lvl="1" indent="-342900"/>
             <a:r>
               <a:rPr lang="en-US" sz="2400" dirty="0"/>
-              <a:t>Use of robots (or bots) in </a:t>
-            </a:r>
-            <a:r>
-              <a:rPr lang="en-US" sz="2400" dirty="0" err="1"/>
-              <a:t>eComemrce</a:t>
-            </a:r>
-            <a:r>
-              <a:rPr lang="en-US" sz="2400" dirty="0"/>
-              <a:t> </a:t>
+              <a:t>Effective computing</a:t>
             </a:r>
           </a:p>
           <a:p>
             <a:pPr marL="829818" lvl="1" indent="-342900"/>
             <a:r>
               <a:rPr lang="en-US" sz="2400" dirty="0"/>
-              <a:t>Many are being used at </a:t>
-            </a:r>
-            <a:r>
-              <a:rPr lang="en-US" sz="2400" dirty="0">
-                <a:hlinkClick r:id="rId3" action="ppaction://hlinkfile" tooltip="Amazon.com"/>
-              </a:rPr>
-              <a:t>Amazon.com</a:t>
-            </a:r>
-            <a:r>
-              <a:rPr lang="en-US" sz="2400" dirty="0"/>
-              <a:t> </a:t>
-            </a:r>
-          </a:p>
-          <a:p>
-            <a:pPr marL="829818" lvl="1" indent="-342900"/>
-            <a:r>
-              <a:rPr lang="en-US" sz="2400" dirty="0"/>
-              <a:t>Online shopping robots (</a:t>
-            </a:r>
-            <a:r>
-              <a:rPr lang="en-US" sz="2400" dirty="0" err="1"/>
-              <a:t>shopbots</a:t>
-            </a:r>
-            <a:r>
-              <a:rPr lang="en-US" sz="2400" dirty="0"/>
-              <a:t>)</a:t>
-            </a:r>
-          </a:p>
-          <a:p>
-            <a:pPr marL="829818" lvl="1" indent="-342900"/>
-            <a:r>
-              <a:rPr lang="en-US" sz="2400" dirty="0" err="1"/>
-              <a:t>SoftBank</a:t>
-            </a:r>
-            <a:r>
-              <a:rPr lang="en-US" sz="2400" dirty="0"/>
-              <a:t> – a cellphone store in Tokyo entirely staffed by robots</a:t>
+              <a:t>Biometric analysis</a:t>
             </a:r>
           </a:p>
         </p:txBody>
@@ -15248,7 +14528,7 @@
     </p:spTree>
     <p:extLst>
       <p:ext uri="{BB962C8B-B14F-4D97-AF65-F5344CB8AC3E}">
-        <p14:creationId xmlns:p14="http://schemas.microsoft.com/office/powerpoint/2010/main" val="2103804682"/>
+        <p14:creationId xmlns:p14="http://schemas.microsoft.com/office/powerpoint/2010/main" val="1059166869"/>
       </p:ext>
     </p:extLst>
   </p:cSld>
@@ -15301,374 +14581,6 @@
               <a:rPr lang="en-US" sz="3600" dirty="0">
                 <a:latin typeface="+mj-lt"/>
               </a:rPr>
-              <a:t>Major </a:t>
-            </a:r>
-            <a:r>
-              <a:rPr lang="en-US" sz="3600" spc="-450" dirty="0">
-                <a:latin typeface="+mj-lt"/>
-              </a:rPr>
-              <a:t>A </a:t>
-            </a:r>
-            <a:r>
-              <a:rPr lang="en-US" sz="3600" dirty="0">
-                <a:latin typeface="+mj-lt"/>
-              </a:rPr>
-              <a:t>I Technologies &amp; Drivers       </a:t>
-            </a:r>
-            <a:r>
-              <a:rPr lang="en-US" sz="2800" dirty="0">
-                <a:latin typeface="+mj-lt"/>
-              </a:rPr>
-              <a:t>(3 of 3)</a:t>
-            </a:r>
-            <a:endParaRPr lang="en-US" sz="3600" dirty="0">
-              <a:latin typeface="+mj-lt"/>
-            </a:endParaRPr>
-          </a:p>
-        </p:txBody>
-      </p:sp>
-      <p:sp>
-        <p:nvSpPr>
-          <p:cNvPr id="4" name="Content Placeholder 3"/>
-          <p:cNvSpPr>
-            <a:spLocks noGrp="1"/>
-          </p:cNvSpPr>
-          <p:nvPr>
-            <p:ph idx="13"/>
-          </p:nvPr>
-        </p:nvSpPr>
-        <p:spPr>
-          <a:xfrm>
-            <a:off x="457200" y="1371600"/>
-            <a:ext cx="8153400" cy="4001095"/>
-          </a:xfrm>
-        </p:spPr>
-        <p:txBody>
-          <a:bodyPr>
-            <a:spAutoFit/>
-          </a:bodyPr>
-          <a:lstStyle/>
-          <a:p>
-            <a:r>
-              <a:rPr lang="en-US" sz="2400" dirty="0"/>
-              <a:t>Natural language processing</a:t>
-            </a:r>
-          </a:p>
-          <a:p>
-            <a:pPr marL="829818" lvl="1" indent="-342900"/>
-            <a:r>
-              <a:rPr lang="en-US" sz="2400" dirty="0"/>
-              <a:t>Natural language understanding </a:t>
-            </a:r>
-          </a:p>
-          <a:p>
-            <a:pPr marL="829818" lvl="1" indent="-342900"/>
-            <a:r>
-              <a:rPr lang="en-US" sz="2400" dirty="0"/>
-              <a:t>Natural language generation</a:t>
-            </a:r>
-          </a:p>
-          <a:p>
-            <a:pPr marL="829818" lvl="1" indent="-342900"/>
-            <a:r>
-              <a:rPr lang="en-US" sz="2400" dirty="0"/>
-              <a:t>Speech (voice) understanding</a:t>
-            </a:r>
-          </a:p>
-          <a:p>
-            <a:pPr marL="1229868" lvl="2" indent="-342900"/>
-            <a:r>
-              <a:rPr lang="en-US" sz="2400" dirty="0"/>
-              <a:t>An interesting application </a:t>
-            </a:r>
-            <a:r>
-              <a:rPr lang="en-US" sz="2400" dirty="0">
-                <a:hlinkClick r:id="rId3" action="ppaction://hlinkfile" tooltip="cs.cmu.edu/~./listen"/>
-              </a:rPr>
-              <a:t>cs.cmu.edu/~./listen</a:t>
-            </a:r>
-            <a:endParaRPr lang="en-US" sz="2400" dirty="0"/>
-          </a:p>
-          <a:p>
-            <a:pPr marL="829818" lvl="1" indent="-342900"/>
-            <a:r>
-              <a:rPr lang="en-US" sz="2400" dirty="0"/>
-              <a:t>Machine translation of human languages</a:t>
-            </a:r>
-          </a:p>
-          <a:p>
-            <a:pPr marL="1229868" lvl="2" indent="-342900"/>
-            <a:r>
-              <a:rPr lang="en-US" sz="2400" dirty="0" err="1"/>
-              <a:t>Balel</a:t>
-            </a:r>
-            <a:r>
-              <a:rPr lang="en-US" sz="2400" dirty="0"/>
-              <a:t> fish (</a:t>
-            </a:r>
-            <a:r>
-              <a:rPr lang="en-US" sz="2400" dirty="0">
-                <a:hlinkClick r:id="rId4" action="ppaction://hlinkfile" tooltip="babelfish.com"/>
-              </a:rPr>
-              <a:t>babelfish.com</a:t>
-            </a:r>
-            <a:r>
-              <a:rPr lang="en-US" sz="2400" dirty="0"/>
-              <a:t>)</a:t>
-            </a:r>
-          </a:p>
-          <a:p>
-            <a:pPr marL="1229868" lvl="2" indent="-342900"/>
-            <a:r>
-              <a:rPr lang="en-US" sz="2400" dirty="0"/>
-              <a:t>Google translator (</a:t>
-            </a:r>
-            <a:r>
-              <a:rPr lang="en-US" sz="2400" dirty="0">
-                <a:hlinkClick r:id="rId5" action="ppaction://hlinkfile" tooltip="translate.google.com"/>
-              </a:rPr>
-              <a:t>translate.google.com</a:t>
-            </a:r>
-            <a:r>
-              <a:rPr lang="en-US" sz="2400" dirty="0"/>
-              <a:t>)</a:t>
-            </a:r>
-          </a:p>
-          <a:p>
-            <a:pPr marL="1229868" lvl="2" indent="-342900"/>
-            <a:r>
-              <a:rPr lang="en-US" sz="2400" dirty="0"/>
-              <a:t>Example: </a:t>
-            </a:r>
-            <a:r>
-              <a:rPr lang="en-US" sz="2400" dirty="0" err="1"/>
-              <a:t>Sogou’s</a:t>
-            </a:r>
-            <a:r>
-              <a:rPr lang="en-US" sz="2400" dirty="0"/>
-              <a:t> travel translator</a:t>
-            </a:r>
-          </a:p>
-        </p:txBody>
-      </p:sp>
-    </p:spTree>
-    <p:extLst>
-      <p:ext uri="{BB962C8B-B14F-4D97-AF65-F5344CB8AC3E}">
-        <p14:creationId xmlns:p14="http://schemas.microsoft.com/office/powerpoint/2010/main" val="3893910158"/>
-      </p:ext>
-    </p:extLst>
-  </p:cSld>
-  <p:clrMapOvr>
-    <a:masterClrMapping/>
-  </p:clrMapOvr>
-</p:sld>
-</file>
-
-<file path=ppt/slides/slide26.xml><?xml version="1.0" encoding="utf-8"?>
-<p:sld xmlns:a="http://schemas.openxmlformats.org/drawingml/2006/main" xmlns:r="http://schemas.openxmlformats.org/officeDocument/2006/relationships" xmlns:p="http://schemas.openxmlformats.org/presentationml/2006/main">
-  <p:cSld>
-    <p:spTree>
-      <p:nvGrpSpPr>
-        <p:cNvPr id="1" name=""/>
-        <p:cNvGrpSpPr/>
-        <p:nvPr/>
-      </p:nvGrpSpPr>
-      <p:grpSpPr>
-        <a:xfrm>
-          <a:off x="0" y="0"/>
-          <a:ext cx="0" cy="0"/>
-          <a:chOff x="0" y="0"/>
-          <a:chExt cx="0" cy="0"/>
-        </a:xfrm>
-      </p:grpSpPr>
-      <p:sp>
-        <p:nvSpPr>
-          <p:cNvPr id="2" name="Title 1"/>
-          <p:cNvSpPr>
-            <a:spLocks noGrp="1"/>
-          </p:cNvSpPr>
-          <p:nvPr>
-            <p:ph type="title"/>
-          </p:nvPr>
-        </p:nvSpPr>
-        <p:spPr>
-          <a:xfrm>
-            <a:off x="457200" y="62210"/>
-            <a:ext cx="8153400" cy="984885"/>
-          </a:xfrm>
-        </p:spPr>
-        <p:txBody>
-          <a:bodyPr wrap="square">
-            <a:spAutoFit/>
-          </a:bodyPr>
-          <a:lstStyle/>
-          <a:p>
-            <a:r>
-              <a:rPr lang="en-US" sz="3600" dirty="0">
-                <a:latin typeface="+mj-lt"/>
-              </a:rPr>
-              <a:t>Knowledge and Expert Systems        </a:t>
-            </a:r>
-            <a:r>
-              <a:rPr lang="en-US" sz="2800" dirty="0">
-                <a:latin typeface="+mj-lt"/>
-              </a:rPr>
-              <a:t>(1 of 2)</a:t>
-            </a:r>
-            <a:endParaRPr lang="en-US" sz="3600" dirty="0">
-              <a:latin typeface="+mj-lt"/>
-            </a:endParaRPr>
-          </a:p>
-        </p:txBody>
-      </p:sp>
-      <p:sp>
-        <p:nvSpPr>
-          <p:cNvPr id="4" name="Content Placeholder 3"/>
-          <p:cNvSpPr>
-            <a:spLocks noGrp="1"/>
-          </p:cNvSpPr>
-          <p:nvPr>
-            <p:ph idx="13"/>
-          </p:nvPr>
-        </p:nvSpPr>
-        <p:spPr>
-          <a:xfrm>
-            <a:off x="457200" y="1371600"/>
-            <a:ext cx="8153400" cy="4170372"/>
-          </a:xfrm>
-        </p:spPr>
-        <p:txBody>
-          <a:bodyPr>
-            <a:spAutoFit/>
-          </a:bodyPr>
-          <a:lstStyle/>
-          <a:p>
-            <a:r>
-              <a:rPr lang="en-US" sz="2400" dirty="0"/>
-              <a:t>Knowledge sourced intelligent systems</a:t>
-            </a:r>
-          </a:p>
-          <a:p>
-            <a:pPr marL="829818" lvl="1" indent="-342900"/>
-            <a:r>
-              <a:rPr lang="en-US" sz="2400" dirty="0"/>
-              <a:t>Knowledge acquisition</a:t>
-            </a:r>
-          </a:p>
-          <a:p>
-            <a:pPr marL="1229868" lvl="2" indent="-342900"/>
-            <a:r>
-              <a:rPr lang="en-US" sz="2400" dirty="0"/>
-              <a:t>Identifying experts</a:t>
-            </a:r>
-          </a:p>
-          <a:p>
-            <a:pPr marL="829818" lvl="1" indent="-342900"/>
-            <a:r>
-              <a:rPr lang="en-US" sz="2400" dirty="0"/>
-              <a:t>Knowledge representation</a:t>
-            </a:r>
-          </a:p>
-          <a:p>
-            <a:pPr marL="829818" lvl="1" indent="-342900"/>
-            <a:r>
-              <a:rPr lang="en-US" sz="2400" dirty="0"/>
-              <a:t>Reasoning from knowledge</a:t>
-            </a:r>
-          </a:p>
-          <a:p>
-            <a:r>
-              <a:rPr lang="en-US" sz="2400" dirty="0" err="1"/>
-              <a:t>Chatbots</a:t>
-            </a:r>
-            <a:endParaRPr lang="en-US" sz="2400" dirty="0"/>
-          </a:p>
-          <a:p>
-            <a:r>
-              <a:rPr lang="en-US" sz="2400" dirty="0"/>
-              <a:t>Emerging </a:t>
-            </a:r>
-            <a:r>
-              <a:rPr lang="en-US" sz="2400" spc="-300" dirty="0"/>
-              <a:t>A </a:t>
-            </a:r>
-            <a:r>
-              <a:rPr lang="en-US" sz="2400" dirty="0"/>
-              <a:t>I technologies </a:t>
-            </a:r>
-          </a:p>
-          <a:p>
-            <a:pPr marL="829818" lvl="1" indent="-342900"/>
-            <a:r>
-              <a:rPr lang="en-US" sz="2400" dirty="0"/>
-              <a:t>Effective computing</a:t>
-            </a:r>
-          </a:p>
-          <a:p>
-            <a:pPr marL="829818" lvl="1" indent="-342900"/>
-            <a:r>
-              <a:rPr lang="en-US" sz="2400" dirty="0"/>
-              <a:t>Biometric analysis</a:t>
-            </a:r>
-          </a:p>
-        </p:txBody>
-      </p:sp>
-    </p:spTree>
-    <p:extLst>
-      <p:ext uri="{BB962C8B-B14F-4D97-AF65-F5344CB8AC3E}">
-        <p14:creationId xmlns:p14="http://schemas.microsoft.com/office/powerpoint/2010/main" val="1059166869"/>
-      </p:ext>
-    </p:extLst>
-  </p:cSld>
-  <p:clrMapOvr>
-    <a:masterClrMapping/>
-  </p:clrMapOvr>
-</p:sld>
-</file>
-
-<file path=ppt/slides/slide27.xml><?xml version="1.0" encoding="utf-8"?>
-<p:sld xmlns:a="http://schemas.openxmlformats.org/drawingml/2006/main" xmlns:r="http://schemas.openxmlformats.org/officeDocument/2006/relationships" xmlns:p="http://schemas.openxmlformats.org/presentationml/2006/main">
-  <p:cSld>
-    <p:spTree>
-      <p:nvGrpSpPr>
-        <p:cNvPr id="1" name=""/>
-        <p:cNvGrpSpPr/>
-        <p:nvPr/>
-      </p:nvGrpSpPr>
-      <p:grpSpPr>
-        <a:xfrm>
-          <a:off x="0" y="0"/>
-          <a:ext cx="0" cy="0"/>
-          <a:chOff x="0" y="0"/>
-          <a:chExt cx="0" cy="0"/>
-        </a:xfrm>
-      </p:grpSpPr>
-      <p:sp>
-        <p:nvSpPr>
-          <p:cNvPr id="2" name="Title 1"/>
-          <p:cNvSpPr>
-            <a:spLocks noGrp="1"/>
-          </p:cNvSpPr>
-          <p:nvPr>
-            <p:ph type="title"/>
-          </p:nvPr>
-        </p:nvSpPr>
-        <p:spPr>
-          <a:xfrm>
-            <a:off x="457200" y="62210"/>
-            <a:ext cx="8153400" cy="984885"/>
-          </a:xfrm>
-        </p:spPr>
-        <p:txBody>
-          <a:bodyPr wrap="square">
-            <a:spAutoFit/>
-          </a:bodyPr>
-          <a:lstStyle/>
-          <a:p>
-            <a:r>
-              <a:rPr lang="en-US" sz="3600" dirty="0">
-                <a:latin typeface="+mj-lt"/>
-              </a:rPr>
               <a:t>Knowledge and Expert Systems        </a:t>
             </a:r>
             <a:r>
@@ -15792,7 +14704,7 @@
 </p:sld>
 </file>
 
-<file path=ppt/slides/slide28.xml><?xml version="1.0" encoding="utf-8"?>
+<file path=ppt/slides/slide26.xml><?xml version="1.0" encoding="utf-8"?>
 <p:sld xmlns:a="http://schemas.openxmlformats.org/drawingml/2006/main" xmlns:r="http://schemas.openxmlformats.org/officeDocument/2006/relationships" xmlns:p="http://schemas.openxmlformats.org/presentationml/2006/main">
   <p:cSld>
     <p:spTree>
@@ -15892,6 +14804,375 @@
 </p:sld>
 </file>
 
+<file path=ppt/slides/slide27.xml><?xml version="1.0" encoding="utf-8"?>
+<p:sld xmlns:a="http://schemas.openxmlformats.org/drawingml/2006/main" xmlns:r="http://schemas.openxmlformats.org/officeDocument/2006/relationships" xmlns:p="http://schemas.openxmlformats.org/presentationml/2006/main">
+  <p:cSld>
+    <p:spTree>
+      <p:nvGrpSpPr>
+        <p:cNvPr id="1" name=""/>
+        <p:cNvGrpSpPr/>
+        <p:nvPr/>
+      </p:nvGrpSpPr>
+      <p:grpSpPr>
+        <a:xfrm>
+          <a:off x="0" y="0"/>
+          <a:ext cx="0" cy="0"/>
+          <a:chOff x="0" y="0"/>
+          <a:chExt cx="0" cy="0"/>
+        </a:xfrm>
+      </p:grpSpPr>
+      <p:sp>
+        <p:nvSpPr>
+          <p:cNvPr id="2" name="Title 1"/>
+          <p:cNvSpPr>
+            <a:spLocks noGrp="1"/>
+          </p:cNvSpPr>
+          <p:nvPr>
+            <p:ph type="title"/>
+          </p:nvPr>
+        </p:nvSpPr>
+        <p:spPr>
+          <a:xfrm>
+            <a:off x="457200" y="73997"/>
+            <a:ext cx="8153400" cy="553998"/>
+          </a:xfrm>
+        </p:spPr>
+        <p:txBody>
+          <a:bodyPr wrap="square">
+            <a:spAutoFit/>
+          </a:bodyPr>
+          <a:lstStyle/>
+          <a:p>
+            <a:r>
+              <a:rPr lang="en-US" sz="3600" spc="-450" dirty="0">
+                <a:latin typeface="+mj-lt"/>
+              </a:rPr>
+              <a:t>A </a:t>
+            </a:r>
+            <a:r>
+              <a:rPr lang="en-US" sz="3600" dirty="0">
+                <a:latin typeface="+mj-lt"/>
+              </a:rPr>
+              <a:t>I Support for Decision Making</a:t>
+            </a:r>
+          </a:p>
+        </p:txBody>
+      </p:sp>
+      <p:sp>
+        <p:nvSpPr>
+          <p:cNvPr id="4" name="Content Placeholder 3"/>
+          <p:cNvSpPr>
+            <a:spLocks noGrp="1"/>
+          </p:cNvSpPr>
+          <p:nvPr>
+            <p:ph idx="13"/>
+          </p:nvPr>
+        </p:nvSpPr>
+        <p:spPr>
+          <a:xfrm>
+            <a:off x="457200" y="1009650"/>
+            <a:ext cx="8153400" cy="4039567"/>
+          </a:xfrm>
+        </p:spPr>
+        <p:txBody>
+          <a:bodyPr>
+            <a:spAutoFit/>
+          </a:bodyPr>
+          <a:lstStyle/>
+          <a:p>
+            <a:r>
+              <a:rPr lang="en-US" sz="2000" dirty="0"/>
+              <a:t>Jeff Bezos, the </a:t>
+            </a:r>
+            <a:r>
+              <a:rPr lang="en-US" sz="2000" spc="-250" dirty="0"/>
+              <a:t>C E </a:t>
+            </a:r>
+            <a:r>
+              <a:rPr lang="en-US" sz="2000" dirty="0"/>
+              <a:t>O of </a:t>
+            </a:r>
+            <a:r>
+              <a:rPr lang="en-US" sz="2000" dirty="0">
+                <a:hlinkClick r:id="rId3" action="ppaction://hlinkfile" tooltip="Amazon.com"/>
+              </a:rPr>
+              <a:t>Amazon.com</a:t>
+            </a:r>
+            <a:r>
+              <a:rPr lang="en-US" sz="2000" dirty="0"/>
+              <a:t>, said in May 2017 that </a:t>
+            </a:r>
+            <a:r>
+              <a:rPr lang="en-US" sz="2000" u="sng" spc="-250" dirty="0"/>
+              <a:t>A </a:t>
+            </a:r>
+            <a:r>
+              <a:rPr lang="en-US" sz="2000" u="sng" dirty="0"/>
+              <a:t>I is in a golden age</a:t>
+            </a:r>
+            <a:r>
+              <a:rPr lang="en-US" sz="2000" dirty="0"/>
+              <a:t> …</a:t>
+            </a:r>
+          </a:p>
+          <a:p>
+            <a:r>
+              <a:rPr lang="en-US" sz="2000" spc="-250" dirty="0"/>
+              <a:t>A </a:t>
+            </a:r>
+            <a:r>
+              <a:rPr lang="en-US" sz="2000" dirty="0"/>
+              <a:t>I can …</a:t>
+            </a:r>
+          </a:p>
+          <a:p>
+            <a:pPr marL="829818" lvl="1" indent="-342900"/>
+            <a:r>
+              <a:rPr lang="en-US" sz="2000" dirty="0"/>
+              <a:t>Solve complex problems that people have not been able to solve.</a:t>
+            </a:r>
+          </a:p>
+          <a:p>
+            <a:pPr marL="829818" lvl="1" indent="-342900"/>
+            <a:r>
+              <a:rPr lang="en-US" sz="2000" dirty="0"/>
+              <a:t>Make much faster decisions. </a:t>
+            </a:r>
+          </a:p>
+          <a:p>
+            <a:pPr marL="829818" lvl="1" indent="-342900"/>
+            <a:r>
+              <a:rPr lang="en-US" sz="2000" dirty="0"/>
+              <a:t>Find relevant information, even in large data sources, very fast.</a:t>
+            </a:r>
+          </a:p>
+          <a:p>
+            <a:pPr marL="829818" lvl="1" indent="-342900"/>
+            <a:r>
+              <a:rPr lang="en-US" sz="2000" dirty="0"/>
+              <a:t>Make complex calculations rapidly.</a:t>
+            </a:r>
+          </a:p>
+          <a:p>
+            <a:pPr marL="829818" lvl="1" indent="-342900"/>
+            <a:r>
+              <a:rPr lang="en-US" sz="2000" dirty="0"/>
+              <a:t>Conduct complex comparisons and evaluations in real time.</a:t>
+            </a:r>
+          </a:p>
+          <a:p>
+            <a:pPr marL="829818" lvl="1" indent="-342900"/>
+            <a:r>
+              <a:rPr lang="en-US" sz="2000" dirty="0"/>
+              <a:t>Watch “</a:t>
+            </a:r>
+            <a:r>
+              <a:rPr lang="en-US" sz="2000" spc="-300" dirty="0"/>
+              <a:t>A </a:t>
+            </a:r>
+            <a:r>
+              <a:rPr lang="en-US" sz="2000" dirty="0"/>
+              <a:t>I Will Be Making Decisions for You” at </a:t>
+            </a:r>
+            <a:r>
+              <a:rPr lang="en-US" sz="2000" dirty="0">
+                <a:hlinkClick r:id="rId4" tooltip="https://www.youtube.com/watch?v=Dr9jeRy9whQ"/>
+              </a:rPr>
+              <a:t>https://www.youtube.com/watch?v=Dr9jeRy9whQ</a:t>
+            </a:r>
+            <a:r>
+              <a:rPr lang="en-US" sz="2000" dirty="0">
+                <a:hlinkClick r:id="rId4"/>
+              </a:rPr>
+              <a:t>   </a:t>
+            </a:r>
+            <a:endParaRPr lang="en-US" sz="2000" dirty="0"/>
+          </a:p>
+        </p:txBody>
+      </p:sp>
+    </p:spTree>
+    <p:extLst>
+      <p:ext uri="{BB962C8B-B14F-4D97-AF65-F5344CB8AC3E}">
+        <p14:creationId xmlns:p14="http://schemas.microsoft.com/office/powerpoint/2010/main" val="48090918"/>
+      </p:ext>
+    </p:extLst>
+  </p:cSld>
+  <p:clrMapOvr>
+    <a:masterClrMapping/>
+  </p:clrMapOvr>
+</p:sld>
+</file>
+
+<file path=ppt/slides/slide28.xml><?xml version="1.0" encoding="utf-8"?>
+<p:sld xmlns:a="http://schemas.openxmlformats.org/drawingml/2006/main" xmlns:r="http://schemas.openxmlformats.org/officeDocument/2006/relationships" xmlns:p="http://schemas.openxmlformats.org/presentationml/2006/main">
+  <p:cSld>
+    <p:spTree>
+      <p:nvGrpSpPr>
+        <p:cNvPr id="1" name=""/>
+        <p:cNvGrpSpPr/>
+        <p:nvPr/>
+      </p:nvGrpSpPr>
+      <p:grpSpPr>
+        <a:xfrm>
+          <a:off x="0" y="0"/>
+          <a:ext cx="0" cy="0"/>
+          <a:chOff x="0" y="0"/>
+          <a:chExt cx="0" cy="0"/>
+        </a:xfrm>
+      </p:grpSpPr>
+      <p:sp>
+        <p:nvSpPr>
+          <p:cNvPr id="2" name="Title 1"/>
+          <p:cNvSpPr>
+            <a:spLocks noGrp="1"/>
+          </p:cNvSpPr>
+          <p:nvPr>
+            <p:ph type="title"/>
+          </p:nvPr>
+        </p:nvSpPr>
+        <p:spPr>
+          <a:xfrm>
+            <a:off x="457200" y="73997"/>
+            <a:ext cx="8153400" cy="553998"/>
+          </a:xfrm>
+        </p:spPr>
+        <p:txBody>
+          <a:bodyPr wrap="square">
+            <a:spAutoFit/>
+          </a:bodyPr>
+          <a:lstStyle/>
+          <a:p>
+            <a:r>
+              <a:rPr lang="en-US" sz="3600" dirty="0">
+                <a:latin typeface="+mj-lt"/>
+              </a:rPr>
+              <a:t>Using </a:t>
+            </a:r>
+            <a:r>
+              <a:rPr lang="en-US" sz="3600" spc="-450" dirty="0">
+                <a:latin typeface="+mj-lt"/>
+              </a:rPr>
+              <a:t>A </a:t>
+            </a:r>
+            <a:r>
+              <a:rPr lang="en-US" sz="3600" dirty="0">
+                <a:latin typeface="+mj-lt"/>
+              </a:rPr>
+              <a:t>I in Decision Making</a:t>
+            </a:r>
+          </a:p>
+        </p:txBody>
+      </p:sp>
+      <p:sp>
+        <p:nvSpPr>
+          <p:cNvPr id="4" name="Content Placeholder 3"/>
+          <p:cNvSpPr>
+            <a:spLocks noGrp="1"/>
+          </p:cNvSpPr>
+          <p:nvPr>
+            <p:ph idx="13"/>
+          </p:nvPr>
+        </p:nvSpPr>
+        <p:spPr>
+          <a:xfrm>
+            <a:off x="457200" y="990600"/>
+            <a:ext cx="8153400" cy="4308872"/>
+          </a:xfrm>
+        </p:spPr>
+        <p:txBody>
+          <a:bodyPr>
+            <a:spAutoFit/>
+          </a:bodyPr>
+          <a:lstStyle/>
+          <a:p>
+            <a:r>
+              <a:rPr lang="en-US" sz="2400" dirty="0"/>
+              <a:t>Issues &amp; factors:</a:t>
+            </a:r>
+          </a:p>
+          <a:p>
+            <a:pPr marL="829818" lvl="1" indent="-342900"/>
+            <a:r>
+              <a:rPr lang="en-US" sz="2400" dirty="0"/>
+              <a:t>The nature of the decision [routine </a:t>
+            </a:r>
+            <a:r>
+              <a:rPr lang="en-US" sz="2400" dirty="0" err="1"/>
+              <a:t>vs</a:t>
+            </a:r>
+            <a:r>
+              <a:rPr lang="en-US" sz="2400" dirty="0"/>
+              <a:t> non-routine]</a:t>
+            </a:r>
+          </a:p>
+          <a:p>
+            <a:pPr marL="829818" lvl="1" indent="-342900"/>
+            <a:r>
+              <a:rPr lang="en-US" sz="2400" dirty="0"/>
+              <a:t>The method of support / technologies used</a:t>
+            </a:r>
+          </a:p>
+          <a:p>
+            <a:pPr marL="1229868" lvl="2" indent="-342900"/>
+            <a:r>
+              <a:rPr lang="en-US" sz="2400" dirty="0"/>
+              <a:t>Expert systems, recommender systems</a:t>
+            </a:r>
+          </a:p>
+          <a:p>
+            <a:pPr marL="1229868" lvl="2" indent="-342900"/>
+            <a:r>
+              <a:rPr lang="en-US" sz="2400" dirty="0"/>
+              <a:t>Deep learning, pattern recognition, biometrics recognition</a:t>
+            </a:r>
+          </a:p>
+          <a:p>
+            <a:pPr marL="829818" lvl="1" indent="-342900"/>
+            <a:r>
+              <a:rPr lang="en-US" sz="2400" dirty="0"/>
+              <a:t>Cos-benefit and risk analysis</a:t>
+            </a:r>
+          </a:p>
+          <a:p>
+            <a:pPr marL="829818" lvl="1" indent="-342900"/>
+            <a:r>
+              <a:rPr lang="en-US" sz="2400" dirty="0"/>
+              <a:t>Using business rules</a:t>
+            </a:r>
+          </a:p>
+          <a:p>
+            <a:pPr marL="829818" lvl="1" indent="-342900"/>
+            <a:r>
+              <a:rPr lang="en-US" sz="2400" spc="-300" dirty="0"/>
+              <a:t>A </a:t>
+            </a:r>
+            <a:r>
+              <a:rPr lang="en-US" sz="2400" dirty="0"/>
+              <a:t>I algorithms</a:t>
+            </a:r>
+          </a:p>
+          <a:p>
+            <a:pPr marL="829818" lvl="1" indent="-342900"/>
+            <a:r>
+              <a:rPr lang="en-US" sz="2400" dirty="0"/>
+              <a:t>Speed</a:t>
+            </a:r>
+          </a:p>
+        </p:txBody>
+      </p:sp>
+    </p:spTree>
+    <p:extLst>
+      <p:ext uri="{BB962C8B-B14F-4D97-AF65-F5344CB8AC3E}">
+        <p14:creationId xmlns:p14="http://schemas.microsoft.com/office/powerpoint/2010/main" val="3866101285"/>
+      </p:ext>
+    </p:extLst>
+  </p:cSld>
+  <p:clrMapOvr>
+    <a:masterClrMapping/>
+  </p:clrMapOvr>
+</p:sld>
+</file>
+
 <file path=ppt/slides/slide29.xml><?xml version="1.0" encoding="utf-8"?>
 <p:sld xmlns:a="http://schemas.openxmlformats.org/drawingml/2006/main" xmlns:r="http://schemas.openxmlformats.org/officeDocument/2006/relationships" xmlns:p="http://schemas.openxmlformats.org/presentationml/2006/main">
   <p:cSld>
@@ -15921,8 +15202,8 @@
         </p:nvSpPr>
         <p:spPr>
           <a:xfrm>
-            <a:off x="457200" y="73997"/>
-            <a:ext cx="8153400" cy="553998"/>
+            <a:off x="457200" y="62924"/>
+            <a:ext cx="8153400" cy="1107996"/>
           </a:xfrm>
         </p:spPr>
         <p:txBody>
@@ -15932,17 +15213,20 @@
           <a:lstStyle/>
           <a:p>
             <a:r>
-              <a:rPr lang="en-US" sz="3600" spc="-450" dirty="0">
+              <a:rPr lang="en-IN" sz="3600" spc="-450" dirty="0">
                 <a:latin typeface="+mj-lt"/>
               </a:rPr>
               <a:t>A </a:t>
             </a:r>
             <a:r>
-              <a:rPr lang="en-US" sz="3600" dirty="0">
+              <a:rPr lang="en-IN" sz="3600" dirty="0">
                 <a:latin typeface="+mj-lt"/>
               </a:rPr>
-              <a:t>I Support for Decision Making</a:t>
-            </a:r>
+              <a:t>I Support for Decision-Making Process</a:t>
+            </a:r>
+            <a:endParaRPr lang="en-US" sz="3600" dirty="0">
+              <a:latin typeface="+mj-lt"/>
+            </a:endParaRPr>
           </a:p>
         </p:txBody>
       </p:sp>
@@ -15958,8 +15242,8 @@
         </p:nvSpPr>
         <p:spPr>
           <a:xfrm>
-            <a:off x="457200" y="1009650"/>
-            <a:ext cx="8153400" cy="4039567"/>
+            <a:off x="457200" y="1371600"/>
+            <a:ext cx="8153400" cy="3916457"/>
           </a:xfrm>
         </p:spPr>
         <p:txBody>
@@ -15968,120 +15252,73 @@
           </a:bodyPr>
           <a:lstStyle/>
           <a:p>
-            <a:r>
-              <a:rPr lang="en-US" sz="2000" dirty="0"/>
-              <a:t>Jeff Bezos, the </a:t>
-            </a:r>
-            <a:r>
-              <a:rPr lang="en-US" sz="2000" spc="-250" dirty="0"/>
-              <a:t>C E </a:t>
-            </a:r>
-            <a:r>
-              <a:rPr lang="en-US" sz="2000" dirty="0"/>
-              <a:t>O of </a:t>
-            </a:r>
-            <a:r>
-              <a:rPr lang="en-US" sz="2000" dirty="0">
-                <a:hlinkClick r:id="rId3" action="ppaction://hlinkfile" tooltip="Amazon.com"/>
-              </a:rPr>
-              <a:t>Amazon.com</a:t>
-            </a:r>
-            <a:r>
-              <a:rPr lang="en-US" sz="2000" dirty="0"/>
-              <a:t>, said in May 2017 that </a:t>
-            </a:r>
-            <a:r>
-              <a:rPr lang="en-US" sz="2000" u="sng" spc="-250" dirty="0"/>
+            <a:pPr marL="285750" indent="-285750"/>
+            <a:r>
+              <a:rPr lang="en-US" sz="2400" dirty="0"/>
+              <a:t>As it relates to Simon’s decision making process (see Chapter 1 for the background information)</a:t>
+            </a:r>
+          </a:p>
+          <a:p>
+            <a:pPr marL="285750" indent="-285750"/>
+            <a:r>
+              <a:rPr lang="en-US" sz="2400" spc="-300" dirty="0"/>
               <a:t>A </a:t>
             </a:r>
             <a:r>
-              <a:rPr lang="en-US" sz="2000" u="sng" dirty="0"/>
-              <a:t>I is in a golden age</a:t>
-            </a:r>
-            <a:r>
-              <a:rPr lang="en-US" sz="2000" dirty="0"/>
-              <a:t> …</a:t>
-            </a:r>
-          </a:p>
-          <a:p>
-            <a:r>
-              <a:rPr lang="en-US" sz="2000" spc="-250" dirty="0"/>
+              <a:rPr lang="en-US" sz="2400" dirty="0"/>
+              <a:t>I support in problem identification</a:t>
+            </a:r>
+          </a:p>
+          <a:p>
+            <a:pPr marL="285750" indent="-285750"/>
+            <a:r>
+              <a:rPr lang="en-US" sz="2400" spc="-300" dirty="0"/>
               <a:t>A </a:t>
             </a:r>
             <a:r>
-              <a:rPr lang="en-US" sz="2000" dirty="0"/>
-              <a:t>I can …</a:t>
-            </a:r>
-          </a:p>
-          <a:p>
-            <a:pPr marL="829818" lvl="1" indent="-342900"/>
-            <a:r>
-              <a:rPr lang="en-US" sz="2000" dirty="0"/>
-              <a:t>Solve complex problems that people have not been able to solve.</a:t>
-            </a:r>
-          </a:p>
-          <a:p>
-            <a:pPr marL="829818" lvl="1" indent="-342900"/>
-            <a:r>
-              <a:rPr lang="en-US" sz="2000" dirty="0"/>
-              <a:t>Make much faster decisions. </a:t>
-            </a:r>
-          </a:p>
-          <a:p>
-            <a:pPr marL="829818" lvl="1" indent="-342900"/>
-            <a:r>
-              <a:rPr lang="en-US" sz="2000" dirty="0"/>
-              <a:t>Find relevant information, even in large data sources, very fast.</a:t>
-            </a:r>
-          </a:p>
-          <a:p>
-            <a:pPr marL="829818" lvl="1" indent="-342900"/>
-            <a:r>
-              <a:rPr lang="en-US" sz="2000" dirty="0"/>
-              <a:t>Make complex calculations rapidly.</a:t>
-            </a:r>
-          </a:p>
-          <a:p>
-            <a:pPr marL="829818" lvl="1" indent="-342900"/>
-            <a:r>
-              <a:rPr lang="en-US" sz="2000" dirty="0"/>
-              <a:t>Conduct complex comparisons and evaluations in real time.</a:t>
-            </a:r>
-          </a:p>
-          <a:p>
-            <a:pPr marL="829818" lvl="1" indent="-342900"/>
-            <a:r>
-              <a:rPr lang="en-US" sz="2000" dirty="0"/>
-              <a:t>Watch “</a:t>
-            </a:r>
-            <a:r>
-              <a:rPr lang="en-US" sz="2000" spc="-300" dirty="0"/>
+              <a:rPr lang="en-US" sz="2400" dirty="0"/>
+              <a:t>I support in generating or finding alternative solutions</a:t>
+            </a:r>
+          </a:p>
+          <a:p>
+            <a:pPr marL="285750" indent="-285750"/>
+            <a:r>
+              <a:rPr lang="en-US" sz="2400" spc="-300" dirty="0"/>
               <a:t>A </a:t>
             </a:r>
             <a:r>
-              <a:rPr lang="en-US" sz="2000" dirty="0"/>
-              <a:t>I Will Be Making Decisions for You” at </a:t>
-            </a:r>
-            <a:r>
-              <a:rPr lang="en-US" sz="2000" dirty="0">
-                <a:hlinkClick r:id="rId4" tooltip="https://www.youtube.com/watch?v=Dr9jeRy9whQ"/>
-              </a:rPr>
-              <a:t>https://www.youtube.com/watch?v=Dr9jeRy9whQ</a:t>
-            </a:r>
-            <a:r>
-              <a:rPr lang="en-US" sz="2000" dirty="0">
-                <a:hlinkClick r:id="rId4"/>
-              </a:rPr>
-              <a:t>   </a:t>
-            </a:r>
-            <a:endParaRPr lang="en-US" sz="2000" dirty="0"/>
+              <a:rPr lang="en-US" sz="2400" dirty="0"/>
+              <a:t>I support in selecting a solution</a:t>
+            </a:r>
+          </a:p>
+          <a:p>
+            <a:pPr marL="285750" indent="-285750"/>
+            <a:r>
+              <a:rPr lang="en-US" sz="2400" spc="-300" dirty="0"/>
+              <a:t>A </a:t>
+            </a:r>
+            <a:r>
+              <a:rPr lang="en-US" sz="2400" dirty="0"/>
+              <a:t>I support in implementing the solution</a:t>
+            </a:r>
+          </a:p>
+          <a:p>
+            <a:pPr marL="285750" indent="-285750"/>
+            <a:r>
+              <a:rPr lang="en-US" sz="2400" spc="-300" dirty="0"/>
+              <a:t>A </a:t>
+            </a:r>
+            <a:r>
+              <a:rPr lang="en-US" sz="2400" dirty="0"/>
+              <a:t>I can (and should) play a role in each and every step in the decision making process</a:t>
+            </a:r>
           </a:p>
         </p:txBody>
       </p:sp>
     </p:spTree>
     <p:extLst>
       <p:ext uri="{BB962C8B-B14F-4D97-AF65-F5344CB8AC3E}">
-        <p14:creationId xmlns:p14="http://schemas.microsoft.com/office/powerpoint/2010/main" val="48090918"/>
+        <p14:creationId xmlns:p14="http://schemas.microsoft.com/office/powerpoint/2010/main" val="2905095569"/>
       </p:ext>
     </p:extLst>
   </p:cSld>
@@ -16372,8 +15609,8 @@
         </p:nvSpPr>
         <p:spPr>
           <a:xfrm>
-            <a:off x="457200" y="73997"/>
-            <a:ext cx="8153400" cy="553998"/>
+            <a:off x="457200" y="62925"/>
+            <a:ext cx="8153400" cy="1107996"/>
           </a:xfrm>
         </p:spPr>
         <p:txBody>
@@ -16386,19 +15623,7 @@
               <a:rPr lang="en-US" sz="3600" dirty="0">
                 <a:latin typeface="+mj-lt"/>
               </a:rPr>
-              <a:t>Using </a:t>
-            </a:r>
-            <a:r>
-              <a:rPr lang="en-US" sz="3600" spc="-450" dirty="0">
-                <a:latin typeface="+mj-lt"/>
-              </a:rPr>
-              <a:t>A </a:t>
-            </a:r>
-            <a:r>
-              <a:rPr lang="en-US" sz="3600" dirty="0">
-                <a:latin typeface="+mj-lt"/>
-              </a:rPr>
-              <a:t>I in Decision Making</a:t>
+              <a:t>Intelligent &amp; Automated Decision Support</a:t>
             </a:r>
           </a:p>
         </p:txBody>
@@ -16415,8 +15640,8 @@
         </p:nvSpPr>
         <p:spPr>
           <a:xfrm>
-            <a:off x="457200" y="990600"/>
-            <a:ext cx="8153400" cy="4308872"/>
+            <a:off x="457200" y="1371600"/>
+            <a:ext cx="8153400" cy="4647426"/>
           </a:xfrm>
         </p:spPr>
         <p:txBody>
@@ -16425,77 +15650,99 @@
           </a:bodyPr>
           <a:lstStyle/>
           <a:p>
-            <a:r>
-              <a:rPr lang="en-US" sz="2400" dirty="0"/>
-              <a:t>Issues &amp; factors:</a:t>
-            </a:r>
-          </a:p>
-          <a:p>
-            <a:pPr marL="829818" lvl="1" indent="-342900"/>
-            <a:r>
-              <a:rPr lang="en-US" sz="2400" dirty="0"/>
-              <a:t>The nature of the decision [routine </a:t>
-            </a:r>
-            <a:r>
-              <a:rPr lang="en-US" sz="2400" dirty="0" err="1"/>
-              <a:t>vs</a:t>
-            </a:r>
-            <a:r>
-              <a:rPr lang="en-US" sz="2400" dirty="0"/>
-              <a:t> non-routine]</a:t>
-            </a:r>
-          </a:p>
-          <a:p>
-            <a:pPr marL="829818" lvl="1" indent="-342900"/>
-            <a:r>
-              <a:rPr lang="en-US" sz="2400" dirty="0"/>
-              <a:t>The method of support / technologies used</a:t>
-            </a:r>
-          </a:p>
-          <a:p>
-            <a:pPr marL="1229868" lvl="2" indent="-342900"/>
-            <a:r>
-              <a:rPr lang="en-US" sz="2400" dirty="0"/>
-              <a:t>Expert systems, recommender systems</a:t>
-            </a:r>
-          </a:p>
-          <a:p>
-            <a:pPr marL="1229868" lvl="2" indent="-342900"/>
-            <a:r>
-              <a:rPr lang="en-US" sz="2400" dirty="0"/>
-              <a:t>Deep learning, pattern recognition, biometrics recognition</a:t>
-            </a:r>
-          </a:p>
-          <a:p>
-            <a:pPr marL="829818" lvl="1" indent="-342900"/>
-            <a:r>
-              <a:rPr lang="en-US" sz="2400" dirty="0"/>
-              <a:t>Cos-benefit and risk analysis</a:t>
-            </a:r>
-          </a:p>
-          <a:p>
-            <a:pPr marL="829818" lvl="1" indent="-342900"/>
-            <a:r>
-              <a:rPr lang="en-US" sz="2400" dirty="0"/>
-              <a:t>Using business rules</a:t>
-            </a:r>
-          </a:p>
-          <a:p>
-            <a:pPr marL="829818" lvl="1" indent="-342900"/>
-            <a:r>
-              <a:rPr lang="en-US" sz="2400" spc="-300" dirty="0"/>
+            <a:pPr marL="285750" indent="-285750"/>
+            <a:r>
+              <a:rPr lang="en-US" sz="2200" dirty="0"/>
+              <a:t>Automated decision making (since 1970s)</a:t>
+            </a:r>
+          </a:p>
+          <a:p>
+            <a:pPr marL="285750" indent="-285750"/>
+            <a:r>
+              <a:rPr lang="en-US" sz="2200" dirty="0"/>
+              <a:t>Common examples:</a:t>
+            </a:r>
+          </a:p>
+          <a:p>
+            <a:pPr marL="772668" lvl="1"/>
+            <a:r>
+              <a:rPr lang="en-US" sz="2200" dirty="0"/>
+              <a:t>Small loan approvals</a:t>
+            </a:r>
+          </a:p>
+          <a:p>
+            <a:pPr marL="772668" lvl="1"/>
+            <a:r>
+              <a:rPr lang="en-US" sz="2200" dirty="0"/>
+              <a:t>Initial screening of job applicants</a:t>
+            </a:r>
+          </a:p>
+          <a:p>
+            <a:pPr marL="772668" lvl="1"/>
+            <a:r>
+              <a:rPr lang="en-US" sz="2200" dirty="0"/>
+              <a:t>Simple restocking</a:t>
+            </a:r>
+          </a:p>
+          <a:p>
+            <a:pPr marL="772668" lvl="1"/>
+            <a:r>
+              <a:rPr lang="en-US" sz="2200" dirty="0"/>
+              <a:t>Prices of products and services (when and how to change them)</a:t>
+            </a:r>
+          </a:p>
+          <a:p>
+            <a:pPr marL="772668" lvl="1"/>
+            <a:r>
+              <a:rPr lang="en-US" sz="2200" dirty="0"/>
+              <a:t>Product recommendation (e.g., at </a:t>
+            </a:r>
+            <a:r>
+              <a:rPr lang="en-US" sz="2200" dirty="0">
+                <a:hlinkClick r:id="rId3" action="ppaction://hlinkfile" tooltip="Amazon.com"/>
+              </a:rPr>
+              <a:t>Amazon.com</a:t>
+            </a:r>
+            <a:r>
+              <a:rPr lang="en-US" sz="2200" dirty="0"/>
+              <a:t>) </a:t>
+            </a:r>
+          </a:p>
+          <a:p>
+            <a:pPr marL="285750" indent="-285750"/>
+            <a:r>
+              <a:rPr lang="en-US" sz="2200" dirty="0">
+                <a:solidFill>
+                  <a:srgbClr val="007FA3"/>
+                </a:solidFill>
+              </a:rPr>
+              <a:t>Example: </a:t>
+            </a:r>
+            <a:r>
+              <a:rPr lang="en-US" sz="2200" dirty="0"/>
+              <a:t>Supporting Nurses Diagnosis Decisions</a:t>
+            </a:r>
+          </a:p>
+          <a:p>
+            <a:pPr marL="772668" lvl="1"/>
+            <a:r>
+              <a:rPr lang="en-US" sz="2200" dirty="0"/>
+              <a:t>An experiment conducted in a Taiwanese hospital (in 2015)</a:t>
+            </a:r>
+          </a:p>
+          <a:p>
+            <a:pPr marL="772668" lvl="1"/>
+            <a:r>
+              <a:rPr lang="en-US" sz="2200" dirty="0"/>
+              <a:t>87% agreement between </a:t>
+            </a:r>
+            <a:r>
+              <a:rPr lang="en-US" sz="2200" spc="-300" dirty="0"/>
               <a:t>A </a:t>
             </a:r>
             <a:r>
-              <a:rPr lang="en-US" sz="2400" dirty="0"/>
-              <a:t>I algorithms</a:t>
-            </a:r>
-          </a:p>
-          <a:p>
-            <a:pPr marL="829818" lvl="1" indent="-342900"/>
-            <a:r>
-              <a:rPr lang="en-US" sz="2400" dirty="0"/>
-              <a:t>Speed</a:t>
+              <a:rPr lang="en-US" sz="2200" dirty="0"/>
+              <a:t>I and human experts</a:t>
             </a:r>
           </a:p>
         </p:txBody>
@@ -16503,7 +15750,7 @@
     </p:spTree>
     <p:extLst>
       <p:ext uri="{BB962C8B-B14F-4D97-AF65-F5344CB8AC3E}">
-        <p14:creationId xmlns:p14="http://schemas.microsoft.com/office/powerpoint/2010/main" val="3866101285"/>
+        <p14:creationId xmlns:p14="http://schemas.microsoft.com/office/powerpoint/2010/main" val="2388118748"/>
       </p:ext>
     </p:extLst>
   </p:cSld>
@@ -16542,8 +15789,8 @@
         </p:nvSpPr>
         <p:spPr>
           <a:xfrm>
-            <a:off x="457200" y="62924"/>
-            <a:ext cx="8153400" cy="1107996"/>
+            <a:off x="457200" y="73997"/>
+            <a:ext cx="8153400" cy="553998"/>
           </a:xfrm>
         </p:spPr>
         <p:txBody>
@@ -16553,20 +15800,17 @@
           <a:lstStyle/>
           <a:p>
             <a:r>
-              <a:rPr lang="en-IN" sz="3600" spc="-450" dirty="0">
+              <a:rPr lang="en-US" sz="3600" spc="-450" dirty="0">
                 <a:latin typeface="+mj-lt"/>
               </a:rPr>
               <a:t>A </a:t>
             </a:r>
             <a:r>
-              <a:rPr lang="en-IN" sz="3600" dirty="0">
+              <a:rPr lang="en-US" sz="3600" dirty="0">
                 <a:latin typeface="+mj-lt"/>
               </a:rPr>
-              <a:t>I Support for Decision-Making Process</a:t>
-            </a:r>
-            <a:endParaRPr lang="en-US" sz="3600" dirty="0">
-              <a:latin typeface="+mj-lt"/>
-            </a:endParaRPr>
+              <a:t>I Applications in Accounting</a:t>
+            </a:r>
           </a:p>
         </p:txBody>
       </p:sp>
@@ -16582,8 +15826,8 @@
         </p:nvSpPr>
         <p:spPr>
           <a:xfrm>
-            <a:off x="457200" y="1371600"/>
-            <a:ext cx="8153400" cy="3916457"/>
+            <a:off x="457200" y="990600"/>
+            <a:ext cx="8153400" cy="5355312"/>
           </a:xfrm>
         </p:spPr>
         <p:txBody>
@@ -16592,65 +15836,98 @@
           </a:bodyPr>
           <a:lstStyle/>
           <a:p>
-            <a:pPr marL="285750" indent="-285750"/>
-            <a:r>
-              <a:rPr lang="en-US" sz="2400" dirty="0"/>
-              <a:t>As it relates to Simon’s decision making process (see Chapter 1 for the background information)</a:t>
-            </a:r>
-          </a:p>
-          <a:p>
-            <a:pPr marL="285750" indent="-285750"/>
             <a:r>
               <a:rPr lang="en-US" sz="2400" spc="-300" dirty="0"/>
               <a:t>A </a:t>
             </a:r>
             <a:r>
               <a:rPr lang="en-US" sz="2400" dirty="0"/>
-              <a:t>I support in problem identification</a:t>
-            </a:r>
-          </a:p>
-          <a:p>
-            <a:pPr marL="285750" indent="-285750"/>
+              <a:t>I in big accounting firms (see application case 2.4)</a:t>
+            </a:r>
+          </a:p>
+          <a:p>
             <a:r>
               <a:rPr lang="en-US" sz="2400" spc="-300" dirty="0"/>
               <a:t>A </a:t>
             </a:r>
             <a:r>
               <a:rPr lang="en-US" sz="2400" dirty="0"/>
-              <a:t>I support in generating or finding alternative solutions</a:t>
-            </a:r>
-          </a:p>
-          <a:p>
-            <a:pPr marL="285750" indent="-285750"/>
+              <a:t>I in small accounting firms</a:t>
+            </a:r>
+          </a:p>
+          <a:p>
+            <a:pPr marL="829818" lvl="1" indent="-342900"/>
+            <a:r>
+              <a:rPr lang="en-US" sz="2400" dirty="0"/>
+              <a:t>Solve complex billing problems (especially in healthcare)</a:t>
+            </a:r>
+          </a:p>
+          <a:p>
+            <a:pPr marL="1229868" lvl="2" indent="-342900"/>
+            <a:r>
+              <a:rPr lang="en-US" sz="2400" dirty="0"/>
+              <a:t>Claim processing and reimbursement</a:t>
+            </a:r>
+          </a:p>
+          <a:p>
+            <a:pPr marL="829818" lvl="1" indent="-342900"/>
+            <a:r>
+              <a:rPr lang="en-US" sz="2400" dirty="0"/>
+              <a:t>Real estate contracts, risk analysis … </a:t>
+            </a:r>
+          </a:p>
+          <a:p>
+            <a:pPr marL="829818" lvl="1" indent="-342900"/>
             <a:r>
               <a:rPr lang="en-US" sz="2400" spc="-300" dirty="0"/>
               <a:t>A </a:t>
             </a:r>
             <a:r>
               <a:rPr lang="en-US" sz="2400" dirty="0"/>
-              <a:t>I support in selecting a solution</a:t>
-            </a:r>
-          </a:p>
-          <a:p>
-            <a:pPr marL="285750" indent="-285750"/>
+              <a:t>I provides cheaper and better data-driven support </a:t>
+            </a:r>
+          </a:p>
+          <a:p>
+            <a:pPr marL="829818" lvl="1" indent="-342900"/>
+            <a:r>
+              <a:rPr lang="en-US" sz="2400" dirty="0"/>
+              <a:t>Generates needed insights from data analysis</a:t>
+            </a:r>
+          </a:p>
+          <a:p>
+            <a:pPr marL="829818" lvl="1" indent="-342900"/>
+            <a:r>
+              <a:rPr lang="en-US" sz="2400" dirty="0"/>
+              <a:t>Frees time of accountants for more complex tasks</a:t>
+            </a:r>
+          </a:p>
+          <a:p>
+            <a:pPr marL="829818" lvl="1" indent="-342900"/>
+            <a:r>
+              <a:rPr lang="en-US" sz="2400" dirty="0"/>
+              <a:t>Machine learning is often used for prediction </a:t>
+            </a:r>
+          </a:p>
+          <a:p>
             <a:r>
               <a:rPr lang="en-US" sz="2400" spc="-300" dirty="0"/>
               <a:t>A </a:t>
             </a:r>
             <a:r>
               <a:rPr lang="en-US" sz="2400" dirty="0"/>
-              <a:t>I support in implementing the solution</a:t>
-            </a:r>
-          </a:p>
-          <a:p>
-            <a:pPr marL="285750" indent="-285750"/>
-            <a:r>
-              <a:rPr lang="en-US" sz="2400" spc="-300" dirty="0"/>
-              <a:t>A </a:t>
-            </a:r>
-            <a:r>
-              <a:rPr lang="en-US" sz="2400" dirty="0"/>
-              <a:t>I can (and should) play a role in each and every step in the decision making process</a:t>
+              <a:t>I will </a:t>
+            </a:r>
+            <a:r>
+              <a:rPr lang="en-US" sz="2400" u="sng" dirty="0"/>
+              <a:t>improve and automate accounting tasks </a:t>
+            </a:r>
+            <a:r>
+              <a:rPr lang="en-US" sz="2400" dirty="0"/>
+              <a:t>but at the same time </a:t>
+            </a:r>
+            <a:r>
+              <a:rPr lang="en-US" sz="2400" u="sng" dirty="0"/>
+              <a:t>will take away some accounting jobs. </a:t>
             </a:r>
           </a:p>
         </p:txBody>
@@ -16658,7 +15935,7 @@
     </p:spTree>
     <p:extLst>
       <p:ext uri="{BB962C8B-B14F-4D97-AF65-F5344CB8AC3E}">
-        <p14:creationId xmlns:p14="http://schemas.microsoft.com/office/powerpoint/2010/main" val="2905095569"/>
+        <p14:creationId xmlns:p14="http://schemas.microsoft.com/office/powerpoint/2010/main" val="3959520901"/>
       </p:ext>
     </p:extLst>
   </p:cSld>
@@ -16697,8 +15974,8 @@
         </p:nvSpPr>
         <p:spPr>
           <a:xfrm>
-            <a:off x="457200" y="73997"/>
-            <a:ext cx="8153400" cy="553998"/>
+            <a:off x="457200" y="62211"/>
+            <a:ext cx="8153400" cy="984885"/>
           </a:xfrm>
         </p:spPr>
         <p:txBody>
@@ -16708,75 +15985,40 @@
           <a:lstStyle/>
           <a:p>
             <a:r>
+              <a:rPr lang="en-US" sz="3600" spc="-300" dirty="0">
+                <a:latin typeface="+mj-lt"/>
+              </a:rPr>
+              <a:t>A </a:t>
+            </a:r>
+            <a:r>
               <a:rPr lang="en-US" sz="3600" dirty="0">
                 <a:latin typeface="+mj-lt"/>
               </a:rPr>
-              <a:t>Application Case 2.3</a:t>
-            </a:r>
-          </a:p>
-        </p:txBody>
-      </p:sp>
-      <p:sp>
-        <p:nvSpPr>
-          <p:cNvPr id="3" name="Content Placeholder 2"/>
-          <p:cNvSpPr>
-            <a:spLocks noGrp="1"/>
-          </p:cNvSpPr>
-          <p:nvPr>
-            <p:ph idx="1"/>
+              <a:t>I Applications in Financial Services </a:t>
+            </a:r>
+            <a:r>
+              <a:rPr lang="en-US" sz="2800" dirty="0">
+                <a:latin typeface="+mj-lt"/>
+              </a:rPr>
+              <a:t>(1 of 2)</a:t>
+            </a:r>
+          </a:p>
+        </p:txBody>
+      </p:sp>
+      <p:sp>
+        <p:nvSpPr>
+          <p:cNvPr id="4" name="Content Placeholder 3"/>
+          <p:cNvSpPr>
+            <a:spLocks noGrp="1"/>
+          </p:cNvSpPr>
+          <p:nvPr>
+            <p:ph idx="13"/>
           </p:nvPr>
         </p:nvSpPr>
         <p:spPr>
           <a:xfrm>
-            <a:off x="457200" y="714375"/>
-            <a:ext cx="8153400" cy="861774"/>
-          </a:xfrm>
-        </p:spPr>
-        <p:txBody>
-          <a:bodyPr wrap="square">
-            <a:spAutoFit/>
-          </a:bodyPr>
-          <a:lstStyle/>
-          <a:p>
-            <a:pPr marL="0" lvl="0" indent="0">
-              <a:spcBef>
-                <a:spcPts val="0"/>
-              </a:spcBef>
-              <a:buClr>
-                <a:schemeClr val="lt1"/>
-              </a:buClr>
-              <a:buSzPct val="25000"/>
-              <a:buNone/>
-              <a:tabLst>
-                <a:tab pos="628650" algn="l"/>
-              </a:tabLst>
-            </a:pPr>
-            <a:r>
-              <a:rPr lang="en-IN" sz="2800" b="1" dirty="0">
-                <a:solidFill>
-                  <a:srgbClr val="007FA3"/>
-                </a:solidFill>
-              </a:rPr>
-              <a:t>How Companies Solve Real-World Problems Using Google’s Machine-Learning Tools</a:t>
-            </a:r>
-            <a:endParaRPr lang="en-US" sz="2800" b="1" dirty="0"/>
-          </a:p>
-        </p:txBody>
-      </p:sp>
-      <p:sp>
-        <p:nvSpPr>
-          <p:cNvPr id="4" name="Content Placeholder 3"/>
-          <p:cNvSpPr>
-            <a:spLocks noGrp="1"/>
-          </p:cNvSpPr>
-          <p:nvPr>
-            <p:ph idx="13"/>
-          </p:nvPr>
-        </p:nvSpPr>
-        <p:spPr>
-          <a:xfrm>
-            <a:off x="457200" y="1762125"/>
-            <a:ext cx="8153400" cy="2485296"/>
+            <a:off x="457200" y="1388587"/>
+            <a:ext cx="8153400" cy="4732065"/>
           </a:xfrm>
         </p:spPr>
         <p:txBody>
@@ -16785,42 +16027,101 @@
           </a:bodyPr>
           <a:lstStyle/>
           <a:p>
-            <a:pPr marL="0" indent="0">
-              <a:buNone/>
-            </a:pPr>
-            <a:r>
-              <a:rPr lang="en-US" sz="2400" b="1" dirty="0"/>
-              <a:t>Questions for Discussion:</a:t>
-            </a:r>
-          </a:p>
-          <a:p>
-            <a:pPr marL="514350" indent="-514350">
-              <a:buFont typeface="+mj-lt"/>
-              <a:buAutoNum type="arabicPeriod"/>
-            </a:pPr>
-            <a:r>
-              <a:rPr lang="en-US" sz="2400" dirty="0"/>
-              <a:t>Why use machine learning for predictions?</a:t>
-            </a:r>
-          </a:p>
-          <a:p>
-            <a:pPr marL="514350" indent="-514350">
-              <a:buFont typeface="+mj-lt"/>
-              <a:buAutoNum type="arabicPeriod"/>
-            </a:pPr>
-            <a:r>
-              <a:rPr lang="en-US" sz="2400" dirty="0"/>
-              <a:t>Why use machine learning for detections?</a:t>
-            </a:r>
-          </a:p>
-          <a:p>
-            <a:pPr marL="514350" indent="-514350">
-              <a:buFont typeface="+mj-lt"/>
-              <a:buAutoNum type="arabicPeriod"/>
-            </a:pPr>
-            <a:r>
-              <a:rPr lang="en-US" sz="2400" dirty="0"/>
-              <a:t>What specific decisions were supported in the five cases?</a:t>
+            <a:r>
+              <a:rPr lang="en-US" sz="2000" dirty="0"/>
+              <a:t>Diverse use of </a:t>
+            </a:r>
+            <a:r>
+              <a:rPr lang="en-US" sz="2000" spc="-300" dirty="0"/>
+              <a:t>A </a:t>
+            </a:r>
+            <a:r>
+              <a:rPr lang="en-US" sz="2000" dirty="0"/>
+              <a:t>I, in banking and insurance. </a:t>
+            </a:r>
+          </a:p>
+          <a:p>
+            <a:r>
+              <a:rPr lang="en-US" sz="2000" dirty="0"/>
+              <a:t>Examples of </a:t>
+            </a:r>
+            <a:r>
+              <a:rPr lang="en-US" sz="2000" spc="-300" dirty="0"/>
+              <a:t>A </a:t>
+            </a:r>
+            <a:r>
+              <a:rPr lang="en-US" sz="2000" dirty="0"/>
+              <a:t>I use in general financial services:</a:t>
+            </a:r>
+          </a:p>
+          <a:p>
+            <a:pPr marL="829818" lvl="1" indent="-342900"/>
+            <a:r>
+              <a:rPr lang="en-US" sz="2000" dirty="0"/>
+              <a:t>Extreme personalization (e.g., </a:t>
+            </a:r>
+            <a:r>
+              <a:rPr lang="en-US" sz="2000" dirty="0" err="1"/>
+              <a:t>chatbots</a:t>
+            </a:r>
+            <a:r>
+              <a:rPr lang="en-US" sz="2000" dirty="0"/>
+              <a:t>, personal assistants, etc.) </a:t>
+            </a:r>
+          </a:p>
+          <a:p>
+            <a:pPr marL="829818" lvl="1" indent="-342900"/>
+            <a:r>
+              <a:rPr lang="en-US" sz="2000" dirty="0"/>
+              <a:t>Shifting customer behavior both online and in branches</a:t>
+            </a:r>
+          </a:p>
+          <a:p>
+            <a:pPr marL="829818" lvl="1" indent="-342900"/>
+            <a:r>
+              <a:rPr lang="en-US" sz="2000" dirty="0"/>
+              <a:t>Facilitating trust in digital identity, revolutionizing payments</a:t>
+            </a:r>
+          </a:p>
+          <a:p>
+            <a:pPr marL="829818" lvl="1" indent="-342900"/>
+            <a:r>
+              <a:rPr lang="en-US" sz="2000" dirty="0"/>
+              <a:t>Sharing economic activities (e.g., person-to-person loans)</a:t>
+            </a:r>
+          </a:p>
+          <a:p>
+            <a:pPr marL="829818" lvl="1" indent="-342900"/>
+            <a:r>
+              <a:rPr lang="en-US" sz="2000" dirty="0"/>
+              <a:t>Offering financial services 24/7 and globally</a:t>
+            </a:r>
+          </a:p>
+          <a:p>
+            <a:r>
+              <a:rPr lang="en-US" sz="2000" dirty="0"/>
+              <a:t>Banking can also uses </a:t>
+            </a:r>
+            <a:r>
+              <a:rPr lang="en-US" sz="2000" spc="-300" dirty="0"/>
+              <a:t>A </a:t>
+            </a:r>
+            <a:r>
+              <a:rPr lang="en-US" sz="2000" dirty="0"/>
+              <a:t>I for …</a:t>
+            </a:r>
+          </a:p>
+          <a:p>
+            <a:pPr marL="829818" lvl="1" indent="-342900"/>
+            <a:r>
+              <a:rPr lang="en-US" sz="2000" dirty="0"/>
+              <a:t>Face recognition (safer online banking), help customer with smart investment decisions, prevent money laundering, …</a:t>
+            </a:r>
+          </a:p>
+          <a:p>
+            <a:r>
+              <a:rPr lang="en-US" sz="2000" dirty="0"/>
+              <a:t>Insurance – mostly in issuing policies and handling claims</a:t>
             </a:r>
           </a:p>
         </p:txBody>
@@ -16828,7 +16129,7 @@
     </p:spTree>
     <p:extLst>
       <p:ext uri="{BB962C8B-B14F-4D97-AF65-F5344CB8AC3E}">
-        <p14:creationId xmlns:p14="http://schemas.microsoft.com/office/powerpoint/2010/main" val="138087119"/>
+        <p14:creationId xmlns:p14="http://schemas.microsoft.com/office/powerpoint/2010/main" val="3687205118"/>
       </p:ext>
     </p:extLst>
   </p:cSld>
@@ -16867,8 +16168,8 @@
         </p:nvSpPr>
         <p:spPr>
           <a:xfrm>
-            <a:off x="457200" y="62925"/>
-            <a:ext cx="8153400" cy="1107996"/>
+            <a:off x="457200" y="62211"/>
+            <a:ext cx="8153400" cy="984885"/>
           </a:xfrm>
         </p:spPr>
         <p:txBody>
@@ -16878,10 +16179,22 @@
           <a:lstStyle/>
           <a:p>
             <a:r>
+              <a:rPr lang="en-US" sz="3600" spc="-500" dirty="0">
+                <a:latin typeface="+mj-lt"/>
+              </a:rPr>
+              <a:t>A </a:t>
+            </a:r>
+            <a:r>
               <a:rPr lang="en-US" sz="3600" dirty="0">
                 <a:latin typeface="+mj-lt"/>
               </a:rPr>
-              <a:t>Intelligent &amp; Automated Decision Support</a:t>
+              <a:t>I Applications in Financial Services </a:t>
+            </a:r>
+            <a:r>
+              <a:rPr lang="en-US" sz="2800" dirty="0">
+                <a:latin typeface="+mj-lt"/>
+              </a:rPr>
+              <a:t>(2 of 2)</a:t>
             </a:r>
           </a:p>
         </p:txBody>
@@ -16898,8 +16211,8 @@
         </p:nvSpPr>
         <p:spPr>
           <a:xfrm>
-            <a:off x="457200" y="1371600"/>
-            <a:ext cx="8153400" cy="4647426"/>
+            <a:off x="457200" y="1369537"/>
+            <a:ext cx="8153400" cy="4939814"/>
           </a:xfrm>
         </p:spPr>
         <p:txBody>
@@ -16908,91 +16221,9 @@
           </a:bodyPr>
           <a:lstStyle/>
           <a:p>
-            <a:pPr marL="285750" indent="-285750"/>
             <a:r>
               <a:rPr lang="en-US" sz="2200" dirty="0"/>
-              <a:t>Automated decision making (since 1970s)</a:t>
-            </a:r>
-          </a:p>
-          <a:p>
-            <a:pPr marL="285750" indent="-285750"/>
-            <a:r>
-              <a:rPr lang="en-US" sz="2200" dirty="0"/>
-              <a:t>Common examples:</a:t>
-            </a:r>
-          </a:p>
-          <a:p>
-            <a:pPr marL="772668" lvl="1"/>
-            <a:r>
-              <a:rPr lang="en-US" sz="2200" dirty="0"/>
-              <a:t>Small loan approvals</a:t>
-            </a:r>
-          </a:p>
-          <a:p>
-            <a:pPr marL="772668" lvl="1"/>
-            <a:r>
-              <a:rPr lang="en-US" sz="2200" dirty="0"/>
-              <a:t>Initial screening of job applicants</a:t>
-            </a:r>
-          </a:p>
-          <a:p>
-            <a:pPr marL="772668" lvl="1"/>
-            <a:r>
-              <a:rPr lang="en-US" sz="2200" dirty="0"/>
-              <a:t>Simple restocking</a:t>
-            </a:r>
-          </a:p>
-          <a:p>
-            <a:pPr marL="772668" lvl="1"/>
-            <a:r>
-              <a:rPr lang="en-US" sz="2200" dirty="0"/>
-              <a:t>Prices of products and services (when and how to change them)</a:t>
-            </a:r>
-          </a:p>
-          <a:p>
-            <a:pPr marL="772668" lvl="1"/>
-            <a:r>
-              <a:rPr lang="en-US" sz="2200" dirty="0"/>
-              <a:t>Product recommendation (e.g., at </a:t>
-            </a:r>
-            <a:r>
-              <a:rPr lang="en-US" sz="2200" dirty="0">
-                <a:hlinkClick r:id="rId3" action="ppaction://hlinkfile" tooltip="Amazon.com"/>
-              </a:rPr>
-              <a:t>Amazon.com</a:t>
-            </a:r>
-            <a:r>
-              <a:rPr lang="en-US" sz="2200" dirty="0"/>
-              <a:t>) </a:t>
-            </a:r>
-          </a:p>
-          <a:p>
-            <a:pPr marL="285750" indent="-285750"/>
-            <a:r>
-              <a:rPr lang="en-US" sz="2200" dirty="0">
-                <a:solidFill>
-                  <a:srgbClr val="007FA3"/>
-                </a:solidFill>
-              </a:rPr>
-              <a:t>Example: </a:t>
-            </a:r>
-            <a:r>
-              <a:rPr lang="en-US" sz="2200" dirty="0"/>
-              <a:t>Supporting Nurses Diagnosis Decisions</a:t>
-            </a:r>
-          </a:p>
-          <a:p>
-            <a:pPr marL="772668" lvl="1"/>
-            <a:r>
-              <a:rPr lang="en-US" sz="2200" dirty="0"/>
-              <a:t>An experiment conducted in a Taiwanese hospital (in 2015)</a:t>
-            </a:r>
-          </a:p>
-          <a:p>
-            <a:pPr marL="772668" lvl="1"/>
-            <a:r>
-              <a:rPr lang="en-US" sz="2200" dirty="0"/>
-              <a:t>87% agreement between </a:t>
+              <a:t>Application of </a:t>
             </a:r>
             <a:r>
               <a:rPr lang="en-US" sz="2200" spc="-300" dirty="0"/>
@@ -17000,7 +16231,128 @@
             </a:r>
             <a:r>
               <a:rPr lang="en-US" sz="2200" dirty="0"/>
-              <a:t>I and human experts</a:t>
+              <a:t>I uses in Banking</a:t>
+            </a:r>
+          </a:p>
+          <a:p>
+            <a:pPr marL="829818" lvl="1" indent="-342900"/>
+            <a:r>
+              <a:rPr lang="en-US" sz="2200" dirty="0"/>
+              <a:t>Employee surveillance (</a:t>
+            </a:r>
+            <a:r>
+              <a:rPr lang="en-US" sz="2200" spc="-300" dirty="0"/>
+              <a:t>A </a:t>
+            </a:r>
+            <a:r>
+              <a:rPr lang="en-US" sz="2200" dirty="0"/>
+              <a:t>I machines, e.g., </a:t>
+            </a:r>
+            <a:r>
+              <a:rPr lang="en-US" sz="2200" spc="-300" dirty="0"/>
+              <a:t>I B </a:t>
+            </a:r>
+            <a:r>
+              <a:rPr lang="en-US" sz="2200" dirty="0"/>
+              <a:t>M Watson). </a:t>
+            </a:r>
+          </a:p>
+          <a:p>
+            <a:pPr marL="829818" lvl="1" indent="-342900"/>
+            <a:r>
+              <a:rPr lang="en-US" sz="2200" dirty="0"/>
+              <a:t>Tax preparation/filing (H&amp;R block uses </a:t>
+            </a:r>
+            <a:r>
+              <a:rPr lang="en-US" sz="2200" spc="-300" dirty="0"/>
+              <a:t>I B </a:t>
+            </a:r>
+            <a:r>
+              <a:rPr lang="en-US" sz="2200" dirty="0"/>
+              <a:t>M Watson). </a:t>
+            </a:r>
+          </a:p>
+          <a:p>
+            <a:pPr marL="829818" lvl="1" indent="-342900"/>
+            <a:r>
+              <a:rPr lang="en-US" sz="2200" dirty="0"/>
+              <a:t>Automated customer service; answering customer inquiries in real-time.</a:t>
+            </a:r>
+          </a:p>
+          <a:p>
+            <a:pPr marL="1229868" lvl="2" indent="-342900"/>
+            <a:r>
+              <a:rPr lang="en-US" sz="2200" dirty="0"/>
+              <a:t>See </a:t>
+            </a:r>
+            <a:r>
+              <a:rPr lang="en-US" sz="2200" dirty="0" err="1"/>
+              <a:t>Rainbird</a:t>
+            </a:r>
+            <a:r>
+              <a:rPr lang="en-US" sz="2200" dirty="0"/>
+              <a:t> Co. </a:t>
+            </a:r>
+            <a:r>
+              <a:rPr lang="en-US" sz="2200" dirty="0" err="1"/>
+              <a:t>ar</a:t>
+            </a:r>
+            <a:r>
+              <a:rPr lang="en-US" sz="2200" dirty="0"/>
+              <a:t> rainbirf.ai as a company that provides such services (using </a:t>
+            </a:r>
+            <a:r>
+              <a:rPr lang="en-US" sz="2200" spc="-300" dirty="0"/>
+              <a:t>I B </a:t>
+            </a:r>
+            <a:r>
+              <a:rPr lang="en-US" sz="2200" dirty="0"/>
+              <a:t>M Watson).</a:t>
+            </a:r>
+          </a:p>
+          <a:p>
+            <a:pPr marL="829818" lvl="1" indent="-342900"/>
+            <a:r>
+              <a:rPr lang="en-US" sz="2200" dirty="0"/>
+              <a:t>Automated online support for paying bills and account inquiries using Amazon </a:t>
+            </a:r>
+            <a:r>
+              <a:rPr lang="en-US" sz="2200" dirty="0" err="1"/>
+              <a:t>Alexa</a:t>
+            </a:r>
+            <a:r>
+              <a:rPr lang="en-US" sz="2200" dirty="0"/>
+              <a:t> (e.g., Capital One).</a:t>
+            </a:r>
+          </a:p>
+          <a:p>
+            <a:pPr marL="829818" lvl="1" indent="-342900"/>
+            <a:r>
+              <a:rPr lang="en-US" sz="2200" dirty="0"/>
+              <a:t>Fraud detection and anti–money-laundering activities; also improving customer experience (Bank </a:t>
+            </a:r>
+            <a:r>
+              <a:rPr lang="en-US" sz="2200" dirty="0" err="1"/>
+              <a:t>Danamon</a:t>
+            </a:r>
+            <a:r>
+              <a:rPr lang="en-US" sz="2200" dirty="0"/>
+              <a:t>).</a:t>
+            </a:r>
+          </a:p>
+          <a:p>
+            <a:pPr marL="829818" lvl="1" indent="-342900"/>
+            <a:r>
+              <a:rPr lang="en-US" sz="2200" dirty="0"/>
+              <a:t>Victual banking assistant, Olivia at </a:t>
+            </a:r>
+            <a:r>
+              <a:rPr lang="en-US" sz="2200" spc="-300" dirty="0"/>
+              <a:t>H S B </a:t>
+            </a:r>
+            <a:r>
+              <a:rPr lang="en-US" sz="2200" dirty="0"/>
+              <a:t>C, learn from experience and helps customer better.</a:t>
             </a:r>
           </a:p>
         </p:txBody>
@@ -17008,7 +16360,7 @@
     </p:spTree>
     <p:extLst>
       <p:ext uri="{BB962C8B-B14F-4D97-AF65-F5344CB8AC3E}">
-        <p14:creationId xmlns:p14="http://schemas.microsoft.com/office/powerpoint/2010/main" val="2388118748"/>
+        <p14:creationId xmlns:p14="http://schemas.microsoft.com/office/powerpoint/2010/main" val="3975467506"/>
       </p:ext>
     </p:extLst>
   </p:cSld>
@@ -17047,8 +16399,8 @@
         </p:nvSpPr>
         <p:spPr>
           <a:xfrm>
-            <a:off x="457200" y="72854"/>
-            <a:ext cx="8153400" cy="553998"/>
+            <a:off x="457200" y="62212"/>
+            <a:ext cx="8153400" cy="984885"/>
           </a:xfrm>
         </p:spPr>
         <p:txBody>
@@ -17058,154 +16410,40 @@
           <a:lstStyle/>
           <a:p>
             <a:r>
+              <a:rPr lang="en-US" sz="3600" spc="-450" dirty="0">
+                <a:latin typeface="+mj-lt"/>
+              </a:rPr>
+              <a:t>A </a:t>
+            </a:r>
+            <a:r>
               <a:rPr lang="en-US" sz="3600" dirty="0">
                 <a:latin typeface="+mj-lt"/>
               </a:rPr>
-              <a:t>Technology Insight 2.2</a:t>
-            </a:r>
-          </a:p>
-        </p:txBody>
-      </p:sp>
-      <p:sp>
-        <p:nvSpPr>
-          <p:cNvPr id="3" name="Content Placeholder 2"/>
-          <p:cNvSpPr>
-            <a:spLocks noGrp="1"/>
-          </p:cNvSpPr>
-          <p:nvPr>
-            <p:ph idx="1"/>
+              <a:t>I in Human Resource Management </a:t>
+            </a:r>
+            <a:r>
+              <a:rPr lang="en-US" sz="2800" dirty="0">
+                <a:latin typeface="+mj-lt"/>
+              </a:rPr>
+              <a:t>(1 of 2)</a:t>
+            </a:r>
+          </a:p>
+        </p:txBody>
+      </p:sp>
+      <p:sp>
+        <p:nvSpPr>
+          <p:cNvPr id="4" name="Content Placeholder 3"/>
+          <p:cNvSpPr>
+            <a:spLocks noGrp="1"/>
+          </p:cNvSpPr>
+          <p:nvPr>
+            <p:ph idx="13"/>
           </p:nvPr>
         </p:nvSpPr>
         <p:spPr>
           <a:xfrm>
-            <a:off x="457200" y="714376"/>
-            <a:ext cx="8153400" cy="861774"/>
-          </a:xfrm>
-        </p:spPr>
-        <p:txBody>
-          <a:bodyPr wrap="square">
-            <a:spAutoFit/>
-          </a:bodyPr>
-          <a:lstStyle/>
-          <a:p>
-            <a:pPr marL="0" lvl="0" indent="0">
-              <a:spcBef>
-                <a:spcPts val="0"/>
-              </a:spcBef>
-              <a:buClr>
-                <a:schemeClr val="lt1"/>
-              </a:buClr>
-              <a:buSzPct val="25000"/>
-              <a:buNone/>
-              <a:tabLst>
-                <a:tab pos="628650" algn="l"/>
-              </a:tabLst>
-            </a:pPr>
-            <a:r>
-              <a:rPr lang="en-IN" sz="2800" b="1" dirty="0">
-                <a:solidFill>
-                  <a:srgbClr val="007FA3"/>
-                </a:solidFill>
-              </a:rPr>
-              <a:t>Schrage’s Models for Using </a:t>
-            </a:r>
-            <a:r>
-              <a:rPr lang="en-IN" sz="2800" b="1" spc="-400" dirty="0">
-                <a:solidFill>
-                  <a:srgbClr val="007FA3"/>
-                </a:solidFill>
-              </a:rPr>
-              <a:t>A </a:t>
-            </a:r>
-            <a:r>
-              <a:rPr lang="en-IN" sz="2800" b="1" dirty="0">
-                <a:solidFill>
-                  <a:srgbClr val="007FA3"/>
-                </a:solidFill>
-              </a:rPr>
-              <a:t>I to Make Decisions</a:t>
-            </a:r>
-            <a:endParaRPr lang="en-US" sz="2800" b="1" dirty="0"/>
-          </a:p>
-        </p:txBody>
-      </p:sp>
-      <p:sp>
-        <p:nvSpPr>
-          <p:cNvPr id="4" name="Content Placeholder 3"/>
-          <p:cNvSpPr>
-            <a:spLocks noGrp="1"/>
-          </p:cNvSpPr>
-          <p:nvPr>
-            <p:ph idx="13"/>
-          </p:nvPr>
-        </p:nvSpPr>
-        <p:spPr>
-          <a:xfrm>
-            <a:off x="447675" y="1666875"/>
-            <a:ext cx="8162925" cy="2054409"/>
-          </a:xfrm>
-        </p:spPr>
-        <p:txBody>
-          <a:bodyPr wrap="square">
-            <a:spAutoFit/>
-          </a:bodyPr>
-          <a:lstStyle/>
-          <a:p>
-            <a:pPr marL="514350" indent="-514350">
-              <a:buFont typeface="+mj-lt"/>
-              <a:buAutoNum type="arabicPeriod"/>
-            </a:pPr>
-            <a:r>
-              <a:rPr lang="en-US" sz="2400" dirty="0"/>
-              <a:t>The autonomous advisor</a:t>
-            </a:r>
-          </a:p>
-          <a:p>
-            <a:pPr marL="514350" indent="-514350">
-              <a:buFont typeface="+mj-lt"/>
-              <a:buAutoNum type="arabicPeriod"/>
-            </a:pPr>
-            <a:r>
-              <a:rPr lang="en-US" sz="2400" dirty="0"/>
-              <a:t>The autonomous outsource </a:t>
-            </a:r>
-          </a:p>
-          <a:p>
-            <a:pPr marL="514350" indent="-514350">
-              <a:buFont typeface="+mj-lt"/>
-              <a:buAutoNum type="arabicPeriod"/>
-            </a:pPr>
-            <a:r>
-              <a:rPr lang="en-US" sz="2400" dirty="0"/>
-              <a:t>People-machine collaboration</a:t>
-            </a:r>
-          </a:p>
-          <a:p>
-            <a:pPr marL="514350" indent="-514350">
-              <a:buFont typeface="+mj-lt"/>
-              <a:buAutoNum type="arabicPeriod"/>
-            </a:pPr>
-            <a:r>
-              <a:rPr lang="en-US" sz="2400" dirty="0"/>
-              <a:t>Complete machine autonomy </a:t>
-            </a:r>
-          </a:p>
-        </p:txBody>
-      </p:sp>
-      <p:sp>
-        <p:nvSpPr>
-          <p:cNvPr id="5" name="Content Placeholder 4"/>
-          <p:cNvSpPr>
-            <a:spLocks noGrp="1"/>
-          </p:cNvSpPr>
-          <p:nvPr>
-            <p:ph sz="quarter" idx="14"/>
-          </p:nvPr>
-        </p:nvSpPr>
-        <p:spPr>
-          <a:xfrm>
-            <a:off x="457200" y="3857625"/>
-            <a:ext cx="8153400" cy="1107996"/>
+            <a:off x="457200" y="1369537"/>
+            <a:ext cx="8153400" cy="4324261"/>
           </a:xfrm>
         </p:spPr>
         <p:txBody>
@@ -17216,7 +16454,76 @@
           <a:p>
             <a:r>
               <a:rPr lang="en-US" sz="2400" dirty="0"/>
-              <a:t>Implementing these four models require appropriate management leadership and collaboration with data scientists. </a:t>
+              <a:t>Recruitment – talent acquisition</a:t>
+            </a:r>
+          </a:p>
+          <a:p>
+            <a:pPr marL="829818" lvl="1" indent="-342900"/>
+            <a:r>
+              <a:rPr lang="en-US" sz="2400" dirty="0"/>
+              <a:t>See Application Case 2.6 for an example </a:t>
+            </a:r>
+          </a:p>
+          <a:p>
+            <a:r>
+              <a:rPr lang="en-US" sz="2400" dirty="0"/>
+              <a:t>Training – </a:t>
+            </a:r>
+            <a:r>
+              <a:rPr lang="en-US" sz="2400" spc="-300" dirty="0"/>
+              <a:t>A </a:t>
+            </a:r>
+            <a:r>
+              <a:rPr lang="en-US" sz="2400" dirty="0"/>
+              <a:t>I facilitates training</a:t>
+            </a:r>
+          </a:p>
+          <a:p>
+            <a:r>
+              <a:rPr lang="en-US" sz="2400" dirty="0"/>
+              <a:t>Performance assessment (evaluation) </a:t>
+            </a:r>
+          </a:p>
+          <a:p>
+            <a:r>
+              <a:rPr lang="en-US" sz="2400" dirty="0"/>
+              <a:t>Retention –eliminating attrition</a:t>
+            </a:r>
+          </a:p>
+          <a:p>
+            <a:pPr marL="829818" lvl="1" indent="-342900"/>
+            <a:r>
+              <a:rPr lang="en-US" sz="2400" dirty="0"/>
+              <a:t>Predicting attrition way ahead of time to eliminate loss of talent </a:t>
+            </a:r>
+          </a:p>
+          <a:p>
+            <a:r>
+              <a:rPr lang="en-US" sz="2400" dirty="0"/>
+              <a:t>Using </a:t>
+            </a:r>
+            <a:r>
+              <a:rPr lang="en-US" sz="2400" dirty="0" err="1"/>
+              <a:t>chatbots</a:t>
+            </a:r>
+            <a:r>
+              <a:rPr lang="en-US" sz="2400" dirty="0"/>
+              <a:t> for supporting </a:t>
+            </a:r>
+            <a:r>
+              <a:rPr lang="en-US" sz="2400" spc="-300" dirty="0"/>
+              <a:t>H R </a:t>
+            </a:r>
+            <a:r>
+              <a:rPr lang="en-US" sz="2400" dirty="0"/>
+              <a:t>M</a:t>
+            </a:r>
+          </a:p>
+          <a:p>
+            <a:pPr marL="829818" lvl="1" indent="-342900"/>
+            <a:r>
+              <a:rPr lang="en-US" sz="2400" dirty="0"/>
+              <a:t>See olivia.paradox.ai.</a:t>
             </a:r>
           </a:p>
         </p:txBody>
@@ -17224,7 +16531,7 @@
     </p:spTree>
     <p:extLst>
       <p:ext uri="{BB962C8B-B14F-4D97-AF65-F5344CB8AC3E}">
-        <p14:creationId xmlns:p14="http://schemas.microsoft.com/office/powerpoint/2010/main" val="639371834"/>
+        <p14:creationId xmlns:p14="http://schemas.microsoft.com/office/powerpoint/2010/main" val="2826754590"/>
       </p:ext>
     </p:extLst>
   </p:cSld>
@@ -17263,8 +16570,8 @@
         </p:nvSpPr>
         <p:spPr>
           <a:xfrm>
-            <a:off x="457200" y="73997"/>
-            <a:ext cx="8153400" cy="553998"/>
+            <a:off x="457200" y="62212"/>
+            <a:ext cx="8153400" cy="984885"/>
           </a:xfrm>
         </p:spPr>
         <p:txBody>
@@ -17283,7 +16590,13 @@
               <a:rPr lang="en-US" sz="3600" dirty="0">
                 <a:latin typeface="+mj-lt"/>
               </a:rPr>
-              <a:t>I Applications in Accounting</a:t>
+              <a:t>I in Human Resource Management </a:t>
+            </a:r>
+            <a:r>
+              <a:rPr lang="en-US" sz="2800" dirty="0">
+                <a:latin typeface="+mj-lt"/>
+              </a:rPr>
+              <a:t>(2 of 2)</a:t>
             </a:r>
           </a:p>
         </p:txBody>
@@ -17300,8 +16613,8 @@
         </p:nvSpPr>
         <p:spPr>
           <a:xfrm>
-            <a:off x="457200" y="990600"/>
-            <a:ext cx="8153400" cy="5355312"/>
+            <a:off x="457200" y="1369537"/>
+            <a:ext cx="8153400" cy="4508927"/>
           </a:xfrm>
         </p:spPr>
         <p:txBody>
@@ -17310,98 +16623,97 @@
           </a:bodyPr>
           <a:lstStyle/>
           <a:p>
+            <a:pPr marL="285750" indent="-285750"/>
+            <a:r>
+              <a:rPr lang="en-US" sz="2400" dirty="0"/>
+              <a:t>Introducing </a:t>
+            </a:r>
             <a:r>
               <a:rPr lang="en-US" sz="2400" spc="-300" dirty="0"/>
               <a:t>A </a:t>
             </a:r>
             <a:r>
               <a:rPr lang="en-US" sz="2400" dirty="0"/>
-              <a:t>I in big accounting firms (see application case 2.4)</a:t>
-            </a:r>
-          </a:p>
-          <a:p>
+              <a:t>I to </a:t>
+            </a:r>
+            <a:r>
+              <a:rPr lang="en-US" sz="2400" spc="-300" dirty="0"/>
+              <a:t>H R </a:t>
+            </a:r>
+            <a:r>
+              <a:rPr lang="en-US" sz="2400" dirty="0"/>
+              <a:t>M operations:</a:t>
+            </a:r>
+          </a:p>
+          <a:p>
+            <a:pPr marL="1001268" lvl="1" indent="-514350">
+              <a:buFont typeface="+mj-lt"/>
+              <a:buAutoNum type="arabicPeriod"/>
+            </a:pPr>
+            <a:r>
+              <a:rPr lang="en-US" sz="2400" dirty="0"/>
+              <a:t>Experiment with a variety of </a:t>
+            </a:r>
+            <a:r>
+              <a:rPr lang="en-US" sz="2400" dirty="0" err="1"/>
+              <a:t>chatbots</a:t>
+            </a:r>
+            <a:endParaRPr lang="en-US" sz="2400" dirty="0"/>
+          </a:p>
+          <a:p>
+            <a:pPr marL="1001268" lvl="1" indent="-514350">
+              <a:buFont typeface="+mj-lt"/>
+              <a:buAutoNum type="arabicPeriod"/>
+            </a:pPr>
+            <a:r>
+              <a:rPr lang="en-US" sz="2400" dirty="0"/>
+              <a:t>Develop a team approach involving other functional areas</a:t>
+            </a:r>
+          </a:p>
+          <a:p>
+            <a:pPr marL="1001268" lvl="1" indent="-514350">
+              <a:buFont typeface="+mj-lt"/>
+              <a:buAutoNum type="arabicPeriod"/>
+            </a:pPr>
+            <a:r>
+              <a:rPr lang="en-US" sz="2400" dirty="0"/>
+              <a:t>Properly plan a technology roadmap for both the short and long term, including shared vision with other functional areas</a:t>
+            </a:r>
+          </a:p>
+          <a:p>
+            <a:pPr marL="1001268" lvl="1" indent="-514350">
+              <a:buFont typeface="+mj-lt"/>
+              <a:buAutoNum type="arabicPeriod"/>
+            </a:pPr>
+            <a:r>
+              <a:rPr lang="en-US" sz="2400" dirty="0"/>
+              <a:t>Identify new job roles and modifications in existing job roles in the transformed environment</a:t>
+            </a:r>
+          </a:p>
+          <a:p>
+            <a:pPr marL="1001268" lvl="1" indent="-514350">
+              <a:buFont typeface="+mj-lt"/>
+              <a:buAutoNum type="arabicPeriod"/>
+            </a:pPr>
+            <a:r>
+              <a:rPr lang="en-US" sz="2400" dirty="0"/>
+              <a:t>Train and educate the </a:t>
+            </a:r>
+            <a:r>
+              <a:rPr lang="en-US" sz="2400" spc="-300" dirty="0"/>
+              <a:t>H R </a:t>
+            </a:r>
+            <a:r>
+              <a:rPr lang="en-US" sz="2400" dirty="0"/>
+              <a:t>M team to understand </a:t>
+            </a:r>
             <a:r>
               <a:rPr lang="en-US" sz="2400" spc="-300" dirty="0"/>
               <a:t>A </a:t>
             </a:r>
             <a:r>
               <a:rPr lang="en-US" sz="2400" dirty="0"/>
-              <a:t>I in small accounting firms</a:t>
-            </a:r>
-          </a:p>
-          <a:p>
-            <a:pPr marL="829818" lvl="1" indent="-342900"/>
-            <a:r>
-              <a:rPr lang="en-US" sz="2400" dirty="0"/>
-              <a:t>Solve complex billing problems (especially in healthcare)</a:t>
-            </a:r>
-          </a:p>
-          <a:p>
-            <a:pPr marL="1229868" lvl="2" indent="-342900"/>
-            <a:r>
-              <a:rPr lang="en-US" sz="2400" dirty="0"/>
-              <a:t>Claim processing and reimbursement</a:t>
-            </a:r>
-          </a:p>
-          <a:p>
-            <a:pPr marL="829818" lvl="1" indent="-342900"/>
-            <a:r>
-              <a:rPr lang="en-US" sz="2400" dirty="0"/>
-              <a:t>Real estate contracts, risk analysis … </a:t>
-            </a:r>
-          </a:p>
-          <a:p>
-            <a:pPr marL="829818" lvl="1" indent="-342900"/>
-            <a:r>
-              <a:rPr lang="en-US" sz="2400" spc="-300" dirty="0"/>
-              <a:t>A </a:t>
-            </a:r>
-            <a:r>
-              <a:rPr lang="en-US" sz="2400" dirty="0"/>
-              <a:t>I provides cheaper and better data-driven support </a:t>
-            </a:r>
-          </a:p>
-          <a:p>
-            <a:pPr marL="829818" lvl="1" indent="-342900"/>
-            <a:r>
-              <a:rPr lang="en-US" sz="2400" dirty="0"/>
-              <a:t>Generates needed insights from data analysis</a:t>
-            </a:r>
-          </a:p>
-          <a:p>
-            <a:pPr marL="829818" lvl="1" indent="-342900"/>
-            <a:r>
-              <a:rPr lang="en-US" sz="2400" dirty="0"/>
-              <a:t>Frees time of accountants for more complex tasks</a:t>
-            </a:r>
-          </a:p>
-          <a:p>
-            <a:pPr marL="829818" lvl="1" indent="-342900"/>
-            <a:r>
-              <a:rPr lang="en-US" sz="2400" dirty="0"/>
-              <a:t>Machine learning is often used for prediction </a:t>
-            </a:r>
-          </a:p>
-          <a:p>
-            <a:r>
-              <a:rPr lang="en-US" sz="2400" spc="-300" dirty="0"/>
-              <a:t>A </a:t>
-            </a:r>
-            <a:r>
-              <a:rPr lang="en-US" sz="2400" dirty="0"/>
-              <a:t>I will </a:t>
-            </a:r>
-            <a:r>
-              <a:rPr lang="en-US" sz="2400" u="sng" dirty="0"/>
-              <a:t>improve and automate accounting tasks </a:t>
-            </a:r>
-            <a:r>
-              <a:rPr lang="en-US" sz="2400" dirty="0"/>
-              <a:t>but at the same time </a:t>
-            </a:r>
-            <a:r>
-              <a:rPr lang="en-US" sz="2400" u="sng" dirty="0"/>
-              <a:t>will take away some accounting jobs. </a:t>
+              <a:t>I and gain expertise in it.</a:t>
             </a:r>
           </a:p>
         </p:txBody>
@@ -17409,7 +16721,7 @@
     </p:spTree>
     <p:extLst>
       <p:ext uri="{BB962C8B-B14F-4D97-AF65-F5344CB8AC3E}">
-        <p14:creationId xmlns:p14="http://schemas.microsoft.com/office/powerpoint/2010/main" val="3959520901"/>
+        <p14:creationId xmlns:p14="http://schemas.microsoft.com/office/powerpoint/2010/main" val="185257813"/>
       </p:ext>
     </p:extLst>
   </p:cSld>
@@ -17448,8 +16760,8 @@
         </p:nvSpPr>
         <p:spPr>
           <a:xfrm>
-            <a:off x="457200" y="73997"/>
-            <a:ext cx="8153400" cy="553998"/>
+            <a:off x="457200" y="62211"/>
+            <a:ext cx="8153400" cy="984885"/>
           </a:xfrm>
         </p:spPr>
         <p:txBody>
@@ -17459,123 +16771,55 @@
           <a:lstStyle/>
           <a:p>
             <a:r>
+              <a:rPr lang="en-US" sz="3600" spc="-450" dirty="0">
+                <a:latin typeface="+mj-lt"/>
+              </a:rPr>
+              <a:t>A </a:t>
+            </a:r>
+            <a:r>
               <a:rPr lang="en-US" sz="3600" dirty="0">
                 <a:latin typeface="+mj-lt"/>
               </a:rPr>
-              <a:t>Application Case 2.4</a:t>
-            </a:r>
-          </a:p>
-        </p:txBody>
-      </p:sp>
-      <p:sp>
-        <p:nvSpPr>
-          <p:cNvPr id="3" name="Content Placeholder 2"/>
-          <p:cNvSpPr>
-            <a:spLocks noGrp="1"/>
-          </p:cNvSpPr>
-          <p:nvPr>
-            <p:ph idx="1"/>
+              <a:t>I in Marketing, Advertising, &amp; </a:t>
+            </a:r>
+            <a:r>
+              <a:rPr lang="en-US" sz="3600" spc="-450" dirty="0">
+                <a:latin typeface="+mj-lt"/>
+              </a:rPr>
+              <a:t>C R </a:t>
+            </a:r>
+            <a:r>
+              <a:rPr lang="en-US" sz="3600" dirty="0">
+                <a:latin typeface="+mj-lt"/>
+              </a:rPr>
+              <a:t>M </a:t>
+            </a:r>
+            <a:r>
+              <a:rPr lang="en-US" sz="2800" dirty="0">
+                <a:latin typeface="+mj-lt"/>
+              </a:rPr>
+              <a:t>(1 of 2)</a:t>
+            </a:r>
+            <a:endParaRPr lang="en-US" sz="3600" dirty="0">
+              <a:latin typeface="+mj-lt"/>
+            </a:endParaRPr>
+          </a:p>
+        </p:txBody>
+      </p:sp>
+      <p:sp>
+        <p:nvSpPr>
+          <p:cNvPr id="4" name="Content Placeholder 3"/>
+          <p:cNvSpPr>
+            <a:spLocks noGrp="1"/>
+          </p:cNvSpPr>
+          <p:nvPr>
+            <p:ph idx="13"/>
           </p:nvPr>
         </p:nvSpPr>
         <p:spPr>
           <a:xfrm>
-            <a:off x="457200" y="714375"/>
-            <a:ext cx="8153400" cy="430887"/>
-          </a:xfrm>
-        </p:spPr>
-        <p:txBody>
-          <a:bodyPr wrap="square">
-            <a:spAutoFit/>
-          </a:bodyPr>
-          <a:lstStyle/>
-          <a:p>
-            <a:pPr marL="0" lvl="0" indent="0">
-              <a:spcBef>
-                <a:spcPts val="0"/>
-              </a:spcBef>
-              <a:buClr>
-                <a:schemeClr val="lt1"/>
-              </a:buClr>
-              <a:buSzPct val="25000"/>
-              <a:buNone/>
-              <a:tabLst>
-                <a:tab pos="628650" algn="l"/>
-              </a:tabLst>
-            </a:pPr>
-            <a:r>
-              <a:rPr lang="en-IN" sz="2800" b="1" dirty="0">
-                <a:solidFill>
-                  <a:srgbClr val="007FA3"/>
-                </a:solidFill>
-              </a:rPr>
-              <a:t>How </a:t>
-            </a:r>
-            <a:r>
-              <a:rPr lang="en-IN" sz="2800" b="1" spc="-300" dirty="0">
-                <a:solidFill>
-                  <a:srgbClr val="007FA3"/>
-                </a:solidFill>
-              </a:rPr>
-              <a:t>E </a:t>
-            </a:r>
-            <a:r>
-              <a:rPr lang="en-IN" sz="2800" b="1" dirty="0">
-                <a:solidFill>
-                  <a:srgbClr val="007FA3"/>
-                </a:solidFill>
-              </a:rPr>
-              <a:t>Y, Deloitte, and </a:t>
-            </a:r>
-            <a:r>
-              <a:rPr lang="en-IN" sz="2800" b="1" spc="-300" dirty="0">
-                <a:solidFill>
-                  <a:srgbClr val="007FA3"/>
-                </a:solidFill>
-              </a:rPr>
-              <a:t>P w </a:t>
-            </a:r>
-            <a:r>
-              <a:rPr lang="en-IN" sz="2800" b="1" dirty="0">
-                <a:solidFill>
-                  <a:srgbClr val="007FA3"/>
-                </a:solidFill>
-              </a:rPr>
-              <a:t>C Are Using </a:t>
-            </a:r>
-            <a:r>
-              <a:rPr lang="en-IN" sz="2800" b="1" spc="-300" dirty="0">
-                <a:solidFill>
-                  <a:srgbClr val="007FA3"/>
-                </a:solidFill>
-              </a:rPr>
-              <a:t>A </a:t>
-            </a:r>
-            <a:r>
-              <a:rPr lang="en-IN" sz="2800" b="1" dirty="0">
-                <a:solidFill>
-                  <a:srgbClr val="007FA3"/>
-                </a:solidFill>
-              </a:rPr>
-              <a:t>I</a:t>
-            </a:r>
-            <a:endParaRPr lang="en-US" sz="2800" b="1" dirty="0"/>
-          </a:p>
-        </p:txBody>
-      </p:sp>
-      <p:sp>
-        <p:nvSpPr>
-          <p:cNvPr id="4" name="Content Placeholder 3"/>
-          <p:cNvSpPr>
-            <a:spLocks noGrp="1"/>
-          </p:cNvSpPr>
-          <p:nvPr>
-            <p:ph idx="13"/>
-          </p:nvPr>
-        </p:nvSpPr>
-        <p:spPr>
-          <a:xfrm>
-            <a:off x="457200" y="1371600"/>
-            <a:ext cx="8153400" cy="2292935"/>
+            <a:off x="457200" y="1369537"/>
+            <a:ext cx="8153400" cy="4001095"/>
           </a:xfrm>
         </p:spPr>
         <p:txBody>
@@ -17584,40 +16828,98 @@
           </a:bodyPr>
           <a:lstStyle/>
           <a:p>
-            <a:pPr marL="0" indent="0">
-              <a:buNone/>
-            </a:pPr>
-            <a:r>
-              <a:rPr lang="en-US" sz="2400" b="1" dirty="0"/>
-              <a:t>Questions for Discussion:</a:t>
-            </a:r>
-          </a:p>
-          <a:p>
-            <a:pPr marL="514350" indent="-514350">
+            <a:pPr marL="285750" indent="-285750"/>
+            <a:r>
+              <a:rPr lang="en-US" sz="2400" dirty="0"/>
+              <a:t>One of the richest area for </a:t>
+            </a:r>
+            <a:r>
+              <a:rPr lang="en-US" sz="2400" spc="-300" dirty="0"/>
+              <a:t>A </a:t>
+            </a:r>
+            <a:r>
+              <a:rPr lang="en-US" sz="2400" dirty="0"/>
+              <a:t>I applications:</a:t>
+            </a:r>
+          </a:p>
+          <a:p>
+            <a:pPr marL="1001268" lvl="1" indent="-514350">
               <a:buFont typeface="+mj-lt"/>
               <a:buAutoNum type="arabicPeriod"/>
             </a:pPr>
             <a:r>
               <a:rPr lang="en-US" sz="2400" dirty="0"/>
-              <a:t>What are the characteristics of the tasks for which </a:t>
-            </a:r>
-            <a:r>
-              <a:rPr lang="en-US" sz="2400" spc="-300" dirty="0"/>
-              <a:t>A </a:t>
-            </a:r>
-            <a:r>
-              <a:rPr lang="en-US" sz="2400" dirty="0"/>
-              <a:t>I is used?</a:t>
-            </a:r>
-          </a:p>
-          <a:p>
-            <a:pPr marL="514350" indent="-514350">
+              <a:t>Product and personal recommendations</a:t>
+            </a:r>
+          </a:p>
+          <a:p>
+            <a:pPr marL="1001268" lvl="1" indent="-514350">
               <a:buFont typeface="+mj-lt"/>
               <a:buAutoNum type="arabicPeriod"/>
             </a:pPr>
             <a:r>
               <a:rPr lang="en-US" sz="2400" dirty="0"/>
-              <a:t>Why do the big accounting firms use different implementation strategies?</a:t>
+              <a:t>Smart search engines</a:t>
+            </a:r>
+          </a:p>
+          <a:p>
+            <a:pPr marL="1001268" lvl="1" indent="-514350">
+              <a:buFont typeface="+mj-lt"/>
+              <a:buAutoNum type="arabicPeriod"/>
+            </a:pPr>
+            <a:r>
+              <a:rPr lang="en-US" sz="2400" dirty="0"/>
+              <a:t>Fraud and data breaches detection</a:t>
+            </a:r>
+          </a:p>
+          <a:p>
+            <a:pPr marL="1001268" lvl="1" indent="-514350">
+              <a:buFont typeface="+mj-lt"/>
+              <a:buAutoNum type="arabicPeriod"/>
+            </a:pPr>
+            <a:r>
+              <a:rPr lang="en-US" sz="2400" dirty="0"/>
+              <a:t>Social semantics</a:t>
+            </a:r>
+          </a:p>
+          <a:p>
+            <a:pPr marL="1001268" lvl="1" indent="-514350">
+              <a:buFont typeface="+mj-lt"/>
+              <a:buAutoNum type="arabicPeriod"/>
+            </a:pPr>
+            <a:r>
+              <a:rPr lang="en-US" sz="2400" dirty="0"/>
+              <a:t>Web site design</a:t>
+            </a:r>
+          </a:p>
+          <a:p>
+            <a:pPr marL="1001268" lvl="1" indent="-514350">
+              <a:buFont typeface="+mj-lt"/>
+              <a:buAutoNum type="arabicPeriod"/>
+            </a:pPr>
+            <a:r>
+              <a:rPr lang="en-US" sz="2400" dirty="0"/>
+              <a:t>Producer pricing</a:t>
+            </a:r>
+          </a:p>
+          <a:p>
+            <a:pPr marL="1001268" lvl="1" indent="-514350">
+              <a:buFont typeface="+mj-lt"/>
+              <a:buAutoNum type="arabicPeriod"/>
+            </a:pPr>
+            <a:r>
+              <a:rPr lang="en-US" sz="2400" dirty="0"/>
+              <a:t>Predictive customer service</a:t>
+            </a:r>
+          </a:p>
+          <a:p>
+            <a:pPr marL="1001268" lvl="1" indent="-514350">
+              <a:buFont typeface="+mj-lt"/>
+              <a:buAutoNum type="arabicPeriod"/>
+            </a:pPr>
+            <a:r>
+              <a:rPr lang="en-US" sz="2400" dirty="0"/>
+              <a:t>… many more in the book …</a:t>
             </a:r>
           </a:p>
         </p:txBody>
@@ -17625,7 +16927,7 @@
     </p:spTree>
     <p:extLst>
       <p:ext uri="{BB962C8B-B14F-4D97-AF65-F5344CB8AC3E}">
-        <p14:creationId xmlns:p14="http://schemas.microsoft.com/office/powerpoint/2010/main" val="1436173985"/>
+        <p14:creationId xmlns:p14="http://schemas.microsoft.com/office/powerpoint/2010/main" val="3832234740"/>
       </p:ext>
     </p:extLst>
   </p:cSld>
@@ -17664,7 +16966,7 @@
         </p:nvSpPr>
         <p:spPr>
           <a:xfrm>
-            <a:off x="457200" y="62211"/>
+            <a:off x="457200" y="70592"/>
             <a:ext cx="8153400" cy="984885"/>
           </a:xfrm>
         </p:spPr>
@@ -17675,7 +16977,7 @@
           <a:lstStyle/>
           <a:p>
             <a:r>
-              <a:rPr lang="en-US" sz="3600" spc="-300" dirty="0">
+              <a:rPr lang="en-US" sz="3600" spc="-450" dirty="0">
                 <a:latin typeface="+mj-lt"/>
               </a:rPr>
               <a:t>A </a:t>
@@ -17684,14 +16986,29 @@
               <a:rPr lang="en-US" sz="3600" dirty="0">
                 <a:latin typeface="+mj-lt"/>
               </a:rPr>
-              <a:t>I Applications in Financial Services </a:t>
+              <a:t>I in Marketing, Advertising, &amp; </a:t>
+            </a:r>
+            <a:r>
+              <a:rPr lang="en-US" sz="3600" spc="-450" dirty="0">
+                <a:latin typeface="+mj-lt"/>
+              </a:rPr>
+              <a:t>C R </a:t>
+            </a:r>
+            <a:r>
+              <a:rPr lang="en-US" sz="3600" dirty="0">
+                <a:latin typeface="+mj-lt"/>
+              </a:rPr>
+              <a:t>M </a:t>
             </a:r>
             <a:r>
               <a:rPr lang="en-US" sz="2800" dirty="0">
                 <a:latin typeface="+mj-lt"/>
               </a:rPr>
-              <a:t>(1 of 2)</a:t>
-            </a:r>
+              <a:t>(2 of 2)</a:t>
+            </a:r>
+            <a:endParaRPr lang="en-US" sz="3600" dirty="0">
+              <a:latin typeface="+mj-lt"/>
+            </a:endParaRPr>
           </a:p>
         </p:txBody>
       </p:sp>
@@ -17702,116 +17019,144 @@
             <a:spLocks noGrp="1"/>
           </p:cNvSpPr>
           <p:nvPr>
-            <p:ph idx="13"/>
+            <p:ph idx="1"/>
           </p:nvPr>
         </p:nvSpPr>
         <p:spPr>
           <a:xfrm>
-            <a:off x="457200" y="1388587"/>
-            <a:ext cx="8153400" cy="4732065"/>
+            <a:off x="457200" y="1371600"/>
+            <a:ext cx="8153400" cy="3185487"/>
           </a:xfrm>
         </p:spPr>
         <p:txBody>
-          <a:bodyPr>
+          <a:bodyPr wrap="square">
             <a:spAutoFit/>
           </a:bodyPr>
           <a:lstStyle/>
           <a:p>
-            <a:r>
-              <a:rPr lang="en-US" sz="2000" dirty="0"/>
-              <a:t>Diverse use of </a:t>
-            </a:r>
-            <a:r>
-              <a:rPr lang="en-US" sz="2000" spc="-300" dirty="0"/>
+            <a:pPr marL="285750" indent="-285750"/>
+            <a:r>
+              <a:rPr lang="en-US" sz="2400" dirty="0"/>
+              <a:t>Improving customer experience and </a:t>
+            </a:r>
+            <a:r>
+              <a:rPr lang="en-US" sz="2400" spc="-300" dirty="0"/>
+              <a:t>C R </a:t>
+            </a:r>
+            <a:r>
+              <a:rPr lang="en-US" sz="2400" dirty="0"/>
+              <a:t>M</a:t>
+            </a:r>
+          </a:p>
+          <a:p>
+            <a:pPr marL="1001268" lvl="1" indent="-514350">
+              <a:buFont typeface="+mj-lt"/>
+              <a:buAutoNum type="arabicPeriod"/>
+            </a:pPr>
+            <a:r>
+              <a:rPr lang="en-US" sz="2400" dirty="0"/>
+              <a:t>Use </a:t>
+            </a:r>
+            <a:r>
+              <a:rPr lang="en-US" sz="2400" spc="-300" dirty="0"/>
+              <a:t>N L </a:t>
+            </a:r>
+            <a:r>
+              <a:rPr lang="en-US" sz="2400" dirty="0"/>
+              <a:t>P for generating user documentation. This capability also improves the customer–machine dialogue.</a:t>
+            </a:r>
+          </a:p>
+          <a:p>
+            <a:pPr marL="1001268" lvl="1" indent="-514350">
+              <a:buFont typeface="+mj-lt"/>
+              <a:buAutoNum type="arabicPeriod"/>
+            </a:pPr>
+            <a:r>
+              <a:rPr lang="en-US" sz="2400" dirty="0"/>
+              <a:t>Use visual categorization to organize images (for example, see </a:t>
+            </a:r>
+            <a:r>
+              <a:rPr lang="en-US" sz="2400" spc="-300" dirty="0"/>
+              <a:t>I B </a:t>
+            </a:r>
+            <a:r>
+              <a:rPr lang="en-US" sz="2400" dirty="0"/>
+              <a:t>M’s Visual Recognition and </a:t>
+            </a:r>
+            <a:r>
+              <a:rPr lang="en-US" sz="2400" dirty="0" err="1"/>
+              <a:t>Clarifai</a:t>
+            </a:r>
+            <a:r>
+              <a:rPr lang="en-US" sz="2400" dirty="0"/>
+              <a:t>)</a:t>
+            </a:r>
+          </a:p>
+          <a:p>
+            <a:pPr marL="1001268" lvl="1" indent="-514350">
+              <a:buFont typeface="+mj-lt"/>
+              <a:buAutoNum type="arabicPeriod"/>
+            </a:pPr>
+            <a:r>
+              <a:rPr lang="en-US" sz="2400" dirty="0"/>
+              <a:t>Provide personalized and segmented services by analyzing customer data. </a:t>
+            </a:r>
+          </a:p>
+        </p:txBody>
+      </p:sp>
+      <p:sp>
+        <p:nvSpPr>
+          <p:cNvPr id="3" name="Content Placeholder 2"/>
+          <p:cNvSpPr>
+            <a:spLocks noGrp="1"/>
+          </p:cNvSpPr>
+          <p:nvPr>
+            <p:ph idx="13"/>
+          </p:nvPr>
+        </p:nvSpPr>
+        <p:spPr>
+          <a:xfrm>
+            <a:off x="457200" y="4722812"/>
+            <a:ext cx="8153400" cy="369332"/>
+          </a:xfrm>
+        </p:spPr>
+        <p:txBody>
+          <a:bodyPr wrap="square">
+            <a:spAutoFit/>
+          </a:bodyPr>
+          <a:lstStyle/>
+          <a:p>
+            <a:r>
+              <a:rPr lang="en-US" sz="2400" spc="-300" dirty="0"/>
               <a:t>A </a:t>
             </a:r>
             <a:r>
-              <a:rPr lang="en-US" sz="2000" dirty="0"/>
-              <a:t>I, in banking and insurance. </a:t>
-            </a:r>
-          </a:p>
-          <a:p>
-            <a:r>
-              <a:rPr lang="en-US" sz="2000" dirty="0"/>
-              <a:t>Examples of </a:t>
-            </a:r>
-            <a:r>
-              <a:rPr lang="en-US" sz="2000" spc="-300" dirty="0"/>
+              <a:rPr lang="en-US" sz="2400" dirty="0"/>
+              <a:t>I in </a:t>
+            </a:r>
+            <a:r>
+              <a:rPr lang="en-US" sz="2400" spc="-300" dirty="0"/>
+              <a:t>C R </a:t>
+            </a:r>
+            <a:r>
+              <a:rPr lang="en-US" sz="2400" dirty="0"/>
+              <a:t>M Example: </a:t>
+            </a:r>
+            <a:r>
+              <a:rPr lang="en-US" sz="2400" dirty="0" err="1"/>
+              <a:t>Salesforce’s</a:t>
+            </a:r>
+            <a:r>
+              <a:rPr lang="en-US" sz="2400" dirty="0"/>
+              <a:t> </a:t>
+            </a:r>
+            <a:r>
+              <a:rPr lang="en-US" sz="2400" spc="-300" dirty="0"/>
               <a:t>A </a:t>
             </a:r>
             <a:r>
-              <a:rPr lang="en-US" sz="2000" dirty="0"/>
-              <a:t>I use in general financial services:</a:t>
-            </a:r>
-          </a:p>
-          <a:p>
-            <a:pPr marL="829818" lvl="1" indent="-342900"/>
-            <a:r>
-              <a:rPr lang="en-US" sz="2000" dirty="0"/>
-              <a:t>Extreme personalization (e.g., </a:t>
-            </a:r>
-            <a:r>
-              <a:rPr lang="en-US" sz="2000" dirty="0" err="1"/>
-              <a:t>chatbots</a:t>
-            </a:r>
-            <a:r>
-              <a:rPr lang="en-US" sz="2000" dirty="0"/>
-              <a:t>, personal assistants, etc.) </a:t>
-            </a:r>
-          </a:p>
-          <a:p>
-            <a:pPr marL="829818" lvl="1" indent="-342900"/>
-            <a:r>
-              <a:rPr lang="en-US" sz="2000" dirty="0"/>
-              <a:t>Shifting customer behavior both online and in branches</a:t>
-            </a:r>
-          </a:p>
-          <a:p>
-            <a:pPr marL="829818" lvl="1" indent="-342900"/>
-            <a:r>
-              <a:rPr lang="en-US" sz="2000" dirty="0"/>
-              <a:t>Facilitating trust in digital identity, revolutionizing payments</a:t>
-            </a:r>
-          </a:p>
-          <a:p>
-            <a:pPr marL="829818" lvl="1" indent="-342900"/>
-            <a:r>
-              <a:rPr lang="en-US" sz="2000" dirty="0"/>
-              <a:t>Sharing economic activities (e.g., person-to-person loans)</a:t>
-            </a:r>
-          </a:p>
-          <a:p>
-            <a:pPr marL="829818" lvl="1" indent="-342900"/>
-            <a:r>
-              <a:rPr lang="en-US" sz="2000" dirty="0"/>
-              <a:t>Offering financial services 24/7 and globally</a:t>
-            </a:r>
-          </a:p>
-          <a:p>
-            <a:r>
-              <a:rPr lang="en-US" sz="2000" dirty="0"/>
-              <a:t>Banking can also uses </a:t>
-            </a:r>
-            <a:r>
-              <a:rPr lang="en-US" sz="2000" spc="-300" dirty="0"/>
-              <a:t>A </a:t>
-            </a:r>
-            <a:r>
-              <a:rPr lang="en-US" sz="2000" dirty="0"/>
-              <a:t>I for …</a:t>
-            </a:r>
-          </a:p>
-          <a:p>
-            <a:pPr marL="829818" lvl="1" indent="-342900"/>
-            <a:r>
-              <a:rPr lang="en-US" sz="2000" dirty="0"/>
-              <a:t>Face recognition (safer online banking), help customer with smart investment decisions, prevent money laundering, …</a:t>
-            </a:r>
-          </a:p>
-          <a:p>
-            <a:r>
-              <a:rPr lang="en-US" sz="2000" dirty="0"/>
-              <a:t>Insurance – mostly in issuing policies and handling claims</a:t>
+              <a:rPr lang="en-US" sz="2400" dirty="0"/>
+              <a:t>I Einstein</a:t>
             </a:r>
           </a:p>
         </p:txBody>
@@ -17819,7 +17164,7 @@
     </p:spTree>
     <p:extLst>
       <p:ext uri="{BB962C8B-B14F-4D97-AF65-F5344CB8AC3E}">
-        <p14:creationId xmlns:p14="http://schemas.microsoft.com/office/powerpoint/2010/main" val="3687205118"/>
+        <p14:creationId xmlns:p14="http://schemas.microsoft.com/office/powerpoint/2010/main" val="3148117036"/>
       </p:ext>
     </p:extLst>
   </p:cSld>
@@ -17858,1884 +17203,6 @@
         </p:nvSpPr>
         <p:spPr>
           <a:xfrm>
-            <a:off x="457200" y="62211"/>
-            <a:ext cx="8153400" cy="984885"/>
-          </a:xfrm>
-        </p:spPr>
-        <p:txBody>
-          <a:bodyPr wrap="square">
-            <a:spAutoFit/>
-          </a:bodyPr>
-          <a:lstStyle/>
-          <a:p>
-            <a:r>
-              <a:rPr lang="en-US" sz="3600" spc="-500" dirty="0">
-                <a:latin typeface="+mj-lt"/>
-              </a:rPr>
-              <a:t>A </a:t>
-            </a:r>
-            <a:r>
-              <a:rPr lang="en-US" sz="3600" dirty="0">
-                <a:latin typeface="+mj-lt"/>
-              </a:rPr>
-              <a:t>I Applications in Financial Services </a:t>
-            </a:r>
-            <a:r>
-              <a:rPr lang="en-US" sz="2800" dirty="0">
-                <a:latin typeface="+mj-lt"/>
-              </a:rPr>
-              <a:t>(2 of 2)</a:t>
-            </a:r>
-          </a:p>
-        </p:txBody>
-      </p:sp>
-      <p:sp>
-        <p:nvSpPr>
-          <p:cNvPr id="4" name="Content Placeholder 3"/>
-          <p:cNvSpPr>
-            <a:spLocks noGrp="1"/>
-          </p:cNvSpPr>
-          <p:nvPr>
-            <p:ph idx="13"/>
-          </p:nvPr>
-        </p:nvSpPr>
-        <p:spPr>
-          <a:xfrm>
-            <a:off x="457200" y="1369537"/>
-            <a:ext cx="8153400" cy="4939814"/>
-          </a:xfrm>
-        </p:spPr>
-        <p:txBody>
-          <a:bodyPr>
-            <a:spAutoFit/>
-          </a:bodyPr>
-          <a:lstStyle/>
-          <a:p>
-            <a:r>
-              <a:rPr lang="en-US" sz="2200" dirty="0"/>
-              <a:t>Application of </a:t>
-            </a:r>
-            <a:r>
-              <a:rPr lang="en-US" sz="2200" spc="-300" dirty="0"/>
-              <a:t>A </a:t>
-            </a:r>
-            <a:r>
-              <a:rPr lang="en-US" sz="2200" dirty="0"/>
-              <a:t>I uses in Banking</a:t>
-            </a:r>
-          </a:p>
-          <a:p>
-            <a:pPr marL="829818" lvl="1" indent="-342900"/>
-            <a:r>
-              <a:rPr lang="en-US" sz="2200" dirty="0"/>
-              <a:t>Employee surveillance (</a:t>
-            </a:r>
-            <a:r>
-              <a:rPr lang="en-US" sz="2200" spc="-300" dirty="0"/>
-              <a:t>A </a:t>
-            </a:r>
-            <a:r>
-              <a:rPr lang="en-US" sz="2200" dirty="0"/>
-              <a:t>I machines, e.g., </a:t>
-            </a:r>
-            <a:r>
-              <a:rPr lang="en-US" sz="2200" spc="-300" dirty="0"/>
-              <a:t>I B </a:t>
-            </a:r>
-            <a:r>
-              <a:rPr lang="en-US" sz="2200" dirty="0"/>
-              <a:t>M Watson). </a:t>
-            </a:r>
-          </a:p>
-          <a:p>
-            <a:pPr marL="829818" lvl="1" indent="-342900"/>
-            <a:r>
-              <a:rPr lang="en-US" sz="2200" dirty="0"/>
-              <a:t>Tax preparation/filing (H&amp;R block uses </a:t>
-            </a:r>
-            <a:r>
-              <a:rPr lang="en-US" sz="2200" spc="-300" dirty="0"/>
-              <a:t>I B </a:t>
-            </a:r>
-            <a:r>
-              <a:rPr lang="en-US" sz="2200" dirty="0"/>
-              <a:t>M Watson). </a:t>
-            </a:r>
-          </a:p>
-          <a:p>
-            <a:pPr marL="829818" lvl="1" indent="-342900"/>
-            <a:r>
-              <a:rPr lang="en-US" sz="2200" dirty="0"/>
-              <a:t>Automated customer service; answering customer inquiries in real-time.</a:t>
-            </a:r>
-          </a:p>
-          <a:p>
-            <a:pPr marL="1229868" lvl="2" indent="-342900"/>
-            <a:r>
-              <a:rPr lang="en-US" sz="2200" dirty="0"/>
-              <a:t>See </a:t>
-            </a:r>
-            <a:r>
-              <a:rPr lang="en-US" sz="2200" dirty="0" err="1"/>
-              <a:t>Rainbird</a:t>
-            </a:r>
-            <a:r>
-              <a:rPr lang="en-US" sz="2200" dirty="0"/>
-              <a:t> Co. </a:t>
-            </a:r>
-            <a:r>
-              <a:rPr lang="en-US" sz="2200" dirty="0" err="1"/>
-              <a:t>ar</a:t>
-            </a:r>
-            <a:r>
-              <a:rPr lang="en-US" sz="2200" dirty="0"/>
-              <a:t> rainbirf.ai as a company that provides such services (using </a:t>
-            </a:r>
-            <a:r>
-              <a:rPr lang="en-US" sz="2200" spc="-300" dirty="0"/>
-              <a:t>I B </a:t>
-            </a:r>
-            <a:r>
-              <a:rPr lang="en-US" sz="2200" dirty="0"/>
-              <a:t>M Watson).</a:t>
-            </a:r>
-          </a:p>
-          <a:p>
-            <a:pPr marL="829818" lvl="1" indent="-342900"/>
-            <a:r>
-              <a:rPr lang="en-US" sz="2200" dirty="0"/>
-              <a:t>Automated online support for paying bills and account inquiries using Amazon </a:t>
-            </a:r>
-            <a:r>
-              <a:rPr lang="en-US" sz="2200" dirty="0" err="1"/>
-              <a:t>Alexa</a:t>
-            </a:r>
-            <a:r>
-              <a:rPr lang="en-US" sz="2200" dirty="0"/>
-              <a:t> (e.g., Capital One).</a:t>
-            </a:r>
-          </a:p>
-          <a:p>
-            <a:pPr marL="829818" lvl="1" indent="-342900"/>
-            <a:r>
-              <a:rPr lang="en-US" sz="2200" dirty="0"/>
-              <a:t>Fraud detection and anti–money-laundering activities; also improving customer experience (Bank </a:t>
-            </a:r>
-            <a:r>
-              <a:rPr lang="en-US" sz="2200" dirty="0" err="1"/>
-              <a:t>Danamon</a:t>
-            </a:r>
-            <a:r>
-              <a:rPr lang="en-US" sz="2200" dirty="0"/>
-              <a:t>).</a:t>
-            </a:r>
-          </a:p>
-          <a:p>
-            <a:pPr marL="829818" lvl="1" indent="-342900"/>
-            <a:r>
-              <a:rPr lang="en-US" sz="2200" dirty="0"/>
-              <a:t>Victual banking assistant, Olivia at </a:t>
-            </a:r>
-            <a:r>
-              <a:rPr lang="en-US" sz="2200" spc="-300" dirty="0"/>
-              <a:t>H S B </a:t>
-            </a:r>
-            <a:r>
-              <a:rPr lang="en-US" sz="2200" dirty="0"/>
-              <a:t>C, learn from experience and helps customer better.</a:t>
-            </a:r>
-          </a:p>
-        </p:txBody>
-      </p:sp>
-    </p:spTree>
-    <p:extLst>
-      <p:ext uri="{BB962C8B-B14F-4D97-AF65-F5344CB8AC3E}">
-        <p14:creationId xmlns:p14="http://schemas.microsoft.com/office/powerpoint/2010/main" val="3975467506"/>
-      </p:ext>
-    </p:extLst>
-  </p:cSld>
-  <p:clrMapOvr>
-    <a:masterClrMapping/>
-  </p:clrMapOvr>
-</p:sld>
-</file>
-
-<file path=ppt/slides/slide39.xml><?xml version="1.0" encoding="utf-8"?>
-<p:sld xmlns:a="http://schemas.openxmlformats.org/drawingml/2006/main" xmlns:r="http://schemas.openxmlformats.org/officeDocument/2006/relationships" xmlns:p="http://schemas.openxmlformats.org/presentationml/2006/main">
-  <p:cSld>
-    <p:spTree>
-      <p:nvGrpSpPr>
-        <p:cNvPr id="1" name=""/>
-        <p:cNvGrpSpPr/>
-        <p:nvPr/>
-      </p:nvGrpSpPr>
-      <p:grpSpPr>
-        <a:xfrm>
-          <a:off x="0" y="0"/>
-          <a:ext cx="0" cy="0"/>
-          <a:chOff x="0" y="0"/>
-          <a:chExt cx="0" cy="0"/>
-        </a:xfrm>
-      </p:grpSpPr>
-      <p:sp>
-        <p:nvSpPr>
-          <p:cNvPr id="2" name="Title 1"/>
-          <p:cNvSpPr>
-            <a:spLocks noGrp="1"/>
-          </p:cNvSpPr>
-          <p:nvPr>
-            <p:ph type="title"/>
-          </p:nvPr>
-        </p:nvSpPr>
-        <p:spPr>
-          <a:xfrm>
-            <a:off x="457200" y="73997"/>
-            <a:ext cx="8153400" cy="553998"/>
-          </a:xfrm>
-        </p:spPr>
-        <p:txBody>
-          <a:bodyPr wrap="square">
-            <a:spAutoFit/>
-          </a:bodyPr>
-          <a:lstStyle/>
-          <a:p>
-            <a:r>
-              <a:rPr lang="en-US" sz="3600" dirty="0">
-                <a:latin typeface="+mj-lt"/>
-              </a:rPr>
-              <a:t>Application Case 2.5</a:t>
-            </a:r>
-          </a:p>
-        </p:txBody>
-      </p:sp>
-      <p:sp>
-        <p:nvSpPr>
-          <p:cNvPr id="3" name="Content Placeholder 2"/>
-          <p:cNvSpPr>
-            <a:spLocks noGrp="1"/>
-          </p:cNvSpPr>
-          <p:nvPr>
-            <p:ph idx="1"/>
-          </p:nvPr>
-        </p:nvSpPr>
-        <p:spPr>
-          <a:xfrm>
-            <a:off x="457200" y="714375"/>
-            <a:ext cx="8153400" cy="430887"/>
-          </a:xfrm>
-        </p:spPr>
-        <p:txBody>
-          <a:bodyPr wrap="square">
-            <a:spAutoFit/>
-          </a:bodyPr>
-          <a:lstStyle/>
-          <a:p>
-            <a:pPr marL="0" lvl="0" indent="0">
-              <a:spcBef>
-                <a:spcPts val="0"/>
-              </a:spcBef>
-              <a:buClr>
-                <a:schemeClr val="lt1"/>
-              </a:buClr>
-              <a:buSzPct val="25000"/>
-              <a:buNone/>
-              <a:tabLst>
-                <a:tab pos="628650" algn="l"/>
-              </a:tabLst>
-            </a:pPr>
-            <a:r>
-              <a:rPr lang="en-IN" sz="2800" b="1" spc="-300" dirty="0">
-                <a:solidFill>
-                  <a:srgbClr val="007FA3"/>
-                </a:solidFill>
-              </a:rPr>
-              <a:t>U </a:t>
-            </a:r>
-            <a:r>
-              <a:rPr lang="en-IN" sz="2800" b="1" dirty="0">
-                <a:solidFill>
-                  <a:srgbClr val="007FA3"/>
-                </a:solidFill>
-              </a:rPr>
-              <a:t>S Bank Customer Recognition and Services</a:t>
-            </a:r>
-            <a:endParaRPr lang="en-US" sz="2800" b="1" dirty="0"/>
-          </a:p>
-        </p:txBody>
-      </p:sp>
-      <p:sp>
-        <p:nvSpPr>
-          <p:cNvPr id="4" name="Content Placeholder 3"/>
-          <p:cNvSpPr>
-            <a:spLocks noGrp="1"/>
-          </p:cNvSpPr>
-          <p:nvPr>
-            <p:ph idx="13"/>
-          </p:nvPr>
-        </p:nvSpPr>
-        <p:spPr>
-          <a:xfrm>
-            <a:off x="457200" y="1371600"/>
-            <a:ext cx="8153400" cy="2115964"/>
-          </a:xfrm>
-        </p:spPr>
-        <p:txBody>
-          <a:bodyPr>
-            <a:spAutoFit/>
-          </a:bodyPr>
-          <a:lstStyle/>
-          <a:p>
-            <a:pPr marL="0" indent="0">
-              <a:buNone/>
-            </a:pPr>
-            <a:r>
-              <a:rPr lang="en-US" sz="2400" b="1" dirty="0"/>
-              <a:t>Questions for Discussion:</a:t>
-            </a:r>
-          </a:p>
-          <a:p>
-            <a:pPr marL="514350" indent="-514350">
-              <a:buFont typeface="+mj-lt"/>
-              <a:buAutoNum type="arabicPeriod"/>
-            </a:pPr>
-            <a:r>
-              <a:rPr lang="en-US" sz="2400" dirty="0"/>
-              <a:t>What are Einstein’s advantages to </a:t>
-            </a:r>
-            <a:r>
-              <a:rPr lang="en-US" sz="2400" spc="-300" dirty="0"/>
-              <a:t>U </a:t>
-            </a:r>
-            <a:r>
-              <a:rPr lang="en-US" sz="2400" dirty="0"/>
-              <a:t>S Bank?</a:t>
-            </a:r>
-          </a:p>
-          <a:p>
-            <a:pPr marL="514350" indent="-514350">
-              <a:buFont typeface="+mj-lt"/>
-              <a:buAutoNum type="arabicPeriod"/>
-            </a:pPr>
-            <a:r>
-              <a:rPr lang="en-US" sz="2400" dirty="0"/>
-              <a:t>What are its advantages to customers?</a:t>
-            </a:r>
-          </a:p>
-          <a:p>
-            <a:pPr marL="514350" indent="-514350">
-              <a:buFont typeface="+mj-lt"/>
-              <a:buAutoNum type="arabicPeriod"/>
-            </a:pPr>
-            <a:r>
-              <a:rPr lang="en-US" sz="2400" dirty="0"/>
-              <a:t>What are the benefits of voice communication?</a:t>
-            </a:r>
-          </a:p>
-        </p:txBody>
-      </p:sp>
-    </p:spTree>
-    <p:extLst>
-      <p:ext uri="{BB962C8B-B14F-4D97-AF65-F5344CB8AC3E}">
-        <p14:creationId xmlns:p14="http://schemas.microsoft.com/office/powerpoint/2010/main" val="552183496"/>
-      </p:ext>
-    </p:extLst>
-  </p:cSld>
-  <p:clrMapOvr>
-    <a:masterClrMapping/>
-  </p:clrMapOvr>
-</p:sld>
-</file>
-
-<file path=ppt/slides/slide4.xml><?xml version="1.0" encoding="utf-8"?>
-<p:sld xmlns:a="http://schemas.openxmlformats.org/drawingml/2006/main" xmlns:r="http://schemas.openxmlformats.org/officeDocument/2006/relationships" xmlns:p="http://schemas.openxmlformats.org/presentationml/2006/main">
-  <p:cSld>
-    <p:spTree>
-      <p:nvGrpSpPr>
-        <p:cNvPr id="1" name=""/>
-        <p:cNvGrpSpPr/>
-        <p:nvPr/>
-      </p:nvGrpSpPr>
-      <p:grpSpPr>
-        <a:xfrm>
-          <a:off x="0" y="0"/>
-          <a:ext cx="0" cy="0"/>
-          <a:chOff x="0" y="0"/>
-          <a:chExt cx="0" cy="0"/>
-        </a:xfrm>
-      </p:grpSpPr>
-      <p:sp>
-        <p:nvSpPr>
-          <p:cNvPr id="2" name="Title 1"/>
-          <p:cNvSpPr>
-            <a:spLocks noGrp="1"/>
-          </p:cNvSpPr>
-          <p:nvPr>
-            <p:ph type="title"/>
-          </p:nvPr>
-        </p:nvSpPr>
-        <p:spPr>
-          <a:xfrm>
-            <a:off x="457200" y="73997"/>
-            <a:ext cx="8153400" cy="553998"/>
-          </a:xfrm>
-        </p:spPr>
-        <p:txBody>
-          <a:bodyPr wrap="square">
-            <a:spAutoFit/>
-          </a:bodyPr>
-          <a:lstStyle/>
-          <a:p>
-            <a:r>
-              <a:rPr lang="en-US" sz="3600" dirty="0">
-                <a:latin typeface="+mj-lt"/>
-              </a:rPr>
-              <a:t>Opening Vignette </a:t>
-            </a:r>
-            <a:r>
-              <a:rPr lang="en-US" sz="2800" dirty="0">
-                <a:latin typeface="+mj-lt"/>
-              </a:rPr>
-              <a:t>(1 of 2)</a:t>
-            </a:r>
-            <a:endParaRPr lang="en-US" sz="3600" dirty="0">
-              <a:latin typeface="+mj-lt"/>
-            </a:endParaRPr>
-          </a:p>
-        </p:txBody>
-      </p:sp>
-      <p:sp>
-        <p:nvSpPr>
-          <p:cNvPr id="3" name="Content Placeholder 2"/>
-          <p:cNvSpPr>
-            <a:spLocks noGrp="1"/>
-          </p:cNvSpPr>
-          <p:nvPr>
-            <p:ph idx="1"/>
-          </p:nvPr>
-        </p:nvSpPr>
-        <p:spPr>
-          <a:xfrm>
-            <a:off x="457200" y="714375"/>
-            <a:ext cx="8153400" cy="430887"/>
-          </a:xfrm>
-        </p:spPr>
-        <p:txBody>
-          <a:bodyPr wrap="square">
-            <a:spAutoFit/>
-          </a:bodyPr>
-          <a:lstStyle/>
-          <a:p>
-            <a:pPr marL="0" lvl="0" indent="0">
-              <a:spcBef>
-                <a:spcPts val="0"/>
-              </a:spcBef>
-              <a:buClr>
-                <a:schemeClr val="lt1"/>
-              </a:buClr>
-              <a:buSzPct val="25000"/>
-              <a:buNone/>
-              <a:tabLst>
-                <a:tab pos="628650" algn="l"/>
-              </a:tabLst>
-            </a:pPr>
-            <a:r>
-              <a:rPr lang="en-IN" sz="2800" b="1" spc="-400" dirty="0">
-                <a:solidFill>
-                  <a:srgbClr val="007FA3"/>
-                </a:solidFill>
-              </a:rPr>
-              <a:t>I N R I </a:t>
-            </a:r>
-            <a:r>
-              <a:rPr lang="en-IN" sz="2800" b="1" dirty="0">
-                <a:solidFill>
-                  <a:srgbClr val="007FA3"/>
-                </a:solidFill>
-              </a:rPr>
-              <a:t>X Solves Transportation Problems</a:t>
-            </a:r>
-            <a:endParaRPr lang="en-US" sz="2800" b="1" dirty="0"/>
-          </a:p>
-        </p:txBody>
-      </p:sp>
-      <p:sp>
-        <p:nvSpPr>
-          <p:cNvPr id="4" name="Content Placeholder 3"/>
-          <p:cNvSpPr>
-            <a:spLocks noGrp="1"/>
-          </p:cNvSpPr>
-          <p:nvPr>
-            <p:ph idx="13"/>
-          </p:nvPr>
-        </p:nvSpPr>
-        <p:spPr>
-          <a:xfrm>
-            <a:off x="457200" y="1371600"/>
-            <a:ext cx="8153400" cy="2054409"/>
-          </a:xfrm>
-        </p:spPr>
-        <p:txBody>
-          <a:bodyPr>
-            <a:spAutoFit/>
-          </a:bodyPr>
-          <a:lstStyle/>
-          <a:p>
-            <a:pPr marL="285750" indent="-285750"/>
-            <a:r>
-              <a:rPr lang="en-US" sz="2400" dirty="0">
-                <a:hlinkClick r:id="rId3" tooltip="http://www.inrix.com"/>
-              </a:rPr>
-              <a:t>http://www.inrix.com</a:t>
-            </a:r>
-            <a:r>
-              <a:rPr lang="en-US" sz="2400" dirty="0">
-                <a:hlinkClick r:id="rId3"/>
-              </a:rPr>
-              <a:t>  </a:t>
-            </a:r>
-            <a:endParaRPr lang="en-US" sz="2400" dirty="0"/>
-          </a:p>
-          <a:p>
-            <a:pPr marL="285750" indent="-285750"/>
-            <a:r>
-              <a:rPr lang="en-US" sz="2400" dirty="0"/>
-              <a:t>The problem…</a:t>
-            </a:r>
-          </a:p>
-          <a:p>
-            <a:pPr marL="285750" indent="-285750"/>
-            <a:r>
-              <a:rPr lang="en-US" sz="2400" dirty="0"/>
-              <a:t>The solution…</a:t>
-            </a:r>
-          </a:p>
-          <a:p>
-            <a:pPr marL="285750" indent="-285750"/>
-            <a:r>
-              <a:rPr lang="en-US" sz="2400" dirty="0"/>
-              <a:t>The results…</a:t>
-            </a:r>
-          </a:p>
-        </p:txBody>
-      </p:sp>
-    </p:spTree>
-    <p:extLst>
-      <p:ext uri="{BB962C8B-B14F-4D97-AF65-F5344CB8AC3E}">
-        <p14:creationId xmlns:p14="http://schemas.microsoft.com/office/powerpoint/2010/main" val="3979888679"/>
-      </p:ext>
-    </p:extLst>
-  </p:cSld>
-  <p:clrMapOvr>
-    <a:masterClrMapping/>
-  </p:clrMapOvr>
-</p:sld>
-</file>
-
-<file path=ppt/slides/slide40.xml><?xml version="1.0" encoding="utf-8"?>
-<p:sld xmlns:a="http://schemas.openxmlformats.org/drawingml/2006/main" xmlns:r="http://schemas.openxmlformats.org/officeDocument/2006/relationships" xmlns:p="http://schemas.openxmlformats.org/presentationml/2006/main">
-  <p:cSld>
-    <p:spTree>
-      <p:nvGrpSpPr>
-        <p:cNvPr id="1" name=""/>
-        <p:cNvGrpSpPr/>
-        <p:nvPr/>
-      </p:nvGrpSpPr>
-      <p:grpSpPr>
-        <a:xfrm>
-          <a:off x="0" y="0"/>
-          <a:ext cx="0" cy="0"/>
-          <a:chOff x="0" y="0"/>
-          <a:chExt cx="0" cy="0"/>
-        </a:xfrm>
-      </p:grpSpPr>
-      <p:sp>
-        <p:nvSpPr>
-          <p:cNvPr id="2" name="Title 1"/>
-          <p:cNvSpPr>
-            <a:spLocks noGrp="1"/>
-          </p:cNvSpPr>
-          <p:nvPr>
-            <p:ph type="title"/>
-          </p:nvPr>
-        </p:nvSpPr>
-        <p:spPr>
-          <a:xfrm>
-            <a:off x="457200" y="62212"/>
-            <a:ext cx="8153400" cy="984885"/>
-          </a:xfrm>
-        </p:spPr>
-        <p:txBody>
-          <a:bodyPr wrap="square">
-            <a:spAutoFit/>
-          </a:bodyPr>
-          <a:lstStyle/>
-          <a:p>
-            <a:r>
-              <a:rPr lang="en-US" sz="3600" spc="-450" dirty="0">
-                <a:latin typeface="+mj-lt"/>
-              </a:rPr>
-              <a:t>A </a:t>
-            </a:r>
-            <a:r>
-              <a:rPr lang="en-US" sz="3600" dirty="0">
-                <a:latin typeface="+mj-lt"/>
-              </a:rPr>
-              <a:t>I in Human Resource Management </a:t>
-            </a:r>
-            <a:r>
-              <a:rPr lang="en-US" sz="2800" dirty="0">
-                <a:latin typeface="+mj-lt"/>
-              </a:rPr>
-              <a:t>(1 of 2)</a:t>
-            </a:r>
-          </a:p>
-        </p:txBody>
-      </p:sp>
-      <p:sp>
-        <p:nvSpPr>
-          <p:cNvPr id="4" name="Content Placeholder 3"/>
-          <p:cNvSpPr>
-            <a:spLocks noGrp="1"/>
-          </p:cNvSpPr>
-          <p:nvPr>
-            <p:ph idx="13"/>
-          </p:nvPr>
-        </p:nvSpPr>
-        <p:spPr>
-          <a:xfrm>
-            <a:off x="457200" y="1369537"/>
-            <a:ext cx="8153400" cy="4324261"/>
-          </a:xfrm>
-        </p:spPr>
-        <p:txBody>
-          <a:bodyPr>
-            <a:spAutoFit/>
-          </a:bodyPr>
-          <a:lstStyle/>
-          <a:p>
-            <a:r>
-              <a:rPr lang="en-US" sz="2400" dirty="0"/>
-              <a:t>Recruitment – talent acquisition</a:t>
-            </a:r>
-          </a:p>
-          <a:p>
-            <a:pPr marL="829818" lvl="1" indent="-342900"/>
-            <a:r>
-              <a:rPr lang="en-US" sz="2400" dirty="0"/>
-              <a:t>See Application Case 2.6 for an example </a:t>
-            </a:r>
-          </a:p>
-          <a:p>
-            <a:r>
-              <a:rPr lang="en-US" sz="2400" dirty="0"/>
-              <a:t>Training – </a:t>
-            </a:r>
-            <a:r>
-              <a:rPr lang="en-US" sz="2400" spc="-300" dirty="0"/>
-              <a:t>A </a:t>
-            </a:r>
-            <a:r>
-              <a:rPr lang="en-US" sz="2400" dirty="0"/>
-              <a:t>I facilitates training</a:t>
-            </a:r>
-          </a:p>
-          <a:p>
-            <a:r>
-              <a:rPr lang="en-US" sz="2400" dirty="0"/>
-              <a:t>Performance assessment (evaluation) </a:t>
-            </a:r>
-          </a:p>
-          <a:p>
-            <a:r>
-              <a:rPr lang="en-US" sz="2400" dirty="0"/>
-              <a:t>Retention –eliminating attrition</a:t>
-            </a:r>
-          </a:p>
-          <a:p>
-            <a:pPr marL="829818" lvl="1" indent="-342900"/>
-            <a:r>
-              <a:rPr lang="en-US" sz="2400" dirty="0"/>
-              <a:t>Predicting attrition way ahead of time to eliminate loss of talent </a:t>
-            </a:r>
-          </a:p>
-          <a:p>
-            <a:r>
-              <a:rPr lang="en-US" sz="2400" dirty="0"/>
-              <a:t>Using </a:t>
-            </a:r>
-            <a:r>
-              <a:rPr lang="en-US" sz="2400" dirty="0" err="1"/>
-              <a:t>chatbots</a:t>
-            </a:r>
-            <a:r>
-              <a:rPr lang="en-US" sz="2400" dirty="0"/>
-              <a:t> for supporting </a:t>
-            </a:r>
-            <a:r>
-              <a:rPr lang="en-US" sz="2400" spc="-300" dirty="0"/>
-              <a:t>H R </a:t>
-            </a:r>
-            <a:r>
-              <a:rPr lang="en-US" sz="2400" dirty="0"/>
-              <a:t>M</a:t>
-            </a:r>
-          </a:p>
-          <a:p>
-            <a:pPr marL="829818" lvl="1" indent="-342900"/>
-            <a:r>
-              <a:rPr lang="en-US" sz="2400" dirty="0"/>
-              <a:t>See olivia.paradox.ai.</a:t>
-            </a:r>
-          </a:p>
-        </p:txBody>
-      </p:sp>
-    </p:spTree>
-    <p:extLst>
-      <p:ext uri="{BB962C8B-B14F-4D97-AF65-F5344CB8AC3E}">
-        <p14:creationId xmlns:p14="http://schemas.microsoft.com/office/powerpoint/2010/main" val="2826754590"/>
-      </p:ext>
-    </p:extLst>
-  </p:cSld>
-  <p:clrMapOvr>
-    <a:masterClrMapping/>
-  </p:clrMapOvr>
-</p:sld>
-</file>
-
-<file path=ppt/slides/slide41.xml><?xml version="1.0" encoding="utf-8"?>
-<p:sld xmlns:a="http://schemas.openxmlformats.org/drawingml/2006/main" xmlns:r="http://schemas.openxmlformats.org/officeDocument/2006/relationships" xmlns:p="http://schemas.openxmlformats.org/presentationml/2006/main">
-  <p:cSld>
-    <p:spTree>
-      <p:nvGrpSpPr>
-        <p:cNvPr id="1" name=""/>
-        <p:cNvGrpSpPr/>
-        <p:nvPr/>
-      </p:nvGrpSpPr>
-      <p:grpSpPr>
-        <a:xfrm>
-          <a:off x="0" y="0"/>
-          <a:ext cx="0" cy="0"/>
-          <a:chOff x="0" y="0"/>
-          <a:chExt cx="0" cy="0"/>
-        </a:xfrm>
-      </p:grpSpPr>
-      <p:sp>
-        <p:nvSpPr>
-          <p:cNvPr id="2" name="Title 1"/>
-          <p:cNvSpPr>
-            <a:spLocks noGrp="1"/>
-          </p:cNvSpPr>
-          <p:nvPr>
-            <p:ph type="title"/>
-          </p:nvPr>
-        </p:nvSpPr>
-        <p:spPr>
-          <a:xfrm>
-            <a:off x="457200" y="62212"/>
-            <a:ext cx="8153400" cy="984885"/>
-          </a:xfrm>
-        </p:spPr>
-        <p:txBody>
-          <a:bodyPr wrap="square">
-            <a:spAutoFit/>
-          </a:bodyPr>
-          <a:lstStyle/>
-          <a:p>
-            <a:r>
-              <a:rPr lang="en-US" sz="3600" spc="-450" dirty="0">
-                <a:latin typeface="+mj-lt"/>
-              </a:rPr>
-              <a:t>A </a:t>
-            </a:r>
-            <a:r>
-              <a:rPr lang="en-US" sz="3600" dirty="0">
-                <a:latin typeface="+mj-lt"/>
-              </a:rPr>
-              <a:t>I in Human Resource Management </a:t>
-            </a:r>
-            <a:r>
-              <a:rPr lang="en-US" sz="2800" dirty="0">
-                <a:latin typeface="+mj-lt"/>
-              </a:rPr>
-              <a:t>(2 of 2)</a:t>
-            </a:r>
-          </a:p>
-        </p:txBody>
-      </p:sp>
-      <p:sp>
-        <p:nvSpPr>
-          <p:cNvPr id="4" name="Content Placeholder 3"/>
-          <p:cNvSpPr>
-            <a:spLocks noGrp="1"/>
-          </p:cNvSpPr>
-          <p:nvPr>
-            <p:ph idx="13"/>
-          </p:nvPr>
-        </p:nvSpPr>
-        <p:spPr>
-          <a:xfrm>
-            <a:off x="457200" y="1369537"/>
-            <a:ext cx="8153400" cy="4508927"/>
-          </a:xfrm>
-        </p:spPr>
-        <p:txBody>
-          <a:bodyPr>
-            <a:spAutoFit/>
-          </a:bodyPr>
-          <a:lstStyle/>
-          <a:p>
-            <a:pPr marL="285750" indent="-285750"/>
-            <a:r>
-              <a:rPr lang="en-US" sz="2400" dirty="0"/>
-              <a:t>Introducing </a:t>
-            </a:r>
-            <a:r>
-              <a:rPr lang="en-US" sz="2400" spc="-300" dirty="0"/>
-              <a:t>A </a:t>
-            </a:r>
-            <a:r>
-              <a:rPr lang="en-US" sz="2400" dirty="0"/>
-              <a:t>I to </a:t>
-            </a:r>
-            <a:r>
-              <a:rPr lang="en-US" sz="2400" spc="-300" dirty="0"/>
-              <a:t>H R </a:t>
-            </a:r>
-            <a:r>
-              <a:rPr lang="en-US" sz="2400" dirty="0"/>
-              <a:t>M operations:</a:t>
-            </a:r>
-          </a:p>
-          <a:p>
-            <a:pPr marL="1001268" lvl="1" indent="-514350">
-              <a:buFont typeface="+mj-lt"/>
-              <a:buAutoNum type="arabicPeriod"/>
-            </a:pPr>
-            <a:r>
-              <a:rPr lang="en-US" sz="2400" dirty="0"/>
-              <a:t>Experiment with a variety of </a:t>
-            </a:r>
-            <a:r>
-              <a:rPr lang="en-US" sz="2400" dirty="0" err="1"/>
-              <a:t>chatbots</a:t>
-            </a:r>
-            <a:endParaRPr lang="en-US" sz="2400" dirty="0"/>
-          </a:p>
-          <a:p>
-            <a:pPr marL="1001268" lvl="1" indent="-514350">
-              <a:buFont typeface="+mj-lt"/>
-              <a:buAutoNum type="arabicPeriod"/>
-            </a:pPr>
-            <a:r>
-              <a:rPr lang="en-US" sz="2400" dirty="0"/>
-              <a:t>Develop a team approach involving other functional areas</a:t>
-            </a:r>
-          </a:p>
-          <a:p>
-            <a:pPr marL="1001268" lvl="1" indent="-514350">
-              <a:buFont typeface="+mj-lt"/>
-              <a:buAutoNum type="arabicPeriod"/>
-            </a:pPr>
-            <a:r>
-              <a:rPr lang="en-US" sz="2400" dirty="0"/>
-              <a:t>Properly plan a technology roadmap for both the short and long term, including shared vision with other functional areas</a:t>
-            </a:r>
-          </a:p>
-          <a:p>
-            <a:pPr marL="1001268" lvl="1" indent="-514350">
-              <a:buFont typeface="+mj-lt"/>
-              <a:buAutoNum type="arabicPeriod"/>
-            </a:pPr>
-            <a:r>
-              <a:rPr lang="en-US" sz="2400" dirty="0"/>
-              <a:t>Identify new job roles and modifications in existing job roles in the transformed environment</a:t>
-            </a:r>
-          </a:p>
-          <a:p>
-            <a:pPr marL="1001268" lvl="1" indent="-514350">
-              <a:buFont typeface="+mj-lt"/>
-              <a:buAutoNum type="arabicPeriod"/>
-            </a:pPr>
-            <a:r>
-              <a:rPr lang="en-US" sz="2400" dirty="0"/>
-              <a:t>Train and educate the </a:t>
-            </a:r>
-            <a:r>
-              <a:rPr lang="en-US" sz="2400" spc="-300" dirty="0"/>
-              <a:t>H R </a:t>
-            </a:r>
-            <a:r>
-              <a:rPr lang="en-US" sz="2400" dirty="0"/>
-              <a:t>M team to understand </a:t>
-            </a:r>
-            <a:r>
-              <a:rPr lang="en-US" sz="2400" spc="-300" dirty="0"/>
-              <a:t>A </a:t>
-            </a:r>
-            <a:r>
-              <a:rPr lang="en-US" sz="2400" dirty="0"/>
-              <a:t>I and gain expertise in it.</a:t>
-            </a:r>
-          </a:p>
-        </p:txBody>
-      </p:sp>
-    </p:spTree>
-    <p:extLst>
-      <p:ext uri="{BB962C8B-B14F-4D97-AF65-F5344CB8AC3E}">
-        <p14:creationId xmlns:p14="http://schemas.microsoft.com/office/powerpoint/2010/main" val="185257813"/>
-      </p:ext>
-    </p:extLst>
-  </p:cSld>
-  <p:clrMapOvr>
-    <a:masterClrMapping/>
-  </p:clrMapOvr>
-</p:sld>
-</file>
-
-<file path=ppt/slides/slide42.xml><?xml version="1.0" encoding="utf-8"?>
-<p:sld xmlns:a="http://schemas.openxmlformats.org/drawingml/2006/main" xmlns:r="http://schemas.openxmlformats.org/officeDocument/2006/relationships" xmlns:p="http://schemas.openxmlformats.org/presentationml/2006/main">
-  <p:cSld>
-    <p:spTree>
-      <p:nvGrpSpPr>
-        <p:cNvPr id="1" name=""/>
-        <p:cNvGrpSpPr/>
-        <p:nvPr/>
-      </p:nvGrpSpPr>
-      <p:grpSpPr>
-        <a:xfrm>
-          <a:off x="0" y="0"/>
-          <a:ext cx="0" cy="0"/>
-          <a:chOff x="0" y="0"/>
-          <a:chExt cx="0" cy="0"/>
-        </a:xfrm>
-      </p:grpSpPr>
-      <p:sp>
-        <p:nvSpPr>
-          <p:cNvPr id="2" name="Title 1"/>
-          <p:cNvSpPr>
-            <a:spLocks noGrp="1"/>
-          </p:cNvSpPr>
-          <p:nvPr>
-            <p:ph type="title"/>
-          </p:nvPr>
-        </p:nvSpPr>
-        <p:spPr>
-          <a:xfrm>
-            <a:off x="457200" y="73997"/>
-            <a:ext cx="8153400" cy="553998"/>
-          </a:xfrm>
-        </p:spPr>
-        <p:txBody>
-          <a:bodyPr wrap="square">
-            <a:spAutoFit/>
-          </a:bodyPr>
-          <a:lstStyle/>
-          <a:p>
-            <a:r>
-              <a:rPr lang="en-US" sz="3600" dirty="0">
-                <a:latin typeface="+mj-lt"/>
-              </a:rPr>
-              <a:t>Application Case 2.6</a:t>
-            </a:r>
-          </a:p>
-        </p:txBody>
-      </p:sp>
-      <p:sp>
-        <p:nvSpPr>
-          <p:cNvPr id="3" name="Content Placeholder 2"/>
-          <p:cNvSpPr>
-            <a:spLocks noGrp="1"/>
-          </p:cNvSpPr>
-          <p:nvPr>
-            <p:ph idx="1"/>
-          </p:nvPr>
-        </p:nvSpPr>
-        <p:spPr>
-          <a:xfrm>
-            <a:off x="457200" y="714375"/>
-            <a:ext cx="8153400" cy="861774"/>
-          </a:xfrm>
-        </p:spPr>
-        <p:txBody>
-          <a:bodyPr wrap="square">
-            <a:spAutoFit/>
-          </a:bodyPr>
-          <a:lstStyle/>
-          <a:p>
-            <a:pPr marL="0" lvl="0" indent="0">
-              <a:spcBef>
-                <a:spcPts val="0"/>
-              </a:spcBef>
-              <a:buClr>
-                <a:schemeClr val="lt1"/>
-              </a:buClr>
-              <a:buSzPct val="25000"/>
-              <a:buNone/>
-              <a:tabLst>
-                <a:tab pos="628650" algn="l"/>
-              </a:tabLst>
-            </a:pPr>
-            <a:r>
-              <a:rPr lang="en-IN" sz="2800" b="1" dirty="0">
-                <a:solidFill>
-                  <a:srgbClr val="007FA3"/>
-                </a:solidFill>
-              </a:rPr>
-              <a:t>How Alexander Mann Solutions (</a:t>
-            </a:r>
-            <a:r>
-              <a:rPr lang="en-IN" sz="2800" b="1" spc="-300" dirty="0">
-                <a:solidFill>
-                  <a:srgbClr val="007FA3"/>
-                </a:solidFill>
-              </a:rPr>
-              <a:t>A M </a:t>
-            </a:r>
-            <a:r>
-              <a:rPr lang="en-IN" sz="2800" b="1" dirty="0">
-                <a:solidFill>
-                  <a:srgbClr val="007FA3"/>
-                </a:solidFill>
-              </a:rPr>
-              <a:t>S) Is Using </a:t>
-            </a:r>
-            <a:r>
-              <a:rPr lang="en-IN" sz="2800" b="1" spc="-300" dirty="0">
-                <a:solidFill>
-                  <a:srgbClr val="007FA3"/>
-                </a:solidFill>
-              </a:rPr>
-              <a:t>A </a:t>
-            </a:r>
-            <a:r>
-              <a:rPr lang="en-IN" sz="2800" b="1" dirty="0">
-                <a:solidFill>
-                  <a:srgbClr val="007FA3"/>
-                </a:solidFill>
-              </a:rPr>
-              <a:t>I to Support the Recruiting Process</a:t>
-            </a:r>
-            <a:endParaRPr lang="en-US" sz="2800" b="1" dirty="0"/>
-          </a:p>
-        </p:txBody>
-      </p:sp>
-      <p:sp>
-        <p:nvSpPr>
-          <p:cNvPr id="4" name="Content Placeholder 3"/>
-          <p:cNvSpPr>
-            <a:spLocks noGrp="1"/>
-          </p:cNvSpPr>
-          <p:nvPr>
-            <p:ph idx="13"/>
-          </p:nvPr>
-        </p:nvSpPr>
-        <p:spPr>
-          <a:xfrm>
-            <a:off x="457200" y="1819275"/>
-            <a:ext cx="8153400" cy="3608680"/>
-          </a:xfrm>
-        </p:spPr>
-        <p:txBody>
-          <a:bodyPr>
-            <a:spAutoFit/>
-          </a:bodyPr>
-          <a:lstStyle/>
-          <a:p>
-            <a:pPr marL="0" indent="0">
-              <a:buNone/>
-            </a:pPr>
-            <a:r>
-              <a:rPr lang="en-US" sz="2400" b="1" dirty="0"/>
-              <a:t>Questions for Discussion:</a:t>
-            </a:r>
-          </a:p>
-          <a:p>
-            <a:pPr marL="514350" indent="-514350">
-              <a:buFont typeface="+mj-lt"/>
-              <a:buAutoNum type="arabicPeriod"/>
-            </a:pPr>
-            <a:r>
-              <a:rPr lang="en-US" sz="2400" dirty="0"/>
-              <a:t>What types of decisions are supported?</a:t>
-            </a:r>
-          </a:p>
-          <a:p>
-            <a:pPr marL="514350" indent="-514350">
-              <a:buFont typeface="+mj-lt"/>
-              <a:buAutoNum type="arabicPeriod"/>
-            </a:pPr>
-            <a:r>
-              <a:rPr lang="en-US" sz="2400" dirty="0"/>
-              <a:t>Comment on the human–machine collaboration.</a:t>
-            </a:r>
-          </a:p>
-          <a:p>
-            <a:pPr marL="514350" indent="-514350">
-              <a:buFont typeface="+mj-lt"/>
-              <a:buAutoNum type="arabicPeriod"/>
-            </a:pPr>
-            <a:r>
-              <a:rPr lang="en-US" sz="2400" dirty="0"/>
-              <a:t>What are the benefits to recruiters? To applicants?</a:t>
-            </a:r>
-          </a:p>
-          <a:p>
-            <a:pPr marL="514350" indent="-514350">
-              <a:buFont typeface="+mj-lt"/>
-              <a:buAutoNum type="arabicPeriod"/>
-            </a:pPr>
-            <a:r>
-              <a:rPr lang="en-US" sz="2400" dirty="0"/>
-              <a:t>Which tasks in the recruiting process are fully automated?</a:t>
-            </a:r>
-          </a:p>
-          <a:p>
-            <a:pPr marL="514350" indent="-514350">
-              <a:buFont typeface="+mj-lt"/>
-              <a:buAutoNum type="arabicPeriod"/>
-            </a:pPr>
-            <a:r>
-              <a:rPr lang="en-US" sz="2400" dirty="0"/>
-              <a:t>What are the benefits of such automation?</a:t>
-            </a:r>
-          </a:p>
-        </p:txBody>
-      </p:sp>
-    </p:spTree>
-    <p:extLst>
-      <p:ext uri="{BB962C8B-B14F-4D97-AF65-F5344CB8AC3E}">
-        <p14:creationId xmlns:p14="http://schemas.microsoft.com/office/powerpoint/2010/main" val="524774550"/>
-      </p:ext>
-    </p:extLst>
-  </p:cSld>
-  <p:clrMapOvr>
-    <a:masterClrMapping/>
-  </p:clrMapOvr>
-</p:sld>
-</file>
-
-<file path=ppt/slides/slide43.xml><?xml version="1.0" encoding="utf-8"?>
-<p:sld xmlns:a="http://schemas.openxmlformats.org/drawingml/2006/main" xmlns:r="http://schemas.openxmlformats.org/officeDocument/2006/relationships" xmlns:p="http://schemas.openxmlformats.org/presentationml/2006/main">
-  <p:cSld>
-    <p:spTree>
-      <p:nvGrpSpPr>
-        <p:cNvPr id="1" name=""/>
-        <p:cNvGrpSpPr/>
-        <p:nvPr/>
-      </p:nvGrpSpPr>
-      <p:grpSpPr>
-        <a:xfrm>
-          <a:off x="0" y="0"/>
-          <a:ext cx="0" cy="0"/>
-          <a:chOff x="0" y="0"/>
-          <a:chExt cx="0" cy="0"/>
-        </a:xfrm>
-      </p:grpSpPr>
-      <p:sp>
-        <p:nvSpPr>
-          <p:cNvPr id="2" name="Title 1"/>
-          <p:cNvSpPr>
-            <a:spLocks noGrp="1"/>
-          </p:cNvSpPr>
-          <p:nvPr>
-            <p:ph type="title"/>
-          </p:nvPr>
-        </p:nvSpPr>
-        <p:spPr>
-          <a:xfrm>
-            <a:off x="457200" y="62211"/>
-            <a:ext cx="8153400" cy="984885"/>
-          </a:xfrm>
-        </p:spPr>
-        <p:txBody>
-          <a:bodyPr wrap="square">
-            <a:spAutoFit/>
-          </a:bodyPr>
-          <a:lstStyle/>
-          <a:p>
-            <a:r>
-              <a:rPr lang="en-US" sz="3600" spc="-450" dirty="0">
-                <a:latin typeface="+mj-lt"/>
-              </a:rPr>
-              <a:t>A </a:t>
-            </a:r>
-            <a:r>
-              <a:rPr lang="en-US" sz="3600" dirty="0">
-                <a:latin typeface="+mj-lt"/>
-              </a:rPr>
-              <a:t>I in Marketing, Advertising, &amp; </a:t>
-            </a:r>
-            <a:r>
-              <a:rPr lang="en-US" sz="3600" spc="-450" dirty="0">
-                <a:latin typeface="+mj-lt"/>
-              </a:rPr>
-              <a:t>C R </a:t>
-            </a:r>
-            <a:r>
-              <a:rPr lang="en-US" sz="3600" dirty="0">
-                <a:latin typeface="+mj-lt"/>
-              </a:rPr>
-              <a:t>M </a:t>
-            </a:r>
-            <a:r>
-              <a:rPr lang="en-US" sz="2800" dirty="0">
-                <a:latin typeface="+mj-lt"/>
-              </a:rPr>
-              <a:t>(1 of 2)</a:t>
-            </a:r>
-            <a:endParaRPr lang="en-US" sz="3600" dirty="0">
-              <a:latin typeface="+mj-lt"/>
-            </a:endParaRPr>
-          </a:p>
-        </p:txBody>
-      </p:sp>
-      <p:sp>
-        <p:nvSpPr>
-          <p:cNvPr id="4" name="Content Placeholder 3"/>
-          <p:cNvSpPr>
-            <a:spLocks noGrp="1"/>
-          </p:cNvSpPr>
-          <p:nvPr>
-            <p:ph idx="13"/>
-          </p:nvPr>
-        </p:nvSpPr>
-        <p:spPr>
-          <a:xfrm>
-            <a:off x="457200" y="1369537"/>
-            <a:ext cx="8153400" cy="4001095"/>
-          </a:xfrm>
-        </p:spPr>
-        <p:txBody>
-          <a:bodyPr>
-            <a:spAutoFit/>
-          </a:bodyPr>
-          <a:lstStyle/>
-          <a:p>
-            <a:pPr marL="285750" indent="-285750"/>
-            <a:r>
-              <a:rPr lang="en-US" sz="2400" dirty="0"/>
-              <a:t>One of the richest area for </a:t>
-            </a:r>
-            <a:r>
-              <a:rPr lang="en-US" sz="2400" spc="-300" dirty="0"/>
-              <a:t>A </a:t>
-            </a:r>
-            <a:r>
-              <a:rPr lang="en-US" sz="2400" dirty="0"/>
-              <a:t>I applications:</a:t>
-            </a:r>
-          </a:p>
-          <a:p>
-            <a:pPr marL="1001268" lvl="1" indent="-514350">
-              <a:buFont typeface="+mj-lt"/>
-              <a:buAutoNum type="arabicPeriod"/>
-            </a:pPr>
-            <a:r>
-              <a:rPr lang="en-US" sz="2400" dirty="0"/>
-              <a:t>Product and personal recommendations</a:t>
-            </a:r>
-          </a:p>
-          <a:p>
-            <a:pPr marL="1001268" lvl="1" indent="-514350">
-              <a:buFont typeface="+mj-lt"/>
-              <a:buAutoNum type="arabicPeriod"/>
-            </a:pPr>
-            <a:r>
-              <a:rPr lang="en-US" sz="2400" dirty="0"/>
-              <a:t>Smart search engines</a:t>
-            </a:r>
-          </a:p>
-          <a:p>
-            <a:pPr marL="1001268" lvl="1" indent="-514350">
-              <a:buFont typeface="+mj-lt"/>
-              <a:buAutoNum type="arabicPeriod"/>
-            </a:pPr>
-            <a:r>
-              <a:rPr lang="en-US" sz="2400" dirty="0"/>
-              <a:t>Fraud and data breaches detection</a:t>
-            </a:r>
-          </a:p>
-          <a:p>
-            <a:pPr marL="1001268" lvl="1" indent="-514350">
-              <a:buFont typeface="+mj-lt"/>
-              <a:buAutoNum type="arabicPeriod"/>
-            </a:pPr>
-            <a:r>
-              <a:rPr lang="en-US" sz="2400" dirty="0"/>
-              <a:t>Social semantics</a:t>
-            </a:r>
-          </a:p>
-          <a:p>
-            <a:pPr marL="1001268" lvl="1" indent="-514350">
-              <a:buFont typeface="+mj-lt"/>
-              <a:buAutoNum type="arabicPeriod"/>
-            </a:pPr>
-            <a:r>
-              <a:rPr lang="en-US" sz="2400" dirty="0"/>
-              <a:t>Web site design</a:t>
-            </a:r>
-          </a:p>
-          <a:p>
-            <a:pPr marL="1001268" lvl="1" indent="-514350">
-              <a:buFont typeface="+mj-lt"/>
-              <a:buAutoNum type="arabicPeriod"/>
-            </a:pPr>
-            <a:r>
-              <a:rPr lang="en-US" sz="2400" dirty="0"/>
-              <a:t>Producer pricing</a:t>
-            </a:r>
-          </a:p>
-          <a:p>
-            <a:pPr marL="1001268" lvl="1" indent="-514350">
-              <a:buFont typeface="+mj-lt"/>
-              <a:buAutoNum type="arabicPeriod"/>
-            </a:pPr>
-            <a:r>
-              <a:rPr lang="en-US" sz="2400" dirty="0"/>
-              <a:t>Predictive customer service</a:t>
-            </a:r>
-          </a:p>
-          <a:p>
-            <a:pPr marL="1001268" lvl="1" indent="-514350">
-              <a:buFont typeface="+mj-lt"/>
-              <a:buAutoNum type="arabicPeriod"/>
-            </a:pPr>
-            <a:r>
-              <a:rPr lang="en-US" sz="2400" dirty="0"/>
-              <a:t>… many more in the book …</a:t>
-            </a:r>
-          </a:p>
-        </p:txBody>
-      </p:sp>
-    </p:spTree>
-    <p:extLst>
-      <p:ext uri="{BB962C8B-B14F-4D97-AF65-F5344CB8AC3E}">
-        <p14:creationId xmlns:p14="http://schemas.microsoft.com/office/powerpoint/2010/main" val="3832234740"/>
-      </p:ext>
-    </p:extLst>
-  </p:cSld>
-  <p:clrMapOvr>
-    <a:masterClrMapping/>
-  </p:clrMapOvr>
-</p:sld>
-</file>
-
-<file path=ppt/slides/slide44.xml><?xml version="1.0" encoding="utf-8"?>
-<p:sld xmlns:a="http://schemas.openxmlformats.org/drawingml/2006/main" xmlns:r="http://schemas.openxmlformats.org/officeDocument/2006/relationships" xmlns:p="http://schemas.openxmlformats.org/presentationml/2006/main">
-  <p:cSld>
-    <p:spTree>
-      <p:nvGrpSpPr>
-        <p:cNvPr id="1" name=""/>
-        <p:cNvGrpSpPr/>
-        <p:nvPr/>
-      </p:nvGrpSpPr>
-      <p:grpSpPr>
-        <a:xfrm>
-          <a:off x="0" y="0"/>
-          <a:ext cx="0" cy="0"/>
-          <a:chOff x="0" y="0"/>
-          <a:chExt cx="0" cy="0"/>
-        </a:xfrm>
-      </p:grpSpPr>
-      <p:sp>
-        <p:nvSpPr>
-          <p:cNvPr id="2" name="Title 1"/>
-          <p:cNvSpPr>
-            <a:spLocks noGrp="1"/>
-          </p:cNvSpPr>
-          <p:nvPr>
-            <p:ph type="title"/>
-          </p:nvPr>
-        </p:nvSpPr>
-        <p:spPr>
-          <a:xfrm>
-            <a:off x="457200" y="70592"/>
-            <a:ext cx="8153400" cy="984885"/>
-          </a:xfrm>
-        </p:spPr>
-        <p:txBody>
-          <a:bodyPr wrap="square">
-            <a:spAutoFit/>
-          </a:bodyPr>
-          <a:lstStyle/>
-          <a:p>
-            <a:r>
-              <a:rPr lang="en-US" sz="3600" spc="-450" dirty="0">
-                <a:latin typeface="+mj-lt"/>
-              </a:rPr>
-              <a:t>A </a:t>
-            </a:r>
-            <a:r>
-              <a:rPr lang="en-US" sz="3600" dirty="0">
-                <a:latin typeface="+mj-lt"/>
-              </a:rPr>
-              <a:t>I in Marketing, Advertising, &amp; </a:t>
-            </a:r>
-            <a:r>
-              <a:rPr lang="en-US" sz="3600" spc="-450" dirty="0">
-                <a:latin typeface="+mj-lt"/>
-              </a:rPr>
-              <a:t>C R </a:t>
-            </a:r>
-            <a:r>
-              <a:rPr lang="en-US" sz="3600" dirty="0">
-                <a:latin typeface="+mj-lt"/>
-              </a:rPr>
-              <a:t>M </a:t>
-            </a:r>
-            <a:r>
-              <a:rPr lang="en-US" sz="2800" dirty="0">
-                <a:latin typeface="+mj-lt"/>
-              </a:rPr>
-              <a:t>(2 of 2)</a:t>
-            </a:r>
-            <a:endParaRPr lang="en-US" sz="3600" dirty="0">
-              <a:latin typeface="+mj-lt"/>
-            </a:endParaRPr>
-          </a:p>
-        </p:txBody>
-      </p:sp>
-      <p:sp>
-        <p:nvSpPr>
-          <p:cNvPr id="4" name="Content Placeholder 3"/>
-          <p:cNvSpPr>
-            <a:spLocks noGrp="1"/>
-          </p:cNvSpPr>
-          <p:nvPr>
-            <p:ph idx="1"/>
-          </p:nvPr>
-        </p:nvSpPr>
-        <p:spPr>
-          <a:xfrm>
-            <a:off x="457200" y="1371600"/>
-            <a:ext cx="8153400" cy="3185487"/>
-          </a:xfrm>
-        </p:spPr>
-        <p:txBody>
-          <a:bodyPr wrap="square">
-            <a:spAutoFit/>
-          </a:bodyPr>
-          <a:lstStyle/>
-          <a:p>
-            <a:pPr marL="285750" indent="-285750"/>
-            <a:r>
-              <a:rPr lang="en-US" sz="2400" dirty="0"/>
-              <a:t>Improving customer experience and </a:t>
-            </a:r>
-            <a:r>
-              <a:rPr lang="en-US" sz="2400" spc="-300" dirty="0"/>
-              <a:t>C R </a:t>
-            </a:r>
-            <a:r>
-              <a:rPr lang="en-US" sz="2400" dirty="0"/>
-              <a:t>M</a:t>
-            </a:r>
-          </a:p>
-          <a:p>
-            <a:pPr marL="1001268" lvl="1" indent="-514350">
-              <a:buFont typeface="+mj-lt"/>
-              <a:buAutoNum type="arabicPeriod"/>
-            </a:pPr>
-            <a:r>
-              <a:rPr lang="en-US" sz="2400" dirty="0"/>
-              <a:t>Use </a:t>
-            </a:r>
-            <a:r>
-              <a:rPr lang="en-US" sz="2400" spc="-300" dirty="0"/>
-              <a:t>N L </a:t>
-            </a:r>
-            <a:r>
-              <a:rPr lang="en-US" sz="2400" dirty="0"/>
-              <a:t>P for generating user documentation. This capability also improves the customer–machine dialogue.</a:t>
-            </a:r>
-          </a:p>
-          <a:p>
-            <a:pPr marL="1001268" lvl="1" indent="-514350">
-              <a:buFont typeface="+mj-lt"/>
-              <a:buAutoNum type="arabicPeriod"/>
-            </a:pPr>
-            <a:r>
-              <a:rPr lang="en-US" sz="2400" dirty="0"/>
-              <a:t>Use visual categorization to organize images (for example, see </a:t>
-            </a:r>
-            <a:r>
-              <a:rPr lang="en-US" sz="2400" spc="-300" dirty="0"/>
-              <a:t>I B </a:t>
-            </a:r>
-            <a:r>
-              <a:rPr lang="en-US" sz="2400" dirty="0"/>
-              <a:t>M’s Visual Recognition and </a:t>
-            </a:r>
-            <a:r>
-              <a:rPr lang="en-US" sz="2400" dirty="0" err="1"/>
-              <a:t>Clarifai</a:t>
-            </a:r>
-            <a:r>
-              <a:rPr lang="en-US" sz="2400" dirty="0"/>
-              <a:t>)</a:t>
-            </a:r>
-          </a:p>
-          <a:p>
-            <a:pPr marL="1001268" lvl="1" indent="-514350">
-              <a:buFont typeface="+mj-lt"/>
-              <a:buAutoNum type="arabicPeriod"/>
-            </a:pPr>
-            <a:r>
-              <a:rPr lang="en-US" sz="2400" dirty="0"/>
-              <a:t>Provide personalized and segmented services by analyzing customer data. </a:t>
-            </a:r>
-          </a:p>
-        </p:txBody>
-      </p:sp>
-      <p:sp>
-        <p:nvSpPr>
-          <p:cNvPr id="3" name="Content Placeholder 2"/>
-          <p:cNvSpPr>
-            <a:spLocks noGrp="1"/>
-          </p:cNvSpPr>
-          <p:nvPr>
-            <p:ph idx="13"/>
-          </p:nvPr>
-        </p:nvSpPr>
-        <p:spPr>
-          <a:xfrm>
-            <a:off x="457200" y="4722812"/>
-            <a:ext cx="8153400" cy="369332"/>
-          </a:xfrm>
-        </p:spPr>
-        <p:txBody>
-          <a:bodyPr wrap="square">
-            <a:spAutoFit/>
-          </a:bodyPr>
-          <a:lstStyle/>
-          <a:p>
-            <a:r>
-              <a:rPr lang="en-US" sz="2400" spc="-300" dirty="0"/>
-              <a:t>A </a:t>
-            </a:r>
-            <a:r>
-              <a:rPr lang="en-US" sz="2400" dirty="0"/>
-              <a:t>I in </a:t>
-            </a:r>
-            <a:r>
-              <a:rPr lang="en-US" sz="2400" spc="-300" dirty="0"/>
-              <a:t>C R </a:t>
-            </a:r>
-            <a:r>
-              <a:rPr lang="en-US" sz="2400" dirty="0"/>
-              <a:t>M Example: </a:t>
-            </a:r>
-            <a:r>
-              <a:rPr lang="en-US" sz="2400" dirty="0" err="1"/>
-              <a:t>Salesforce’s</a:t>
-            </a:r>
-            <a:r>
-              <a:rPr lang="en-US" sz="2400" dirty="0"/>
-              <a:t> </a:t>
-            </a:r>
-            <a:r>
-              <a:rPr lang="en-US" sz="2400" spc="-300" dirty="0"/>
-              <a:t>A </a:t>
-            </a:r>
-            <a:r>
-              <a:rPr lang="en-US" sz="2400" dirty="0"/>
-              <a:t>I Einstein</a:t>
-            </a:r>
-          </a:p>
-        </p:txBody>
-      </p:sp>
-    </p:spTree>
-    <p:extLst>
-      <p:ext uri="{BB962C8B-B14F-4D97-AF65-F5344CB8AC3E}">
-        <p14:creationId xmlns:p14="http://schemas.microsoft.com/office/powerpoint/2010/main" val="3148117036"/>
-      </p:ext>
-    </p:extLst>
-  </p:cSld>
-  <p:clrMapOvr>
-    <a:masterClrMapping/>
-  </p:clrMapOvr>
-</p:sld>
-</file>
-
-<file path=ppt/slides/slide45.xml><?xml version="1.0" encoding="utf-8"?>
-<p:sld xmlns:a="http://schemas.openxmlformats.org/drawingml/2006/main" xmlns:r="http://schemas.openxmlformats.org/officeDocument/2006/relationships" xmlns:p="http://schemas.openxmlformats.org/presentationml/2006/main">
-  <p:cSld>
-    <p:spTree>
-      <p:nvGrpSpPr>
-        <p:cNvPr id="1" name=""/>
-        <p:cNvGrpSpPr/>
-        <p:nvPr/>
-      </p:nvGrpSpPr>
-      <p:grpSpPr>
-        <a:xfrm>
-          <a:off x="0" y="0"/>
-          <a:ext cx="0" cy="0"/>
-          <a:chOff x="0" y="0"/>
-          <a:chExt cx="0" cy="0"/>
-        </a:xfrm>
-      </p:grpSpPr>
-      <p:sp>
-        <p:nvSpPr>
-          <p:cNvPr id="2" name="Title 1"/>
-          <p:cNvSpPr>
-            <a:spLocks noGrp="1"/>
-          </p:cNvSpPr>
-          <p:nvPr>
-            <p:ph type="title"/>
-          </p:nvPr>
-        </p:nvSpPr>
-        <p:spPr>
-          <a:xfrm>
-            <a:off x="457200" y="73997"/>
-            <a:ext cx="8153400" cy="553998"/>
-          </a:xfrm>
-        </p:spPr>
-        <p:txBody>
-          <a:bodyPr wrap="square">
-            <a:spAutoFit/>
-          </a:bodyPr>
-          <a:lstStyle/>
-          <a:p>
-            <a:r>
-              <a:rPr lang="en-US" sz="3600" dirty="0">
-                <a:latin typeface="+mj-lt"/>
-              </a:rPr>
-              <a:t>Application Case 2.7</a:t>
-            </a:r>
-          </a:p>
-        </p:txBody>
-      </p:sp>
-      <p:sp>
-        <p:nvSpPr>
-          <p:cNvPr id="3" name="Content Placeholder 2"/>
-          <p:cNvSpPr>
-            <a:spLocks noGrp="1"/>
-          </p:cNvSpPr>
-          <p:nvPr>
-            <p:ph idx="1"/>
-          </p:nvPr>
-        </p:nvSpPr>
-        <p:spPr>
-          <a:xfrm>
-            <a:off x="457200" y="714375"/>
-            <a:ext cx="8153400" cy="430887"/>
-          </a:xfrm>
-        </p:spPr>
-        <p:txBody>
-          <a:bodyPr wrap="square">
-            <a:spAutoFit/>
-          </a:bodyPr>
-          <a:lstStyle/>
-          <a:p>
-            <a:pPr marL="0" lvl="0" indent="0">
-              <a:spcBef>
-                <a:spcPts val="0"/>
-              </a:spcBef>
-              <a:buClr>
-                <a:schemeClr val="lt1"/>
-              </a:buClr>
-              <a:buSzPct val="25000"/>
-              <a:buNone/>
-              <a:tabLst>
-                <a:tab pos="628650" algn="l"/>
-              </a:tabLst>
-            </a:pPr>
-            <a:r>
-              <a:rPr lang="en-IN" sz="2800" b="1" dirty="0">
-                <a:solidFill>
-                  <a:srgbClr val="007FA3"/>
-                </a:solidFill>
-              </a:rPr>
-              <a:t>Kraft Foods Uses </a:t>
-            </a:r>
-            <a:r>
-              <a:rPr lang="en-IN" sz="2800" b="1" spc="-300" dirty="0">
-                <a:solidFill>
-                  <a:srgbClr val="007FA3"/>
-                </a:solidFill>
-              </a:rPr>
-              <a:t>A </a:t>
-            </a:r>
-            <a:r>
-              <a:rPr lang="en-IN" sz="2800" b="1" dirty="0">
-                <a:solidFill>
-                  <a:srgbClr val="007FA3"/>
-                </a:solidFill>
-              </a:rPr>
-              <a:t>I for Marketing and </a:t>
-            </a:r>
-            <a:r>
-              <a:rPr lang="en-IN" sz="2800" b="1" spc="-300" dirty="0">
-                <a:solidFill>
-                  <a:srgbClr val="007FA3"/>
-                </a:solidFill>
-              </a:rPr>
-              <a:t>C R </a:t>
-            </a:r>
-            <a:r>
-              <a:rPr lang="en-IN" sz="2800" b="1" dirty="0">
-                <a:solidFill>
-                  <a:srgbClr val="007FA3"/>
-                </a:solidFill>
-              </a:rPr>
-              <a:t>M</a:t>
-            </a:r>
-            <a:endParaRPr lang="en-US" sz="2800" b="1" dirty="0"/>
-          </a:p>
-        </p:txBody>
-      </p:sp>
-      <p:sp>
-        <p:nvSpPr>
-          <p:cNvPr id="4" name="Content Placeholder 3"/>
-          <p:cNvSpPr>
-            <a:spLocks noGrp="1"/>
-          </p:cNvSpPr>
-          <p:nvPr>
-            <p:ph idx="13"/>
-          </p:nvPr>
-        </p:nvSpPr>
-        <p:spPr>
-          <a:xfrm>
-            <a:off x="457200" y="1371600"/>
-            <a:ext cx="8153400" cy="4170372"/>
-          </a:xfrm>
-        </p:spPr>
-        <p:txBody>
-          <a:bodyPr>
-            <a:spAutoFit/>
-          </a:bodyPr>
-          <a:lstStyle/>
-          <a:p>
-            <a:pPr marL="0" indent="0">
-              <a:buNone/>
-            </a:pPr>
-            <a:r>
-              <a:rPr lang="en-US" sz="2400" b="1" dirty="0"/>
-              <a:t>Questions for Discussion:</a:t>
-            </a:r>
-          </a:p>
-          <a:p>
-            <a:pPr marL="514350" indent="-514350">
-              <a:buFont typeface="+mj-lt"/>
-              <a:buAutoNum type="arabicPeriod"/>
-            </a:pPr>
-            <a:r>
-              <a:rPr lang="en-US" sz="2400" dirty="0"/>
-              <a:t>Identify all </a:t>
-            </a:r>
-            <a:r>
-              <a:rPr lang="en-US" sz="2400" spc="-300" dirty="0"/>
-              <a:t>A </a:t>
-            </a:r>
-            <a:r>
-              <a:rPr lang="en-US" sz="2400" dirty="0"/>
-              <a:t>I technologies used in the Food Assistant.</a:t>
-            </a:r>
-          </a:p>
-          <a:p>
-            <a:pPr marL="514350" indent="-514350">
-              <a:buFont typeface="+mj-lt"/>
-              <a:buAutoNum type="arabicPeriod"/>
-            </a:pPr>
-            <a:r>
-              <a:rPr lang="en-US" sz="2400" dirty="0"/>
-              <a:t>List the benefits to the customers.</a:t>
-            </a:r>
-          </a:p>
-          <a:p>
-            <a:pPr marL="514350" indent="-514350">
-              <a:buFont typeface="+mj-lt"/>
-              <a:buAutoNum type="arabicPeriod"/>
-            </a:pPr>
-            <a:r>
-              <a:rPr lang="en-US" sz="2400" dirty="0"/>
-              <a:t>List the benefits to Kraft Foods.</a:t>
-            </a:r>
-          </a:p>
-          <a:p>
-            <a:pPr marL="514350" indent="-514350">
-              <a:buFont typeface="+mj-lt"/>
-              <a:buAutoNum type="arabicPeriod"/>
-            </a:pPr>
-            <a:r>
-              <a:rPr lang="en-US" sz="2400" dirty="0"/>
-              <a:t>How is advertising done?</a:t>
-            </a:r>
-          </a:p>
-          <a:p>
-            <a:pPr marL="514350" indent="-514350">
-              <a:buFont typeface="+mj-lt"/>
-              <a:buAutoNum type="arabicPeriod"/>
-            </a:pPr>
-            <a:r>
-              <a:rPr lang="en-US" sz="2400" dirty="0"/>
-              <a:t>What role is “behavioral pattern recognition” playing?</a:t>
-            </a:r>
-          </a:p>
-          <a:p>
-            <a:pPr marL="514350" indent="-514350">
-              <a:buFont typeface="+mj-lt"/>
-              <a:buAutoNum type="arabicPeriod"/>
-            </a:pPr>
-            <a:r>
-              <a:rPr lang="en-US" sz="2400" dirty="0"/>
-              <a:t>Compare Kraft’s Food Assistant to </a:t>
-            </a:r>
-            <a:r>
-              <a:rPr lang="en-US" sz="2400" dirty="0">
-                <a:hlinkClick r:id="rId3" action="ppaction://hlinkfile" tooltip="Amazon.com"/>
-              </a:rPr>
-              <a:t>Amazon.com</a:t>
-            </a:r>
-            <a:r>
-              <a:rPr lang="en-US" sz="2400" dirty="0"/>
-              <a:t> and Netflix recommendation systems.</a:t>
-            </a:r>
-          </a:p>
-        </p:txBody>
-      </p:sp>
-    </p:spTree>
-    <p:extLst>
-      <p:ext uri="{BB962C8B-B14F-4D97-AF65-F5344CB8AC3E}">
-        <p14:creationId xmlns:p14="http://schemas.microsoft.com/office/powerpoint/2010/main" val="1531562885"/>
-      </p:ext>
-    </p:extLst>
-  </p:cSld>
-  <p:clrMapOvr>
-    <a:masterClrMapping/>
-  </p:clrMapOvr>
-</p:sld>
-</file>
-
-<file path=ppt/slides/slide46.xml><?xml version="1.0" encoding="utf-8"?>
-<p:sld xmlns:a="http://schemas.openxmlformats.org/drawingml/2006/main" xmlns:r="http://schemas.openxmlformats.org/officeDocument/2006/relationships" xmlns:p="http://schemas.openxmlformats.org/presentationml/2006/main">
-  <p:cSld>
-    <p:spTree>
-      <p:nvGrpSpPr>
-        <p:cNvPr id="1" name=""/>
-        <p:cNvGrpSpPr/>
-        <p:nvPr/>
-      </p:nvGrpSpPr>
-      <p:grpSpPr>
-        <a:xfrm>
-          <a:off x="0" y="0"/>
-          <a:ext cx="0" cy="0"/>
-          <a:chOff x="0" y="0"/>
-          <a:chExt cx="0" cy="0"/>
-        </a:xfrm>
-      </p:grpSpPr>
-      <p:sp>
-        <p:nvSpPr>
-          <p:cNvPr id="2" name="Title 1"/>
-          <p:cNvSpPr>
-            <a:spLocks noGrp="1"/>
-          </p:cNvSpPr>
-          <p:nvPr>
-            <p:ph type="title"/>
-          </p:nvPr>
-        </p:nvSpPr>
-        <p:spPr>
-          <a:xfrm>
             <a:off x="457200" y="62924"/>
             <a:ext cx="8153400" cy="1107996"/>
           </a:xfrm>
@@ -19861,7 +17328,7 @@
 </p:sld>
 </file>
 
-<file path=ppt/slides/slide47.xml><?xml version="1.0" encoding="utf-8"?>
+<file path=ppt/slides/slide39.xml><?xml version="1.0" encoding="utf-8"?>
 <p:sld xmlns:a="http://schemas.openxmlformats.org/drawingml/2006/main" xmlns:r="http://schemas.openxmlformats.org/officeDocument/2006/relationships" xmlns:p="http://schemas.openxmlformats.org/presentationml/2006/main">
   <p:cSld>
     <p:spTree>
@@ -20169,6 +17636,191 @@
     <p:extLst>
       <p:ext uri="{BB962C8B-B14F-4D97-AF65-F5344CB8AC3E}">
         <p14:creationId xmlns:p14="http://schemas.microsoft.com/office/powerpoint/2010/main" val="3341268876"/>
+      </p:ext>
+    </p:extLst>
+  </p:cSld>
+  <p:clrMapOvr>
+    <a:masterClrMapping/>
+  </p:clrMapOvr>
+</p:sld>
+</file>
+
+<file path=ppt/slides/slide4.xml><?xml version="1.0" encoding="utf-8"?>
+<p:sld xmlns:a="http://schemas.openxmlformats.org/drawingml/2006/main" xmlns:r="http://schemas.openxmlformats.org/officeDocument/2006/relationships" xmlns:p="http://schemas.openxmlformats.org/presentationml/2006/main">
+  <p:cSld>
+    <p:spTree>
+      <p:nvGrpSpPr>
+        <p:cNvPr id="1" name=""/>
+        <p:cNvGrpSpPr/>
+        <p:nvPr/>
+      </p:nvGrpSpPr>
+      <p:grpSpPr>
+        <a:xfrm>
+          <a:off x="0" y="0"/>
+          <a:ext cx="0" cy="0"/>
+          <a:chOff x="0" y="0"/>
+          <a:chExt cx="0" cy="0"/>
+        </a:xfrm>
+      </p:grpSpPr>
+      <p:sp>
+        <p:nvSpPr>
+          <p:cNvPr id="2" name="Title 1"/>
+          <p:cNvSpPr>
+            <a:spLocks noGrp="1"/>
+          </p:cNvSpPr>
+          <p:nvPr>
+            <p:ph type="title"/>
+          </p:nvPr>
+        </p:nvSpPr>
+        <p:spPr>
+          <a:xfrm>
+            <a:off x="457200" y="73997"/>
+            <a:ext cx="8153400" cy="553998"/>
+          </a:xfrm>
+        </p:spPr>
+        <p:txBody>
+          <a:bodyPr wrap="square">
+            <a:spAutoFit/>
+          </a:bodyPr>
+          <a:lstStyle/>
+          <a:p>
+            <a:r>
+              <a:rPr lang="en-US" sz="3600" dirty="0">
+                <a:latin typeface="+mj-lt"/>
+              </a:rPr>
+              <a:t>Opening Vignette </a:t>
+            </a:r>
+            <a:r>
+              <a:rPr lang="en-US" sz="2800" dirty="0">
+                <a:latin typeface="+mj-lt"/>
+              </a:rPr>
+              <a:t>(1 of 2)</a:t>
+            </a:r>
+            <a:endParaRPr lang="en-US" sz="3600" dirty="0">
+              <a:latin typeface="+mj-lt"/>
+            </a:endParaRPr>
+          </a:p>
+        </p:txBody>
+      </p:sp>
+      <p:sp>
+        <p:nvSpPr>
+          <p:cNvPr id="3" name="Content Placeholder 2"/>
+          <p:cNvSpPr>
+            <a:spLocks noGrp="1"/>
+          </p:cNvSpPr>
+          <p:nvPr>
+            <p:ph idx="1"/>
+          </p:nvPr>
+        </p:nvSpPr>
+        <p:spPr>
+          <a:xfrm>
+            <a:off x="457200" y="714375"/>
+            <a:ext cx="8153400" cy="430887"/>
+          </a:xfrm>
+        </p:spPr>
+        <p:txBody>
+          <a:bodyPr wrap="square">
+            <a:spAutoFit/>
+          </a:bodyPr>
+          <a:lstStyle/>
+          <a:p>
+            <a:pPr marL="0" lvl="0" indent="0">
+              <a:spcBef>
+                <a:spcPts val="0"/>
+              </a:spcBef>
+              <a:buClr>
+                <a:schemeClr val="lt1"/>
+              </a:buClr>
+              <a:buSzPct val="25000"/>
+              <a:buNone/>
+              <a:tabLst>
+                <a:tab pos="628650" algn="l"/>
+              </a:tabLst>
+            </a:pPr>
+            <a:r>
+              <a:rPr lang="en-IN" sz="2800" b="1" spc="-400" dirty="0">
+                <a:solidFill>
+                  <a:srgbClr val="007FA3"/>
+                </a:solidFill>
+              </a:rPr>
+              <a:t>I N R I </a:t>
+            </a:r>
+            <a:r>
+              <a:rPr lang="en-IN" sz="2800" b="1" dirty="0">
+                <a:solidFill>
+                  <a:srgbClr val="007FA3"/>
+                </a:solidFill>
+              </a:rPr>
+              <a:t>X Solves Transportation Problems</a:t>
+            </a:r>
+            <a:endParaRPr lang="en-US" sz="2800" b="1" dirty="0"/>
+          </a:p>
+        </p:txBody>
+      </p:sp>
+      <p:sp>
+        <p:nvSpPr>
+          <p:cNvPr id="4" name="Content Placeholder 3"/>
+          <p:cNvSpPr>
+            <a:spLocks noGrp="1"/>
+          </p:cNvSpPr>
+          <p:nvPr>
+            <p:ph idx="13"/>
+          </p:nvPr>
+        </p:nvSpPr>
+        <p:spPr>
+          <a:xfrm>
+            <a:off x="457200" y="1371600"/>
+            <a:ext cx="8153400" cy="2054409"/>
+          </a:xfrm>
+        </p:spPr>
+        <p:txBody>
+          <a:bodyPr>
+            <a:spAutoFit/>
+          </a:bodyPr>
+          <a:lstStyle/>
+          <a:p>
+            <a:pPr marL="285750" indent="-285750"/>
+            <a:r>
+              <a:rPr lang="en-US" sz="2400" dirty="0">
+                <a:hlinkClick r:id="rId3" tooltip="http://www.inrix.com"/>
+              </a:rPr>
+              <a:t>http://www.inrix.com</a:t>
+            </a:r>
+            <a:r>
+              <a:rPr lang="en-US" sz="2400" dirty="0">
+                <a:hlinkClick r:id="rId3"/>
+              </a:rPr>
+              <a:t>  </a:t>
+            </a:r>
+            <a:endParaRPr lang="en-US" sz="2400" dirty="0"/>
+          </a:p>
+          <a:p>
+            <a:pPr marL="285750" indent="-285750"/>
+            <a:r>
+              <a:rPr lang="en-US" sz="2400" dirty="0"/>
+              <a:t>The problem…</a:t>
+            </a:r>
+          </a:p>
+          <a:p>
+            <a:pPr marL="285750" indent="-285750"/>
+            <a:r>
+              <a:rPr lang="en-US" sz="2400" dirty="0"/>
+              <a:t>The solution…</a:t>
+            </a:r>
+          </a:p>
+          <a:p>
+            <a:pPr marL="285750" indent="-285750"/>
+            <a:r>
+              <a:rPr lang="en-US" sz="2400" dirty="0"/>
+              <a:t>The results…</a:t>
+            </a:r>
+          </a:p>
+        </p:txBody>
+      </p:sp>
+    </p:spTree>
+    <p:extLst>
+      <p:ext uri="{BB962C8B-B14F-4D97-AF65-F5344CB8AC3E}">
+        <p14:creationId xmlns:p14="http://schemas.microsoft.com/office/powerpoint/2010/main" val="3979888679"/>
       </p:ext>
     </p:extLst>
   </p:cSld>
